--- a/doc/Design sheet 5.pptx
+++ b/doc/Design sheet 5.pptx
@@ -1,13 +1,13 @@
 
 <file path=ppt/presentation.xml><?xml version="1.0" encoding="utf-8"?>
-<p:presentation xmlns:a="http://schemas.openxmlformats.org/drawingml/2006/main" xmlns:r="http://schemas.openxmlformats.org/officeDocument/2006/relationships" xmlns:p="http://schemas.openxmlformats.org/presentationml/2006/main" saveSubsetFonts="1" autoCompressPictures="0">
+<p:presentation xmlns:a="http://schemas.openxmlformats.org/drawingml/2006/main" xmlns:r="http://schemas.openxmlformats.org/officeDocument/2006/relationships" xmlns:p="http://schemas.openxmlformats.org/presentationml/2006/main" saveSubsetFonts="1">
   <p:sldMasterIdLst>
     <p:sldMasterId id="2147483660" r:id="rId1"/>
   </p:sldMasterIdLst>
   <p:sldIdLst>
     <p:sldId id="256" r:id="rId2"/>
   </p:sldIdLst>
-  <p:sldSz cx="6858000" cy="12192000"/>
+  <p:sldSz cx="10691813" cy="15119350"/>
   <p:notesSz cx="6858000" cy="9144000"/>
   <p:defaultTextStyle>
     <a:defPPr>
@@ -104,12 +104,28 @@
       </a:defRPr>
     </a:lvl9pPr>
   </p:defaultTextStyle>
+  <p:extLst>
+    <p:ext uri="{EFAFB233-063F-42B5-8137-9DF3F51BA10A}">
+      <p15:sldGuideLst xmlns:p15="http://schemas.microsoft.com/office/powerpoint/2012/main">
+        <p15:guide id="1" orient="horz" pos="4762" userDrawn="1">
+          <p15:clr>
+            <a:srgbClr val="A4A3A4"/>
+          </p15:clr>
+        </p15:guide>
+        <p15:guide id="2" pos="3367" userDrawn="1">
+          <p15:clr>
+            <a:srgbClr val="A4A3A4"/>
+          </p15:clr>
+        </p15:guide>
+      </p15:sldGuideLst>
+    </p:ext>
+  </p:extLst>
 </p:presentation>
 </file>
 
 <file path=ppt/slideLayouts/slideLayout1.xml><?xml version="1.0" encoding="utf-8"?>
 <p:sldLayout xmlns:a="http://schemas.openxmlformats.org/drawingml/2006/main" xmlns:r="http://schemas.openxmlformats.org/officeDocument/2006/relationships" xmlns:p="http://schemas.openxmlformats.org/presentationml/2006/main" type="title" preserve="1">
-  <p:cSld name="Title Slide">
+  <p:cSld name="Titelfolie">
     <p:spTree>
       <p:nvGrpSpPr>
         <p:cNvPr id="1" name=""/>
@@ -136,21 +152,21 @@
         </p:nvSpPr>
         <p:spPr>
           <a:xfrm>
-            <a:off x="514350" y="1995312"/>
-            <a:ext cx="5829300" cy="4244622"/>
+            <a:off x="801886" y="2474395"/>
+            <a:ext cx="9088041" cy="5263774"/>
           </a:xfrm>
         </p:spPr>
         <p:txBody>
           <a:bodyPr anchor="b"/>
           <a:lstStyle>
             <a:lvl1pPr algn="ctr">
-              <a:defRPr sz="4500"/>
+              <a:defRPr sz="7016"/>
             </a:lvl1pPr>
           </a:lstStyle>
           <a:p>
             <a:r>
-              <a:rPr lang="en-GB"/>
-              <a:t>Click to edit Master title style</a:t>
+              <a:rPr lang="de-DE"/>
+              <a:t>Mastertitelformat bearbeiten</a:t>
             </a:r>
             <a:endParaRPr lang="en-US" dirty="0"/>
           </a:p>
@@ -168,8 +184,8 @@
         </p:nvSpPr>
         <p:spPr>
           <a:xfrm>
-            <a:off x="857250" y="6403623"/>
-            <a:ext cx="5143500" cy="2943577"/>
+            <a:off x="1336477" y="7941160"/>
+            <a:ext cx="8018860" cy="3650342"/>
           </a:xfrm>
         </p:spPr>
         <p:txBody>
@@ -177,45 +193,45 @@
           <a:lstStyle>
             <a:lvl1pPr marL="0" indent="0" algn="ctr">
               <a:buNone/>
-              <a:defRPr sz="1800"/>
+              <a:defRPr sz="2806"/>
             </a:lvl1pPr>
-            <a:lvl2pPr marL="342900" indent="0" algn="ctr">
+            <a:lvl2pPr marL="534604" indent="0" algn="ctr">
               <a:buNone/>
-              <a:defRPr sz="1500"/>
+              <a:defRPr sz="2339"/>
             </a:lvl2pPr>
-            <a:lvl3pPr marL="685800" indent="0" algn="ctr">
+            <a:lvl3pPr marL="1069208" indent="0" algn="ctr">
               <a:buNone/>
-              <a:defRPr sz="1350"/>
+              <a:defRPr sz="2105"/>
             </a:lvl3pPr>
-            <a:lvl4pPr marL="1028700" indent="0" algn="ctr">
+            <a:lvl4pPr marL="1603812" indent="0" algn="ctr">
               <a:buNone/>
-              <a:defRPr sz="1200"/>
+              <a:defRPr sz="1871"/>
             </a:lvl4pPr>
-            <a:lvl5pPr marL="1371600" indent="0" algn="ctr">
+            <a:lvl5pPr marL="2138416" indent="0" algn="ctr">
               <a:buNone/>
-              <a:defRPr sz="1200"/>
+              <a:defRPr sz="1871"/>
             </a:lvl5pPr>
-            <a:lvl6pPr marL="1714500" indent="0" algn="ctr">
+            <a:lvl6pPr marL="2673020" indent="0" algn="ctr">
               <a:buNone/>
-              <a:defRPr sz="1200"/>
+              <a:defRPr sz="1871"/>
             </a:lvl6pPr>
-            <a:lvl7pPr marL="2057400" indent="0" algn="ctr">
+            <a:lvl7pPr marL="3207624" indent="0" algn="ctr">
               <a:buNone/>
-              <a:defRPr sz="1200"/>
+              <a:defRPr sz="1871"/>
             </a:lvl7pPr>
-            <a:lvl8pPr marL="2400300" indent="0" algn="ctr">
+            <a:lvl8pPr marL="3742228" indent="0" algn="ctr">
               <a:buNone/>
-              <a:defRPr sz="1200"/>
+              <a:defRPr sz="1871"/>
             </a:lvl8pPr>
-            <a:lvl9pPr marL="2743200" indent="0" algn="ctr">
+            <a:lvl9pPr marL="4276832" indent="0" algn="ctr">
               <a:buNone/>
-              <a:defRPr sz="1200"/>
+              <a:defRPr sz="1871"/>
             </a:lvl9pPr>
           </a:lstStyle>
           <a:p>
             <a:r>
-              <a:rPr lang="en-GB"/>
-              <a:t>Click to edit Master subtitle style</a:t>
+              <a:rPr lang="de-DE"/>
+              <a:t>Master-Untertitelformat bearbeiten</a:t>
             </a:r>
             <a:endParaRPr lang="en-US" dirty="0"/>
           </a:p>
@@ -236,9 +252,9 @@
           <a:bodyPr/>
           <a:lstStyle/>
           <a:p>
-            <a:fld id="{CC23A88F-6057-FE4A-AC90-B697DD539B39}" type="datetimeFigureOut">
+            <a:fld id="{E0EA292A-2EF5-4352-838D-47291BEA04AE}" type="datetimeFigureOut">
               <a:rPr lang="de-DE" smtClean="0"/>
-              <a:t>04.05.23</a:t>
+              <a:t>05.05.2023</a:t>
             </a:fld>
             <a:endParaRPr lang="de-DE"/>
           </a:p>
@@ -278,9 +294,9 @@
           <a:bodyPr/>
           <a:lstStyle/>
           <a:p>
-            <a:fld id="{DD566EB6-F9B6-CB4E-A2EB-7B63F7176EFF}" type="slidenum">
+            <a:fld id="{9D40D956-70DA-4F22-A0FA-DD86BF4C02B7}" type="slidenum">
               <a:rPr lang="de-DE" smtClean="0"/>
-              <a:t>‹#›</a:t>
+              <a:t>‹Nr.›</a:t>
             </a:fld>
             <a:endParaRPr lang="de-DE"/>
           </a:p>
@@ -289,7 +305,7 @@
     </p:spTree>
     <p:extLst>
       <p:ext uri="{BB962C8B-B14F-4D97-AF65-F5344CB8AC3E}">
-        <p14:creationId xmlns:p14="http://schemas.microsoft.com/office/powerpoint/2010/main" val="1318634112"/>
+        <p14:creationId xmlns:p14="http://schemas.microsoft.com/office/powerpoint/2010/main" val="2695547436"/>
       </p:ext>
     </p:extLst>
   </p:cSld>
@@ -301,7 +317,7 @@
 
 <file path=ppt/slideLayouts/slideLayout10.xml><?xml version="1.0" encoding="utf-8"?>
 <p:sldLayout xmlns:a="http://schemas.openxmlformats.org/drawingml/2006/main" xmlns:r="http://schemas.openxmlformats.org/officeDocument/2006/relationships" xmlns:p="http://schemas.openxmlformats.org/presentationml/2006/main" type="vertTx" preserve="1">
-  <p:cSld name="Title and Vertical Text">
+  <p:cSld name="Titel und vertikaler Text">
     <p:spTree>
       <p:nvGrpSpPr>
         <p:cNvPr id="1" name=""/>
@@ -332,8 +348,8 @@
           <a:lstStyle/>
           <a:p>
             <a:r>
-              <a:rPr lang="en-GB"/>
-              <a:t>Click to edit Master title style</a:t>
+              <a:rPr lang="de-DE"/>
+              <a:t>Mastertitelformat bearbeiten</a:t>
             </a:r>
             <a:endParaRPr lang="en-US" dirty="0"/>
           </a:p>
@@ -356,36 +372,36 @@
           <a:p>
             <a:pPr lvl="0"/>
             <a:r>
-              <a:rPr lang="en-GB"/>
-              <a:t>Click to edit Master text styles</a:t>
+              <a:rPr lang="de-DE"/>
+              <a:t>Mastertextformat bearbeiten</a:t>
             </a:r>
           </a:p>
           <a:p>
             <a:pPr lvl="1"/>
             <a:r>
-              <a:rPr lang="en-GB"/>
-              <a:t>Second level</a:t>
+              <a:rPr lang="de-DE"/>
+              <a:t>Zweite Ebene</a:t>
             </a:r>
           </a:p>
           <a:p>
             <a:pPr lvl="2"/>
             <a:r>
-              <a:rPr lang="en-GB"/>
-              <a:t>Third level</a:t>
+              <a:rPr lang="de-DE"/>
+              <a:t>Dritte Ebene</a:t>
             </a:r>
           </a:p>
           <a:p>
             <a:pPr lvl="3"/>
             <a:r>
-              <a:rPr lang="en-GB"/>
-              <a:t>Fourth level</a:t>
+              <a:rPr lang="de-DE"/>
+              <a:t>Vierte Ebene</a:t>
             </a:r>
           </a:p>
           <a:p>
             <a:pPr lvl="4"/>
             <a:r>
-              <a:rPr lang="en-GB"/>
-              <a:t>Fifth level</a:t>
+              <a:rPr lang="de-DE"/>
+              <a:t>Fünfte Ebene</a:t>
             </a:r>
             <a:endParaRPr lang="en-US" dirty="0"/>
           </a:p>
@@ -406,9 +422,9 @@
           <a:bodyPr/>
           <a:lstStyle/>
           <a:p>
-            <a:fld id="{CC23A88F-6057-FE4A-AC90-B697DD539B39}" type="datetimeFigureOut">
+            <a:fld id="{E0EA292A-2EF5-4352-838D-47291BEA04AE}" type="datetimeFigureOut">
               <a:rPr lang="de-DE" smtClean="0"/>
-              <a:t>04.05.23</a:t>
+              <a:t>05.05.2023</a:t>
             </a:fld>
             <a:endParaRPr lang="de-DE"/>
           </a:p>
@@ -448,9 +464,9 @@
           <a:bodyPr/>
           <a:lstStyle/>
           <a:p>
-            <a:fld id="{DD566EB6-F9B6-CB4E-A2EB-7B63F7176EFF}" type="slidenum">
+            <a:fld id="{9D40D956-70DA-4F22-A0FA-DD86BF4C02B7}" type="slidenum">
               <a:rPr lang="de-DE" smtClean="0"/>
-              <a:t>‹#›</a:t>
+              <a:t>‹Nr.›</a:t>
             </a:fld>
             <a:endParaRPr lang="de-DE"/>
           </a:p>
@@ -459,7 +475,7 @@
     </p:spTree>
     <p:extLst>
       <p:ext uri="{BB962C8B-B14F-4D97-AF65-F5344CB8AC3E}">
-        <p14:creationId xmlns:p14="http://schemas.microsoft.com/office/powerpoint/2010/main" val="142793970"/>
+        <p14:creationId xmlns:p14="http://schemas.microsoft.com/office/powerpoint/2010/main" val="4148927284"/>
       </p:ext>
     </p:extLst>
   </p:cSld>
@@ -471,7 +487,7 @@
 
 <file path=ppt/slideLayouts/slideLayout11.xml><?xml version="1.0" encoding="utf-8"?>
 <p:sldLayout xmlns:a="http://schemas.openxmlformats.org/drawingml/2006/main" xmlns:r="http://schemas.openxmlformats.org/officeDocument/2006/relationships" xmlns:p="http://schemas.openxmlformats.org/presentationml/2006/main" type="vertTitleAndTx" preserve="1">
-  <p:cSld name="Vertical Title and Text">
+  <p:cSld name="Vertikaler Titel und Text">
     <p:spTree>
       <p:nvGrpSpPr>
         <p:cNvPr id="1" name=""/>
@@ -498,8 +514,8 @@
         </p:nvSpPr>
         <p:spPr>
           <a:xfrm>
-            <a:off x="4907757" y="649111"/>
-            <a:ext cx="1478756" cy="10332156"/>
+            <a:off x="7651329" y="804966"/>
+            <a:ext cx="2305422" cy="12812950"/>
           </a:xfrm>
         </p:spPr>
         <p:txBody>
@@ -507,8 +523,8 @@
           <a:lstStyle/>
           <a:p>
             <a:r>
-              <a:rPr lang="en-GB"/>
-              <a:t>Click to edit Master title style</a:t>
+              <a:rPr lang="de-DE"/>
+              <a:t>Mastertitelformat bearbeiten</a:t>
             </a:r>
             <a:endParaRPr lang="en-US" dirty="0"/>
           </a:p>
@@ -526,8 +542,8 @@
         </p:nvSpPr>
         <p:spPr>
           <a:xfrm>
-            <a:off x="471488" y="649111"/>
-            <a:ext cx="4350544" cy="10332156"/>
+            <a:off x="735063" y="804966"/>
+            <a:ext cx="6782619" cy="12812950"/>
           </a:xfrm>
         </p:spPr>
         <p:txBody>
@@ -536,36 +552,36 @@
           <a:p>
             <a:pPr lvl="0"/>
             <a:r>
-              <a:rPr lang="en-GB"/>
-              <a:t>Click to edit Master text styles</a:t>
+              <a:rPr lang="de-DE"/>
+              <a:t>Mastertextformat bearbeiten</a:t>
             </a:r>
           </a:p>
           <a:p>
             <a:pPr lvl="1"/>
             <a:r>
-              <a:rPr lang="en-GB"/>
-              <a:t>Second level</a:t>
+              <a:rPr lang="de-DE"/>
+              <a:t>Zweite Ebene</a:t>
             </a:r>
           </a:p>
           <a:p>
             <a:pPr lvl="2"/>
             <a:r>
-              <a:rPr lang="en-GB"/>
-              <a:t>Third level</a:t>
+              <a:rPr lang="de-DE"/>
+              <a:t>Dritte Ebene</a:t>
             </a:r>
           </a:p>
           <a:p>
             <a:pPr lvl="3"/>
             <a:r>
-              <a:rPr lang="en-GB"/>
-              <a:t>Fourth level</a:t>
+              <a:rPr lang="de-DE"/>
+              <a:t>Vierte Ebene</a:t>
             </a:r>
           </a:p>
           <a:p>
             <a:pPr lvl="4"/>
             <a:r>
-              <a:rPr lang="en-GB"/>
-              <a:t>Fifth level</a:t>
+              <a:rPr lang="de-DE"/>
+              <a:t>Fünfte Ebene</a:t>
             </a:r>
             <a:endParaRPr lang="en-US" dirty="0"/>
           </a:p>
@@ -586,9 +602,9 @@
           <a:bodyPr/>
           <a:lstStyle/>
           <a:p>
-            <a:fld id="{CC23A88F-6057-FE4A-AC90-B697DD539B39}" type="datetimeFigureOut">
+            <a:fld id="{E0EA292A-2EF5-4352-838D-47291BEA04AE}" type="datetimeFigureOut">
               <a:rPr lang="de-DE" smtClean="0"/>
-              <a:t>04.05.23</a:t>
+              <a:t>05.05.2023</a:t>
             </a:fld>
             <a:endParaRPr lang="de-DE"/>
           </a:p>
@@ -628,9 +644,9 @@
           <a:bodyPr/>
           <a:lstStyle/>
           <a:p>
-            <a:fld id="{DD566EB6-F9B6-CB4E-A2EB-7B63F7176EFF}" type="slidenum">
+            <a:fld id="{9D40D956-70DA-4F22-A0FA-DD86BF4C02B7}" type="slidenum">
               <a:rPr lang="de-DE" smtClean="0"/>
-              <a:t>‹#›</a:t>
+              <a:t>‹Nr.›</a:t>
             </a:fld>
             <a:endParaRPr lang="de-DE"/>
           </a:p>
@@ -639,7 +655,7 @@
     </p:spTree>
     <p:extLst>
       <p:ext uri="{BB962C8B-B14F-4D97-AF65-F5344CB8AC3E}">
-        <p14:creationId xmlns:p14="http://schemas.microsoft.com/office/powerpoint/2010/main" val="2897453305"/>
+        <p14:creationId xmlns:p14="http://schemas.microsoft.com/office/powerpoint/2010/main" val="3713099415"/>
       </p:ext>
     </p:extLst>
   </p:cSld>
@@ -651,7 +667,7 @@
 
 <file path=ppt/slideLayouts/slideLayout2.xml><?xml version="1.0" encoding="utf-8"?>
 <p:sldLayout xmlns:a="http://schemas.openxmlformats.org/drawingml/2006/main" xmlns:r="http://schemas.openxmlformats.org/officeDocument/2006/relationships" xmlns:p="http://schemas.openxmlformats.org/presentationml/2006/main" type="obj" preserve="1">
-  <p:cSld name="Title and Content">
+  <p:cSld name="Titel und Inhalt">
     <p:spTree>
       <p:nvGrpSpPr>
         <p:cNvPr id="1" name=""/>
@@ -682,8 +698,8 @@
           <a:lstStyle/>
           <a:p>
             <a:r>
-              <a:rPr lang="en-GB"/>
-              <a:t>Click to edit Master title style</a:t>
+              <a:rPr lang="de-DE"/>
+              <a:t>Mastertitelformat bearbeiten</a:t>
             </a:r>
             <a:endParaRPr lang="en-US" dirty="0"/>
           </a:p>
@@ -706,36 +722,36 @@
           <a:p>
             <a:pPr lvl="0"/>
             <a:r>
-              <a:rPr lang="en-GB"/>
-              <a:t>Click to edit Master text styles</a:t>
+              <a:rPr lang="de-DE"/>
+              <a:t>Mastertextformat bearbeiten</a:t>
             </a:r>
           </a:p>
           <a:p>
             <a:pPr lvl="1"/>
             <a:r>
-              <a:rPr lang="en-GB"/>
-              <a:t>Second level</a:t>
+              <a:rPr lang="de-DE"/>
+              <a:t>Zweite Ebene</a:t>
             </a:r>
           </a:p>
           <a:p>
             <a:pPr lvl="2"/>
             <a:r>
-              <a:rPr lang="en-GB"/>
-              <a:t>Third level</a:t>
+              <a:rPr lang="de-DE"/>
+              <a:t>Dritte Ebene</a:t>
             </a:r>
           </a:p>
           <a:p>
             <a:pPr lvl="3"/>
             <a:r>
-              <a:rPr lang="en-GB"/>
-              <a:t>Fourth level</a:t>
+              <a:rPr lang="de-DE"/>
+              <a:t>Vierte Ebene</a:t>
             </a:r>
           </a:p>
           <a:p>
             <a:pPr lvl="4"/>
             <a:r>
-              <a:rPr lang="en-GB"/>
-              <a:t>Fifth level</a:t>
+              <a:rPr lang="de-DE"/>
+              <a:t>Fünfte Ebene</a:t>
             </a:r>
             <a:endParaRPr lang="en-US" dirty="0"/>
           </a:p>
@@ -756,9 +772,9 @@
           <a:bodyPr/>
           <a:lstStyle/>
           <a:p>
-            <a:fld id="{CC23A88F-6057-FE4A-AC90-B697DD539B39}" type="datetimeFigureOut">
+            <a:fld id="{E0EA292A-2EF5-4352-838D-47291BEA04AE}" type="datetimeFigureOut">
               <a:rPr lang="de-DE" smtClean="0"/>
-              <a:t>04.05.23</a:t>
+              <a:t>05.05.2023</a:t>
             </a:fld>
             <a:endParaRPr lang="de-DE"/>
           </a:p>
@@ -798,9 +814,9 @@
           <a:bodyPr/>
           <a:lstStyle/>
           <a:p>
-            <a:fld id="{DD566EB6-F9B6-CB4E-A2EB-7B63F7176EFF}" type="slidenum">
+            <a:fld id="{9D40D956-70DA-4F22-A0FA-DD86BF4C02B7}" type="slidenum">
               <a:rPr lang="de-DE" smtClean="0"/>
-              <a:t>‹#›</a:t>
+              <a:t>‹Nr.›</a:t>
             </a:fld>
             <a:endParaRPr lang="de-DE"/>
           </a:p>
@@ -809,7 +825,7 @@
     </p:spTree>
     <p:extLst>
       <p:ext uri="{BB962C8B-B14F-4D97-AF65-F5344CB8AC3E}">
-        <p14:creationId xmlns:p14="http://schemas.microsoft.com/office/powerpoint/2010/main" val="2233186175"/>
+        <p14:creationId xmlns:p14="http://schemas.microsoft.com/office/powerpoint/2010/main" val="4238467918"/>
       </p:ext>
     </p:extLst>
   </p:cSld>
@@ -821,7 +837,7 @@
 
 <file path=ppt/slideLayouts/slideLayout3.xml><?xml version="1.0" encoding="utf-8"?>
 <p:sldLayout xmlns:a="http://schemas.openxmlformats.org/drawingml/2006/main" xmlns:r="http://schemas.openxmlformats.org/officeDocument/2006/relationships" xmlns:p="http://schemas.openxmlformats.org/presentationml/2006/main" type="secHead" preserve="1">
-  <p:cSld name="Section Header">
+  <p:cSld name="Abschnitts-&#10;überschrift">
     <p:spTree>
       <p:nvGrpSpPr>
         <p:cNvPr id="1" name=""/>
@@ -848,21 +864,21 @@
         </p:nvSpPr>
         <p:spPr>
           <a:xfrm>
-            <a:off x="467916" y="3039537"/>
-            <a:ext cx="5915025" cy="5071532"/>
+            <a:off x="729494" y="3769342"/>
+            <a:ext cx="9221689" cy="6289229"/>
           </a:xfrm>
         </p:spPr>
         <p:txBody>
           <a:bodyPr anchor="b"/>
           <a:lstStyle>
             <a:lvl1pPr>
-              <a:defRPr sz="4500"/>
+              <a:defRPr sz="7016"/>
             </a:lvl1pPr>
           </a:lstStyle>
           <a:p>
             <a:r>
-              <a:rPr lang="en-GB"/>
-              <a:t>Click to edit Master title style</a:t>
+              <a:rPr lang="de-DE"/>
+              <a:t>Mastertitelformat bearbeiten</a:t>
             </a:r>
             <a:endParaRPr lang="en-US" dirty="0"/>
           </a:p>
@@ -880,8 +896,8 @@
         </p:nvSpPr>
         <p:spPr>
           <a:xfrm>
-            <a:off x="467916" y="8159048"/>
-            <a:ext cx="5915025" cy="2666999"/>
+            <a:off x="729494" y="10118069"/>
+            <a:ext cx="9221689" cy="3307357"/>
           </a:xfrm>
         </p:spPr>
         <p:txBody>
@@ -889,15 +905,15 @@
           <a:lstStyle>
             <a:lvl1pPr marL="0" indent="0">
               <a:buNone/>
-              <a:defRPr sz="1800">
+              <a:defRPr sz="2806">
                 <a:solidFill>
                   <a:schemeClr val="tx1"/>
                 </a:solidFill>
               </a:defRPr>
             </a:lvl1pPr>
-            <a:lvl2pPr marL="342900" indent="0">
+            <a:lvl2pPr marL="534604" indent="0">
               <a:buNone/>
-              <a:defRPr sz="1500">
+              <a:defRPr sz="2339">
                 <a:solidFill>
                   <a:schemeClr val="tx1">
                     <a:tint val="75000"/>
@@ -905,9 +921,9 @@
                 </a:solidFill>
               </a:defRPr>
             </a:lvl2pPr>
-            <a:lvl3pPr marL="685800" indent="0">
+            <a:lvl3pPr marL="1069208" indent="0">
               <a:buNone/>
-              <a:defRPr sz="1350">
+              <a:defRPr sz="2105">
                 <a:solidFill>
                   <a:schemeClr val="tx1">
                     <a:tint val="75000"/>
@@ -915,9 +931,9 @@
                 </a:solidFill>
               </a:defRPr>
             </a:lvl3pPr>
-            <a:lvl4pPr marL="1028700" indent="0">
+            <a:lvl4pPr marL="1603812" indent="0">
               <a:buNone/>
-              <a:defRPr sz="1200">
+              <a:defRPr sz="1871">
                 <a:solidFill>
                   <a:schemeClr val="tx1">
                     <a:tint val="75000"/>
@@ -925,9 +941,9 @@
                 </a:solidFill>
               </a:defRPr>
             </a:lvl4pPr>
-            <a:lvl5pPr marL="1371600" indent="0">
+            <a:lvl5pPr marL="2138416" indent="0">
               <a:buNone/>
-              <a:defRPr sz="1200">
+              <a:defRPr sz="1871">
                 <a:solidFill>
                   <a:schemeClr val="tx1">
                     <a:tint val="75000"/>
@@ -935,9 +951,9 @@
                 </a:solidFill>
               </a:defRPr>
             </a:lvl5pPr>
-            <a:lvl6pPr marL="1714500" indent="0">
+            <a:lvl6pPr marL="2673020" indent="0">
               <a:buNone/>
-              <a:defRPr sz="1200">
+              <a:defRPr sz="1871">
                 <a:solidFill>
                   <a:schemeClr val="tx1">
                     <a:tint val="75000"/>
@@ -945,9 +961,9 @@
                 </a:solidFill>
               </a:defRPr>
             </a:lvl6pPr>
-            <a:lvl7pPr marL="2057400" indent="0">
+            <a:lvl7pPr marL="3207624" indent="0">
               <a:buNone/>
-              <a:defRPr sz="1200">
+              <a:defRPr sz="1871">
                 <a:solidFill>
                   <a:schemeClr val="tx1">
                     <a:tint val="75000"/>
@@ -955,9 +971,9 @@
                 </a:solidFill>
               </a:defRPr>
             </a:lvl7pPr>
-            <a:lvl8pPr marL="2400300" indent="0">
+            <a:lvl8pPr marL="3742228" indent="0">
               <a:buNone/>
-              <a:defRPr sz="1200">
+              <a:defRPr sz="1871">
                 <a:solidFill>
                   <a:schemeClr val="tx1">
                     <a:tint val="75000"/>
@@ -965,9 +981,9 @@
                 </a:solidFill>
               </a:defRPr>
             </a:lvl8pPr>
-            <a:lvl9pPr marL="2743200" indent="0">
+            <a:lvl9pPr marL="4276832" indent="0">
               <a:buNone/>
-              <a:defRPr sz="1200">
+              <a:defRPr sz="1871">
                 <a:solidFill>
                   <a:schemeClr val="tx1">
                     <a:tint val="75000"/>
@@ -979,8 +995,8 @@
           <a:p>
             <a:pPr lvl="0"/>
             <a:r>
-              <a:rPr lang="en-GB"/>
-              <a:t>Click to edit Master text styles</a:t>
+              <a:rPr lang="de-DE"/>
+              <a:t>Mastertextformat bearbeiten</a:t>
             </a:r>
           </a:p>
         </p:txBody>
@@ -1000,9 +1016,9 @@
           <a:bodyPr/>
           <a:lstStyle/>
           <a:p>
-            <a:fld id="{CC23A88F-6057-FE4A-AC90-B697DD539B39}" type="datetimeFigureOut">
+            <a:fld id="{E0EA292A-2EF5-4352-838D-47291BEA04AE}" type="datetimeFigureOut">
               <a:rPr lang="de-DE" smtClean="0"/>
-              <a:t>04.05.23</a:t>
+              <a:t>05.05.2023</a:t>
             </a:fld>
             <a:endParaRPr lang="de-DE"/>
           </a:p>
@@ -1042,9 +1058,9 @@
           <a:bodyPr/>
           <a:lstStyle/>
           <a:p>
-            <a:fld id="{DD566EB6-F9B6-CB4E-A2EB-7B63F7176EFF}" type="slidenum">
+            <a:fld id="{9D40D956-70DA-4F22-A0FA-DD86BF4C02B7}" type="slidenum">
               <a:rPr lang="de-DE" smtClean="0"/>
-              <a:t>‹#›</a:t>
+              <a:t>‹Nr.›</a:t>
             </a:fld>
             <a:endParaRPr lang="de-DE"/>
           </a:p>
@@ -1053,7 +1069,7 @@
     </p:spTree>
     <p:extLst>
       <p:ext uri="{BB962C8B-B14F-4D97-AF65-F5344CB8AC3E}">
-        <p14:creationId xmlns:p14="http://schemas.microsoft.com/office/powerpoint/2010/main" val="33331475"/>
+        <p14:creationId xmlns:p14="http://schemas.microsoft.com/office/powerpoint/2010/main" val="2590747445"/>
       </p:ext>
     </p:extLst>
   </p:cSld>
@@ -1065,7 +1081,7 @@
 
 <file path=ppt/slideLayouts/slideLayout4.xml><?xml version="1.0" encoding="utf-8"?>
 <p:sldLayout xmlns:a="http://schemas.openxmlformats.org/drawingml/2006/main" xmlns:r="http://schemas.openxmlformats.org/officeDocument/2006/relationships" xmlns:p="http://schemas.openxmlformats.org/presentationml/2006/main" type="twoObj" preserve="1">
-  <p:cSld name="Two Content">
+  <p:cSld name="Zwei Inhalte">
     <p:spTree>
       <p:nvGrpSpPr>
         <p:cNvPr id="1" name=""/>
@@ -1096,8 +1112,8 @@
           <a:lstStyle/>
           <a:p>
             <a:r>
-              <a:rPr lang="en-GB"/>
-              <a:t>Click to edit Master title style</a:t>
+              <a:rPr lang="de-DE"/>
+              <a:t>Mastertitelformat bearbeiten</a:t>
             </a:r>
             <a:endParaRPr lang="en-US" dirty="0"/>
           </a:p>
@@ -1115,8 +1131,8 @@
         </p:nvSpPr>
         <p:spPr>
           <a:xfrm>
-            <a:off x="471488" y="3245556"/>
-            <a:ext cx="2914650" cy="7735712"/>
+            <a:off x="735062" y="4024827"/>
+            <a:ext cx="4544021" cy="9593089"/>
           </a:xfrm>
         </p:spPr>
         <p:txBody>
@@ -1125,36 +1141,36 @@
           <a:p>
             <a:pPr lvl="0"/>
             <a:r>
-              <a:rPr lang="en-GB"/>
-              <a:t>Click to edit Master text styles</a:t>
+              <a:rPr lang="de-DE"/>
+              <a:t>Mastertextformat bearbeiten</a:t>
             </a:r>
           </a:p>
           <a:p>
             <a:pPr lvl="1"/>
             <a:r>
-              <a:rPr lang="en-GB"/>
-              <a:t>Second level</a:t>
+              <a:rPr lang="de-DE"/>
+              <a:t>Zweite Ebene</a:t>
             </a:r>
           </a:p>
           <a:p>
             <a:pPr lvl="2"/>
             <a:r>
-              <a:rPr lang="en-GB"/>
-              <a:t>Third level</a:t>
+              <a:rPr lang="de-DE"/>
+              <a:t>Dritte Ebene</a:t>
             </a:r>
           </a:p>
           <a:p>
             <a:pPr lvl="3"/>
             <a:r>
-              <a:rPr lang="en-GB"/>
-              <a:t>Fourth level</a:t>
+              <a:rPr lang="de-DE"/>
+              <a:t>Vierte Ebene</a:t>
             </a:r>
           </a:p>
           <a:p>
             <a:pPr lvl="4"/>
             <a:r>
-              <a:rPr lang="en-GB"/>
-              <a:t>Fifth level</a:t>
+              <a:rPr lang="de-DE"/>
+              <a:t>Fünfte Ebene</a:t>
             </a:r>
             <a:endParaRPr lang="en-US" dirty="0"/>
           </a:p>
@@ -1172,8 +1188,8 @@
         </p:nvSpPr>
         <p:spPr>
           <a:xfrm>
-            <a:off x="3471863" y="3245556"/>
-            <a:ext cx="2914650" cy="7735712"/>
+            <a:off x="5412730" y="4024827"/>
+            <a:ext cx="4544021" cy="9593089"/>
           </a:xfrm>
         </p:spPr>
         <p:txBody>
@@ -1182,36 +1198,36 @@
           <a:p>
             <a:pPr lvl="0"/>
             <a:r>
-              <a:rPr lang="en-GB"/>
-              <a:t>Click to edit Master text styles</a:t>
+              <a:rPr lang="de-DE"/>
+              <a:t>Mastertextformat bearbeiten</a:t>
             </a:r>
           </a:p>
           <a:p>
             <a:pPr lvl="1"/>
             <a:r>
-              <a:rPr lang="en-GB"/>
-              <a:t>Second level</a:t>
+              <a:rPr lang="de-DE"/>
+              <a:t>Zweite Ebene</a:t>
             </a:r>
           </a:p>
           <a:p>
             <a:pPr lvl="2"/>
             <a:r>
-              <a:rPr lang="en-GB"/>
-              <a:t>Third level</a:t>
+              <a:rPr lang="de-DE"/>
+              <a:t>Dritte Ebene</a:t>
             </a:r>
           </a:p>
           <a:p>
             <a:pPr lvl="3"/>
             <a:r>
-              <a:rPr lang="en-GB"/>
-              <a:t>Fourth level</a:t>
+              <a:rPr lang="de-DE"/>
+              <a:t>Vierte Ebene</a:t>
             </a:r>
           </a:p>
           <a:p>
             <a:pPr lvl="4"/>
             <a:r>
-              <a:rPr lang="en-GB"/>
-              <a:t>Fifth level</a:t>
+              <a:rPr lang="de-DE"/>
+              <a:t>Fünfte Ebene</a:t>
             </a:r>
             <a:endParaRPr lang="en-US" dirty="0"/>
           </a:p>
@@ -1232,9 +1248,9 @@
           <a:bodyPr/>
           <a:lstStyle/>
           <a:p>
-            <a:fld id="{CC23A88F-6057-FE4A-AC90-B697DD539B39}" type="datetimeFigureOut">
+            <a:fld id="{E0EA292A-2EF5-4352-838D-47291BEA04AE}" type="datetimeFigureOut">
               <a:rPr lang="de-DE" smtClean="0"/>
-              <a:t>04.05.23</a:t>
+              <a:t>05.05.2023</a:t>
             </a:fld>
             <a:endParaRPr lang="de-DE"/>
           </a:p>
@@ -1274,9 +1290,9 @@
           <a:bodyPr/>
           <a:lstStyle/>
           <a:p>
-            <a:fld id="{DD566EB6-F9B6-CB4E-A2EB-7B63F7176EFF}" type="slidenum">
+            <a:fld id="{9D40D956-70DA-4F22-A0FA-DD86BF4C02B7}" type="slidenum">
               <a:rPr lang="de-DE" smtClean="0"/>
-              <a:t>‹#›</a:t>
+              <a:t>‹Nr.›</a:t>
             </a:fld>
             <a:endParaRPr lang="de-DE"/>
           </a:p>
@@ -1285,7 +1301,7 @@
     </p:spTree>
     <p:extLst>
       <p:ext uri="{BB962C8B-B14F-4D97-AF65-F5344CB8AC3E}">
-        <p14:creationId xmlns:p14="http://schemas.microsoft.com/office/powerpoint/2010/main" val="3561191713"/>
+        <p14:creationId xmlns:p14="http://schemas.microsoft.com/office/powerpoint/2010/main" val="1759475839"/>
       </p:ext>
     </p:extLst>
   </p:cSld>
@@ -1297,7 +1313,7 @@
 
 <file path=ppt/slideLayouts/slideLayout5.xml><?xml version="1.0" encoding="utf-8"?>
 <p:sldLayout xmlns:a="http://schemas.openxmlformats.org/drawingml/2006/main" xmlns:r="http://schemas.openxmlformats.org/officeDocument/2006/relationships" xmlns:p="http://schemas.openxmlformats.org/presentationml/2006/main" type="twoTxTwoObj" preserve="1">
-  <p:cSld name="Comparison">
+  <p:cSld name="Vergleich">
     <p:spTree>
       <p:nvGrpSpPr>
         <p:cNvPr id="1" name=""/>
@@ -1324,8 +1340,8 @@
         </p:nvSpPr>
         <p:spPr>
           <a:xfrm>
-            <a:off x="472381" y="649114"/>
-            <a:ext cx="5915025" cy="2356556"/>
+            <a:off x="736455" y="804969"/>
+            <a:ext cx="9221689" cy="2922375"/>
           </a:xfrm>
         </p:spPr>
         <p:txBody>
@@ -1333,8 +1349,8 @@
           <a:lstStyle/>
           <a:p>
             <a:r>
-              <a:rPr lang="en-GB"/>
-              <a:t>Click to edit Master title style</a:t>
+              <a:rPr lang="de-DE"/>
+              <a:t>Mastertitelformat bearbeiten</a:t>
             </a:r>
             <a:endParaRPr lang="en-US" dirty="0"/>
           </a:p>
@@ -1352,8 +1368,8 @@
         </p:nvSpPr>
         <p:spPr>
           <a:xfrm>
-            <a:off x="472381" y="2988734"/>
-            <a:ext cx="2901255" cy="1464732"/>
+            <a:off x="736456" y="3706342"/>
+            <a:ext cx="4523137" cy="1816421"/>
           </a:xfrm>
         </p:spPr>
         <p:txBody>
@@ -1361,46 +1377,46 @@
           <a:lstStyle>
             <a:lvl1pPr marL="0" indent="0">
               <a:buNone/>
-              <a:defRPr sz="1800" b="1"/>
+              <a:defRPr sz="2806" b="1"/>
             </a:lvl1pPr>
-            <a:lvl2pPr marL="342900" indent="0">
+            <a:lvl2pPr marL="534604" indent="0">
               <a:buNone/>
-              <a:defRPr sz="1500" b="1"/>
+              <a:defRPr sz="2339" b="1"/>
             </a:lvl2pPr>
-            <a:lvl3pPr marL="685800" indent="0">
+            <a:lvl3pPr marL="1069208" indent="0">
               <a:buNone/>
-              <a:defRPr sz="1350" b="1"/>
+              <a:defRPr sz="2105" b="1"/>
             </a:lvl3pPr>
-            <a:lvl4pPr marL="1028700" indent="0">
+            <a:lvl4pPr marL="1603812" indent="0">
               <a:buNone/>
-              <a:defRPr sz="1200" b="1"/>
+              <a:defRPr sz="1871" b="1"/>
             </a:lvl4pPr>
-            <a:lvl5pPr marL="1371600" indent="0">
+            <a:lvl5pPr marL="2138416" indent="0">
               <a:buNone/>
-              <a:defRPr sz="1200" b="1"/>
+              <a:defRPr sz="1871" b="1"/>
             </a:lvl5pPr>
-            <a:lvl6pPr marL="1714500" indent="0">
+            <a:lvl6pPr marL="2673020" indent="0">
               <a:buNone/>
-              <a:defRPr sz="1200" b="1"/>
+              <a:defRPr sz="1871" b="1"/>
             </a:lvl6pPr>
-            <a:lvl7pPr marL="2057400" indent="0">
+            <a:lvl7pPr marL="3207624" indent="0">
               <a:buNone/>
-              <a:defRPr sz="1200" b="1"/>
+              <a:defRPr sz="1871" b="1"/>
             </a:lvl7pPr>
-            <a:lvl8pPr marL="2400300" indent="0">
+            <a:lvl8pPr marL="3742228" indent="0">
               <a:buNone/>
-              <a:defRPr sz="1200" b="1"/>
+              <a:defRPr sz="1871" b="1"/>
             </a:lvl8pPr>
-            <a:lvl9pPr marL="2743200" indent="0">
+            <a:lvl9pPr marL="4276832" indent="0">
               <a:buNone/>
-              <a:defRPr sz="1200" b="1"/>
+              <a:defRPr sz="1871" b="1"/>
             </a:lvl9pPr>
           </a:lstStyle>
           <a:p>
             <a:pPr lvl="0"/>
             <a:r>
-              <a:rPr lang="en-GB"/>
-              <a:t>Click to edit Master text styles</a:t>
+              <a:rPr lang="de-DE"/>
+              <a:t>Mastertextformat bearbeiten</a:t>
             </a:r>
           </a:p>
         </p:txBody>
@@ -1417,8 +1433,8 @@
         </p:nvSpPr>
         <p:spPr>
           <a:xfrm>
-            <a:off x="472381" y="4453467"/>
-            <a:ext cx="2901255" cy="6550379"/>
+            <a:off x="736456" y="5522763"/>
+            <a:ext cx="4523137" cy="8123152"/>
           </a:xfrm>
         </p:spPr>
         <p:txBody>
@@ -1427,36 +1443,36 @@
           <a:p>
             <a:pPr lvl="0"/>
             <a:r>
-              <a:rPr lang="en-GB"/>
-              <a:t>Click to edit Master text styles</a:t>
+              <a:rPr lang="de-DE"/>
+              <a:t>Mastertextformat bearbeiten</a:t>
             </a:r>
           </a:p>
           <a:p>
             <a:pPr lvl="1"/>
             <a:r>
-              <a:rPr lang="en-GB"/>
-              <a:t>Second level</a:t>
+              <a:rPr lang="de-DE"/>
+              <a:t>Zweite Ebene</a:t>
             </a:r>
           </a:p>
           <a:p>
             <a:pPr lvl="2"/>
             <a:r>
-              <a:rPr lang="en-GB"/>
-              <a:t>Third level</a:t>
+              <a:rPr lang="de-DE"/>
+              <a:t>Dritte Ebene</a:t>
             </a:r>
           </a:p>
           <a:p>
             <a:pPr lvl="3"/>
             <a:r>
-              <a:rPr lang="en-GB"/>
-              <a:t>Fourth level</a:t>
+              <a:rPr lang="de-DE"/>
+              <a:t>Vierte Ebene</a:t>
             </a:r>
           </a:p>
           <a:p>
             <a:pPr lvl="4"/>
             <a:r>
-              <a:rPr lang="en-GB"/>
-              <a:t>Fifth level</a:t>
+              <a:rPr lang="de-DE"/>
+              <a:t>Fünfte Ebene</a:t>
             </a:r>
             <a:endParaRPr lang="en-US" dirty="0"/>
           </a:p>
@@ -1474,8 +1490,8 @@
         </p:nvSpPr>
         <p:spPr>
           <a:xfrm>
-            <a:off x="3471863" y="2988734"/>
-            <a:ext cx="2915543" cy="1464732"/>
+            <a:off x="5412731" y="3706342"/>
+            <a:ext cx="4545413" cy="1816421"/>
           </a:xfrm>
         </p:spPr>
         <p:txBody>
@@ -1483,46 +1499,46 @@
           <a:lstStyle>
             <a:lvl1pPr marL="0" indent="0">
               <a:buNone/>
-              <a:defRPr sz="1800" b="1"/>
+              <a:defRPr sz="2806" b="1"/>
             </a:lvl1pPr>
-            <a:lvl2pPr marL="342900" indent="0">
+            <a:lvl2pPr marL="534604" indent="0">
               <a:buNone/>
-              <a:defRPr sz="1500" b="1"/>
+              <a:defRPr sz="2339" b="1"/>
             </a:lvl2pPr>
-            <a:lvl3pPr marL="685800" indent="0">
+            <a:lvl3pPr marL="1069208" indent="0">
               <a:buNone/>
-              <a:defRPr sz="1350" b="1"/>
+              <a:defRPr sz="2105" b="1"/>
             </a:lvl3pPr>
-            <a:lvl4pPr marL="1028700" indent="0">
+            <a:lvl4pPr marL="1603812" indent="0">
               <a:buNone/>
-              <a:defRPr sz="1200" b="1"/>
+              <a:defRPr sz="1871" b="1"/>
             </a:lvl4pPr>
-            <a:lvl5pPr marL="1371600" indent="0">
+            <a:lvl5pPr marL="2138416" indent="0">
               <a:buNone/>
-              <a:defRPr sz="1200" b="1"/>
+              <a:defRPr sz="1871" b="1"/>
             </a:lvl5pPr>
-            <a:lvl6pPr marL="1714500" indent="0">
+            <a:lvl6pPr marL="2673020" indent="0">
               <a:buNone/>
-              <a:defRPr sz="1200" b="1"/>
+              <a:defRPr sz="1871" b="1"/>
             </a:lvl6pPr>
-            <a:lvl7pPr marL="2057400" indent="0">
+            <a:lvl7pPr marL="3207624" indent="0">
               <a:buNone/>
-              <a:defRPr sz="1200" b="1"/>
+              <a:defRPr sz="1871" b="1"/>
             </a:lvl7pPr>
-            <a:lvl8pPr marL="2400300" indent="0">
+            <a:lvl8pPr marL="3742228" indent="0">
               <a:buNone/>
-              <a:defRPr sz="1200" b="1"/>
+              <a:defRPr sz="1871" b="1"/>
             </a:lvl8pPr>
-            <a:lvl9pPr marL="2743200" indent="0">
+            <a:lvl9pPr marL="4276832" indent="0">
               <a:buNone/>
-              <a:defRPr sz="1200" b="1"/>
+              <a:defRPr sz="1871" b="1"/>
             </a:lvl9pPr>
           </a:lstStyle>
           <a:p>
             <a:pPr lvl="0"/>
             <a:r>
-              <a:rPr lang="en-GB"/>
-              <a:t>Click to edit Master text styles</a:t>
+              <a:rPr lang="de-DE"/>
+              <a:t>Mastertextformat bearbeiten</a:t>
             </a:r>
           </a:p>
         </p:txBody>
@@ -1539,8 +1555,8 @@
         </p:nvSpPr>
         <p:spPr>
           <a:xfrm>
-            <a:off x="3471863" y="4453467"/>
-            <a:ext cx="2915543" cy="6550379"/>
+            <a:off x="5412731" y="5522763"/>
+            <a:ext cx="4545413" cy="8123152"/>
           </a:xfrm>
         </p:spPr>
         <p:txBody>
@@ -1549,36 +1565,36 @@
           <a:p>
             <a:pPr lvl="0"/>
             <a:r>
-              <a:rPr lang="en-GB"/>
-              <a:t>Click to edit Master text styles</a:t>
+              <a:rPr lang="de-DE"/>
+              <a:t>Mastertextformat bearbeiten</a:t>
             </a:r>
           </a:p>
           <a:p>
             <a:pPr lvl="1"/>
             <a:r>
-              <a:rPr lang="en-GB"/>
-              <a:t>Second level</a:t>
+              <a:rPr lang="de-DE"/>
+              <a:t>Zweite Ebene</a:t>
             </a:r>
           </a:p>
           <a:p>
             <a:pPr lvl="2"/>
             <a:r>
-              <a:rPr lang="en-GB"/>
-              <a:t>Third level</a:t>
+              <a:rPr lang="de-DE"/>
+              <a:t>Dritte Ebene</a:t>
             </a:r>
           </a:p>
           <a:p>
             <a:pPr lvl="3"/>
             <a:r>
-              <a:rPr lang="en-GB"/>
-              <a:t>Fourth level</a:t>
+              <a:rPr lang="de-DE"/>
+              <a:t>Vierte Ebene</a:t>
             </a:r>
           </a:p>
           <a:p>
             <a:pPr lvl="4"/>
             <a:r>
-              <a:rPr lang="en-GB"/>
-              <a:t>Fifth level</a:t>
+              <a:rPr lang="de-DE"/>
+              <a:t>Fünfte Ebene</a:t>
             </a:r>
             <a:endParaRPr lang="en-US" dirty="0"/>
           </a:p>
@@ -1599,9 +1615,9 @@
           <a:bodyPr/>
           <a:lstStyle/>
           <a:p>
-            <a:fld id="{CC23A88F-6057-FE4A-AC90-B697DD539B39}" type="datetimeFigureOut">
+            <a:fld id="{E0EA292A-2EF5-4352-838D-47291BEA04AE}" type="datetimeFigureOut">
               <a:rPr lang="de-DE" smtClean="0"/>
-              <a:t>04.05.23</a:t>
+              <a:t>05.05.2023</a:t>
             </a:fld>
             <a:endParaRPr lang="de-DE"/>
           </a:p>
@@ -1641,9 +1657,9 @@
           <a:bodyPr/>
           <a:lstStyle/>
           <a:p>
-            <a:fld id="{DD566EB6-F9B6-CB4E-A2EB-7B63F7176EFF}" type="slidenum">
+            <a:fld id="{9D40D956-70DA-4F22-A0FA-DD86BF4C02B7}" type="slidenum">
               <a:rPr lang="de-DE" smtClean="0"/>
-              <a:t>‹#›</a:t>
+              <a:t>‹Nr.›</a:t>
             </a:fld>
             <a:endParaRPr lang="de-DE"/>
           </a:p>
@@ -1652,7 +1668,7 @@
     </p:spTree>
     <p:extLst>
       <p:ext uri="{BB962C8B-B14F-4D97-AF65-F5344CB8AC3E}">
-        <p14:creationId xmlns:p14="http://schemas.microsoft.com/office/powerpoint/2010/main" val="26924661"/>
+        <p14:creationId xmlns:p14="http://schemas.microsoft.com/office/powerpoint/2010/main" val="1434307403"/>
       </p:ext>
     </p:extLst>
   </p:cSld>
@@ -1664,7 +1680,7 @@
 
 <file path=ppt/slideLayouts/slideLayout6.xml><?xml version="1.0" encoding="utf-8"?>
 <p:sldLayout xmlns:a="http://schemas.openxmlformats.org/drawingml/2006/main" xmlns:r="http://schemas.openxmlformats.org/officeDocument/2006/relationships" xmlns:p="http://schemas.openxmlformats.org/presentationml/2006/main" type="titleOnly" preserve="1">
-  <p:cSld name="Title Only">
+  <p:cSld name="Nur Titel">
     <p:spTree>
       <p:nvGrpSpPr>
         <p:cNvPr id="1" name=""/>
@@ -1695,8 +1711,8 @@
           <a:lstStyle/>
           <a:p>
             <a:r>
-              <a:rPr lang="en-GB"/>
-              <a:t>Click to edit Master title style</a:t>
+              <a:rPr lang="de-DE"/>
+              <a:t>Mastertitelformat bearbeiten</a:t>
             </a:r>
             <a:endParaRPr lang="en-US" dirty="0"/>
           </a:p>
@@ -1717,9 +1733,9 @@
           <a:bodyPr/>
           <a:lstStyle/>
           <a:p>
-            <a:fld id="{CC23A88F-6057-FE4A-AC90-B697DD539B39}" type="datetimeFigureOut">
+            <a:fld id="{E0EA292A-2EF5-4352-838D-47291BEA04AE}" type="datetimeFigureOut">
               <a:rPr lang="de-DE" smtClean="0"/>
-              <a:t>04.05.23</a:t>
+              <a:t>05.05.2023</a:t>
             </a:fld>
             <a:endParaRPr lang="de-DE"/>
           </a:p>
@@ -1759,9 +1775,9 @@
           <a:bodyPr/>
           <a:lstStyle/>
           <a:p>
-            <a:fld id="{DD566EB6-F9B6-CB4E-A2EB-7B63F7176EFF}" type="slidenum">
+            <a:fld id="{9D40D956-70DA-4F22-A0FA-DD86BF4C02B7}" type="slidenum">
               <a:rPr lang="de-DE" smtClean="0"/>
-              <a:t>‹#›</a:t>
+              <a:t>‹Nr.›</a:t>
             </a:fld>
             <a:endParaRPr lang="de-DE"/>
           </a:p>
@@ -1770,7 +1786,7 @@
     </p:spTree>
     <p:extLst>
       <p:ext uri="{BB962C8B-B14F-4D97-AF65-F5344CB8AC3E}">
-        <p14:creationId xmlns:p14="http://schemas.microsoft.com/office/powerpoint/2010/main" val="3161568726"/>
+        <p14:creationId xmlns:p14="http://schemas.microsoft.com/office/powerpoint/2010/main" val="2500864424"/>
       </p:ext>
     </p:extLst>
   </p:cSld>
@@ -1782,7 +1798,7 @@
 
 <file path=ppt/slideLayouts/slideLayout7.xml><?xml version="1.0" encoding="utf-8"?>
 <p:sldLayout xmlns:a="http://schemas.openxmlformats.org/drawingml/2006/main" xmlns:r="http://schemas.openxmlformats.org/officeDocument/2006/relationships" xmlns:p="http://schemas.openxmlformats.org/presentationml/2006/main" type="blank" preserve="1">
-  <p:cSld name="Blank">
+  <p:cSld name="Leer">
     <p:spTree>
       <p:nvGrpSpPr>
         <p:cNvPr id="1" name=""/>
@@ -1812,9 +1828,9 @@
           <a:bodyPr/>
           <a:lstStyle/>
           <a:p>
-            <a:fld id="{CC23A88F-6057-FE4A-AC90-B697DD539B39}" type="datetimeFigureOut">
+            <a:fld id="{E0EA292A-2EF5-4352-838D-47291BEA04AE}" type="datetimeFigureOut">
               <a:rPr lang="de-DE" smtClean="0"/>
-              <a:t>04.05.23</a:t>
+              <a:t>05.05.2023</a:t>
             </a:fld>
             <a:endParaRPr lang="de-DE"/>
           </a:p>
@@ -1854,9 +1870,9 @@
           <a:bodyPr/>
           <a:lstStyle/>
           <a:p>
-            <a:fld id="{DD566EB6-F9B6-CB4E-A2EB-7B63F7176EFF}" type="slidenum">
+            <a:fld id="{9D40D956-70DA-4F22-A0FA-DD86BF4C02B7}" type="slidenum">
               <a:rPr lang="de-DE" smtClean="0"/>
-              <a:t>‹#›</a:t>
+              <a:t>‹Nr.›</a:t>
             </a:fld>
             <a:endParaRPr lang="de-DE"/>
           </a:p>
@@ -1865,7 +1881,7 @@
     </p:spTree>
     <p:extLst>
       <p:ext uri="{BB962C8B-B14F-4D97-AF65-F5344CB8AC3E}">
-        <p14:creationId xmlns:p14="http://schemas.microsoft.com/office/powerpoint/2010/main" val="2657146871"/>
+        <p14:creationId xmlns:p14="http://schemas.microsoft.com/office/powerpoint/2010/main" val="4212897138"/>
       </p:ext>
     </p:extLst>
   </p:cSld>
@@ -1877,7 +1893,7 @@
 
 <file path=ppt/slideLayouts/slideLayout8.xml><?xml version="1.0" encoding="utf-8"?>
 <p:sldLayout xmlns:a="http://schemas.openxmlformats.org/drawingml/2006/main" xmlns:r="http://schemas.openxmlformats.org/officeDocument/2006/relationships" xmlns:p="http://schemas.openxmlformats.org/presentationml/2006/main" type="objTx" preserve="1">
-  <p:cSld name="Content with Caption">
+  <p:cSld name="Inhalt mit Überschrift">
     <p:spTree>
       <p:nvGrpSpPr>
         <p:cNvPr id="1" name=""/>
@@ -1904,21 +1920,21 @@
         </p:nvSpPr>
         <p:spPr>
           <a:xfrm>
-            <a:off x="472381" y="812800"/>
-            <a:ext cx="2211884" cy="2844800"/>
+            <a:off x="736455" y="1007957"/>
+            <a:ext cx="3448388" cy="3527848"/>
           </a:xfrm>
         </p:spPr>
         <p:txBody>
           <a:bodyPr anchor="b"/>
           <a:lstStyle>
             <a:lvl1pPr>
-              <a:defRPr sz="2400"/>
+              <a:defRPr sz="3742"/>
             </a:lvl1pPr>
           </a:lstStyle>
           <a:p>
             <a:r>
-              <a:rPr lang="en-GB"/>
-              <a:t>Click to edit Master title style</a:t>
+              <a:rPr lang="de-DE"/>
+              <a:t>Mastertitelformat bearbeiten</a:t>
             </a:r>
             <a:endParaRPr lang="en-US" dirty="0"/>
           </a:p>
@@ -1936,74 +1952,74 @@
         </p:nvSpPr>
         <p:spPr>
           <a:xfrm>
-            <a:off x="2915543" y="1755425"/>
-            <a:ext cx="3471863" cy="8664222"/>
+            <a:off x="4545413" y="2176910"/>
+            <a:ext cx="5412730" cy="10744538"/>
           </a:xfrm>
         </p:spPr>
         <p:txBody>
           <a:bodyPr/>
           <a:lstStyle>
             <a:lvl1pPr>
-              <a:defRPr sz="2400"/>
+              <a:defRPr sz="3742"/>
             </a:lvl1pPr>
             <a:lvl2pPr>
-              <a:defRPr sz="2100"/>
+              <a:defRPr sz="3274"/>
             </a:lvl2pPr>
             <a:lvl3pPr>
-              <a:defRPr sz="1800"/>
+              <a:defRPr sz="2806"/>
             </a:lvl3pPr>
             <a:lvl4pPr>
-              <a:defRPr sz="1500"/>
+              <a:defRPr sz="2339"/>
             </a:lvl4pPr>
             <a:lvl5pPr>
-              <a:defRPr sz="1500"/>
+              <a:defRPr sz="2339"/>
             </a:lvl5pPr>
             <a:lvl6pPr>
-              <a:defRPr sz="1500"/>
+              <a:defRPr sz="2339"/>
             </a:lvl6pPr>
             <a:lvl7pPr>
-              <a:defRPr sz="1500"/>
+              <a:defRPr sz="2339"/>
             </a:lvl7pPr>
             <a:lvl8pPr>
-              <a:defRPr sz="1500"/>
+              <a:defRPr sz="2339"/>
             </a:lvl8pPr>
             <a:lvl9pPr>
-              <a:defRPr sz="1500"/>
+              <a:defRPr sz="2339"/>
             </a:lvl9pPr>
           </a:lstStyle>
           <a:p>
             <a:pPr lvl="0"/>
             <a:r>
-              <a:rPr lang="en-GB"/>
-              <a:t>Click to edit Master text styles</a:t>
+              <a:rPr lang="de-DE"/>
+              <a:t>Mastertextformat bearbeiten</a:t>
             </a:r>
           </a:p>
           <a:p>
             <a:pPr lvl="1"/>
             <a:r>
-              <a:rPr lang="en-GB"/>
-              <a:t>Second level</a:t>
+              <a:rPr lang="de-DE"/>
+              <a:t>Zweite Ebene</a:t>
             </a:r>
           </a:p>
           <a:p>
             <a:pPr lvl="2"/>
             <a:r>
-              <a:rPr lang="en-GB"/>
-              <a:t>Third level</a:t>
+              <a:rPr lang="de-DE"/>
+              <a:t>Dritte Ebene</a:t>
             </a:r>
           </a:p>
           <a:p>
             <a:pPr lvl="3"/>
             <a:r>
-              <a:rPr lang="en-GB"/>
-              <a:t>Fourth level</a:t>
+              <a:rPr lang="de-DE"/>
+              <a:t>Vierte Ebene</a:t>
             </a:r>
           </a:p>
           <a:p>
             <a:pPr lvl="4"/>
             <a:r>
-              <a:rPr lang="en-GB"/>
-              <a:t>Fifth level</a:t>
+              <a:rPr lang="de-DE"/>
+              <a:t>Fünfte Ebene</a:t>
             </a:r>
             <a:endParaRPr lang="en-US" dirty="0"/>
           </a:p>
@@ -2021,8 +2037,8 @@
         </p:nvSpPr>
         <p:spPr>
           <a:xfrm>
-            <a:off x="472381" y="3657600"/>
-            <a:ext cx="2211884" cy="6776156"/>
+            <a:off x="736455" y="4535805"/>
+            <a:ext cx="3448388" cy="8403140"/>
           </a:xfrm>
         </p:spPr>
         <p:txBody>
@@ -2030,46 +2046,46 @@
           <a:lstStyle>
             <a:lvl1pPr marL="0" indent="0">
               <a:buNone/>
-              <a:defRPr sz="1200"/>
+              <a:defRPr sz="1871"/>
             </a:lvl1pPr>
-            <a:lvl2pPr marL="342900" indent="0">
+            <a:lvl2pPr marL="534604" indent="0">
               <a:buNone/>
-              <a:defRPr sz="1050"/>
+              <a:defRPr sz="1637"/>
             </a:lvl2pPr>
-            <a:lvl3pPr marL="685800" indent="0">
+            <a:lvl3pPr marL="1069208" indent="0">
               <a:buNone/>
-              <a:defRPr sz="900"/>
+              <a:defRPr sz="1403"/>
             </a:lvl3pPr>
-            <a:lvl4pPr marL="1028700" indent="0">
+            <a:lvl4pPr marL="1603812" indent="0">
               <a:buNone/>
-              <a:defRPr sz="750"/>
+              <a:defRPr sz="1169"/>
             </a:lvl4pPr>
-            <a:lvl5pPr marL="1371600" indent="0">
+            <a:lvl5pPr marL="2138416" indent="0">
               <a:buNone/>
-              <a:defRPr sz="750"/>
+              <a:defRPr sz="1169"/>
             </a:lvl5pPr>
-            <a:lvl6pPr marL="1714500" indent="0">
+            <a:lvl6pPr marL="2673020" indent="0">
               <a:buNone/>
-              <a:defRPr sz="750"/>
+              <a:defRPr sz="1169"/>
             </a:lvl6pPr>
-            <a:lvl7pPr marL="2057400" indent="0">
+            <a:lvl7pPr marL="3207624" indent="0">
               <a:buNone/>
-              <a:defRPr sz="750"/>
+              <a:defRPr sz="1169"/>
             </a:lvl7pPr>
-            <a:lvl8pPr marL="2400300" indent="0">
+            <a:lvl8pPr marL="3742228" indent="0">
               <a:buNone/>
-              <a:defRPr sz="750"/>
+              <a:defRPr sz="1169"/>
             </a:lvl8pPr>
-            <a:lvl9pPr marL="2743200" indent="0">
+            <a:lvl9pPr marL="4276832" indent="0">
               <a:buNone/>
-              <a:defRPr sz="750"/>
+              <a:defRPr sz="1169"/>
             </a:lvl9pPr>
           </a:lstStyle>
           <a:p>
             <a:pPr lvl="0"/>
             <a:r>
-              <a:rPr lang="en-GB"/>
-              <a:t>Click to edit Master text styles</a:t>
+              <a:rPr lang="de-DE"/>
+              <a:t>Mastertextformat bearbeiten</a:t>
             </a:r>
           </a:p>
         </p:txBody>
@@ -2089,9 +2105,9 @@
           <a:bodyPr/>
           <a:lstStyle/>
           <a:p>
-            <a:fld id="{CC23A88F-6057-FE4A-AC90-B697DD539B39}" type="datetimeFigureOut">
+            <a:fld id="{E0EA292A-2EF5-4352-838D-47291BEA04AE}" type="datetimeFigureOut">
               <a:rPr lang="de-DE" smtClean="0"/>
-              <a:t>04.05.23</a:t>
+              <a:t>05.05.2023</a:t>
             </a:fld>
             <a:endParaRPr lang="de-DE"/>
           </a:p>
@@ -2131,9 +2147,9 @@
           <a:bodyPr/>
           <a:lstStyle/>
           <a:p>
-            <a:fld id="{DD566EB6-F9B6-CB4E-A2EB-7B63F7176EFF}" type="slidenum">
+            <a:fld id="{9D40D956-70DA-4F22-A0FA-DD86BF4C02B7}" type="slidenum">
               <a:rPr lang="de-DE" smtClean="0"/>
-              <a:t>‹#›</a:t>
+              <a:t>‹Nr.›</a:t>
             </a:fld>
             <a:endParaRPr lang="de-DE"/>
           </a:p>
@@ -2142,7 +2158,7 @@
     </p:spTree>
     <p:extLst>
       <p:ext uri="{BB962C8B-B14F-4D97-AF65-F5344CB8AC3E}">
-        <p14:creationId xmlns:p14="http://schemas.microsoft.com/office/powerpoint/2010/main" val="3239383678"/>
+        <p14:creationId xmlns:p14="http://schemas.microsoft.com/office/powerpoint/2010/main" val="3704904401"/>
       </p:ext>
     </p:extLst>
   </p:cSld>
@@ -2154,7 +2170,7 @@
 
 <file path=ppt/slideLayouts/slideLayout9.xml><?xml version="1.0" encoding="utf-8"?>
 <p:sldLayout xmlns:a="http://schemas.openxmlformats.org/drawingml/2006/main" xmlns:r="http://schemas.openxmlformats.org/officeDocument/2006/relationships" xmlns:p="http://schemas.openxmlformats.org/presentationml/2006/main" type="picTx" preserve="1">
-  <p:cSld name="Picture with Caption">
+  <p:cSld name="Bild mit Überschrift">
     <p:spTree>
       <p:nvGrpSpPr>
         <p:cNvPr id="1" name=""/>
@@ -2181,21 +2197,21 @@
         </p:nvSpPr>
         <p:spPr>
           <a:xfrm>
-            <a:off x="472381" y="812800"/>
-            <a:ext cx="2211884" cy="2844800"/>
+            <a:off x="736455" y="1007957"/>
+            <a:ext cx="3448388" cy="3527848"/>
           </a:xfrm>
         </p:spPr>
         <p:txBody>
           <a:bodyPr anchor="b"/>
           <a:lstStyle>
             <a:lvl1pPr>
-              <a:defRPr sz="2400"/>
+              <a:defRPr sz="3742"/>
             </a:lvl1pPr>
           </a:lstStyle>
           <a:p>
             <a:r>
-              <a:rPr lang="en-GB"/>
-              <a:t>Click to edit Master title style</a:t>
+              <a:rPr lang="de-DE"/>
+              <a:t>Mastertitelformat bearbeiten</a:t>
             </a:r>
             <a:endParaRPr lang="en-US" dirty="0"/>
           </a:p>
@@ -2213,8 +2229,8 @@
         </p:nvSpPr>
         <p:spPr>
           <a:xfrm>
-            <a:off x="2915543" y="1755425"/>
-            <a:ext cx="3471863" cy="8664222"/>
+            <a:off x="4545413" y="2176910"/>
+            <a:ext cx="5412730" cy="10744538"/>
           </a:xfrm>
         </p:spPr>
         <p:txBody>
@@ -2222,45 +2238,45 @@
           <a:lstStyle>
             <a:lvl1pPr marL="0" indent="0">
               <a:buNone/>
-              <a:defRPr sz="2400"/>
+              <a:defRPr sz="3742"/>
             </a:lvl1pPr>
-            <a:lvl2pPr marL="342900" indent="0">
+            <a:lvl2pPr marL="534604" indent="0">
               <a:buNone/>
-              <a:defRPr sz="2100"/>
+              <a:defRPr sz="3274"/>
             </a:lvl2pPr>
-            <a:lvl3pPr marL="685800" indent="0">
+            <a:lvl3pPr marL="1069208" indent="0">
               <a:buNone/>
-              <a:defRPr sz="1800"/>
+              <a:defRPr sz="2806"/>
             </a:lvl3pPr>
-            <a:lvl4pPr marL="1028700" indent="0">
+            <a:lvl4pPr marL="1603812" indent="0">
               <a:buNone/>
-              <a:defRPr sz="1500"/>
+              <a:defRPr sz="2339"/>
             </a:lvl4pPr>
-            <a:lvl5pPr marL="1371600" indent="0">
+            <a:lvl5pPr marL="2138416" indent="0">
               <a:buNone/>
-              <a:defRPr sz="1500"/>
+              <a:defRPr sz="2339"/>
             </a:lvl5pPr>
-            <a:lvl6pPr marL="1714500" indent="0">
+            <a:lvl6pPr marL="2673020" indent="0">
               <a:buNone/>
-              <a:defRPr sz="1500"/>
+              <a:defRPr sz="2339"/>
             </a:lvl6pPr>
-            <a:lvl7pPr marL="2057400" indent="0">
+            <a:lvl7pPr marL="3207624" indent="0">
               <a:buNone/>
-              <a:defRPr sz="1500"/>
+              <a:defRPr sz="2339"/>
             </a:lvl7pPr>
-            <a:lvl8pPr marL="2400300" indent="0">
+            <a:lvl8pPr marL="3742228" indent="0">
               <a:buNone/>
-              <a:defRPr sz="1500"/>
+              <a:defRPr sz="2339"/>
             </a:lvl8pPr>
-            <a:lvl9pPr marL="2743200" indent="0">
+            <a:lvl9pPr marL="4276832" indent="0">
               <a:buNone/>
-              <a:defRPr sz="1500"/>
+              <a:defRPr sz="2339"/>
             </a:lvl9pPr>
           </a:lstStyle>
           <a:p>
             <a:r>
-              <a:rPr lang="en-GB"/>
-              <a:t>Click icon to add picture</a:t>
+              <a:rPr lang="de-DE"/>
+              <a:t>Bild durch Klicken auf Symbol hinzufügen</a:t>
             </a:r>
             <a:endParaRPr lang="en-US" dirty="0"/>
           </a:p>
@@ -2278,8 +2294,8 @@
         </p:nvSpPr>
         <p:spPr>
           <a:xfrm>
-            <a:off x="472381" y="3657600"/>
-            <a:ext cx="2211884" cy="6776156"/>
+            <a:off x="736455" y="4535805"/>
+            <a:ext cx="3448388" cy="8403140"/>
           </a:xfrm>
         </p:spPr>
         <p:txBody>
@@ -2287,46 +2303,46 @@
           <a:lstStyle>
             <a:lvl1pPr marL="0" indent="0">
               <a:buNone/>
-              <a:defRPr sz="1200"/>
+              <a:defRPr sz="1871"/>
             </a:lvl1pPr>
-            <a:lvl2pPr marL="342900" indent="0">
+            <a:lvl2pPr marL="534604" indent="0">
               <a:buNone/>
-              <a:defRPr sz="1050"/>
+              <a:defRPr sz="1637"/>
             </a:lvl2pPr>
-            <a:lvl3pPr marL="685800" indent="0">
+            <a:lvl3pPr marL="1069208" indent="0">
               <a:buNone/>
-              <a:defRPr sz="900"/>
+              <a:defRPr sz="1403"/>
             </a:lvl3pPr>
-            <a:lvl4pPr marL="1028700" indent="0">
+            <a:lvl4pPr marL="1603812" indent="0">
               <a:buNone/>
-              <a:defRPr sz="750"/>
+              <a:defRPr sz="1169"/>
             </a:lvl4pPr>
-            <a:lvl5pPr marL="1371600" indent="0">
+            <a:lvl5pPr marL="2138416" indent="0">
               <a:buNone/>
-              <a:defRPr sz="750"/>
+              <a:defRPr sz="1169"/>
             </a:lvl5pPr>
-            <a:lvl6pPr marL="1714500" indent="0">
+            <a:lvl6pPr marL="2673020" indent="0">
               <a:buNone/>
-              <a:defRPr sz="750"/>
+              <a:defRPr sz="1169"/>
             </a:lvl6pPr>
-            <a:lvl7pPr marL="2057400" indent="0">
+            <a:lvl7pPr marL="3207624" indent="0">
               <a:buNone/>
-              <a:defRPr sz="750"/>
+              <a:defRPr sz="1169"/>
             </a:lvl7pPr>
-            <a:lvl8pPr marL="2400300" indent="0">
+            <a:lvl8pPr marL="3742228" indent="0">
               <a:buNone/>
-              <a:defRPr sz="750"/>
+              <a:defRPr sz="1169"/>
             </a:lvl8pPr>
-            <a:lvl9pPr marL="2743200" indent="0">
+            <a:lvl9pPr marL="4276832" indent="0">
               <a:buNone/>
-              <a:defRPr sz="750"/>
+              <a:defRPr sz="1169"/>
             </a:lvl9pPr>
           </a:lstStyle>
           <a:p>
             <a:pPr lvl="0"/>
             <a:r>
-              <a:rPr lang="en-GB"/>
-              <a:t>Click to edit Master text styles</a:t>
+              <a:rPr lang="de-DE"/>
+              <a:t>Mastertextformat bearbeiten</a:t>
             </a:r>
           </a:p>
         </p:txBody>
@@ -2346,9 +2362,9 @@
           <a:bodyPr/>
           <a:lstStyle/>
           <a:p>
-            <a:fld id="{CC23A88F-6057-FE4A-AC90-B697DD539B39}" type="datetimeFigureOut">
+            <a:fld id="{E0EA292A-2EF5-4352-838D-47291BEA04AE}" type="datetimeFigureOut">
               <a:rPr lang="de-DE" smtClean="0"/>
-              <a:t>04.05.23</a:t>
+              <a:t>05.05.2023</a:t>
             </a:fld>
             <a:endParaRPr lang="de-DE"/>
           </a:p>
@@ -2388,9 +2404,9 @@
           <a:bodyPr/>
           <a:lstStyle/>
           <a:p>
-            <a:fld id="{DD566EB6-F9B6-CB4E-A2EB-7B63F7176EFF}" type="slidenum">
+            <a:fld id="{9D40D956-70DA-4F22-A0FA-DD86BF4C02B7}" type="slidenum">
               <a:rPr lang="de-DE" smtClean="0"/>
-              <a:t>‹#›</a:t>
+              <a:t>‹Nr.›</a:t>
             </a:fld>
             <a:endParaRPr lang="de-DE"/>
           </a:p>
@@ -2399,7 +2415,7 @@
     </p:spTree>
     <p:extLst>
       <p:ext uri="{BB962C8B-B14F-4D97-AF65-F5344CB8AC3E}">
-        <p14:creationId xmlns:p14="http://schemas.microsoft.com/office/powerpoint/2010/main" val="639850608"/>
+        <p14:creationId xmlns:p14="http://schemas.microsoft.com/office/powerpoint/2010/main" val="21032078"/>
       </p:ext>
     </p:extLst>
   </p:cSld>
@@ -2443,8 +2459,8 @@
         </p:nvSpPr>
         <p:spPr>
           <a:xfrm>
-            <a:off x="471488" y="649114"/>
-            <a:ext cx="5915025" cy="2356556"/>
+            <a:off x="735062" y="804969"/>
+            <a:ext cx="9221689" cy="2922375"/>
           </a:xfrm>
           <a:prstGeom prst="rect">
             <a:avLst/>
@@ -2457,8 +2473,8 @@
           <a:lstStyle/>
           <a:p>
             <a:r>
-              <a:rPr lang="en-GB"/>
-              <a:t>Click to edit Master title style</a:t>
+              <a:rPr lang="de-DE"/>
+              <a:t>Mastertitelformat bearbeiten</a:t>
             </a:r>
             <a:endParaRPr lang="en-US" dirty="0"/>
           </a:p>
@@ -2476,8 +2492,8 @@
         </p:nvSpPr>
         <p:spPr>
           <a:xfrm>
-            <a:off x="471488" y="3245556"/>
-            <a:ext cx="5915025" cy="7735712"/>
+            <a:off x="735062" y="4024827"/>
+            <a:ext cx="9221689" cy="9593089"/>
           </a:xfrm>
           <a:prstGeom prst="rect">
             <a:avLst/>
@@ -2491,36 +2507,36 @@
           <a:p>
             <a:pPr lvl="0"/>
             <a:r>
-              <a:rPr lang="en-GB"/>
-              <a:t>Click to edit Master text styles</a:t>
+              <a:rPr lang="de-DE"/>
+              <a:t>Mastertextformat bearbeiten</a:t>
             </a:r>
           </a:p>
           <a:p>
             <a:pPr lvl="1"/>
             <a:r>
-              <a:rPr lang="en-GB"/>
-              <a:t>Second level</a:t>
+              <a:rPr lang="de-DE"/>
+              <a:t>Zweite Ebene</a:t>
             </a:r>
           </a:p>
           <a:p>
             <a:pPr lvl="2"/>
             <a:r>
-              <a:rPr lang="en-GB"/>
-              <a:t>Third level</a:t>
+              <a:rPr lang="de-DE"/>
+              <a:t>Dritte Ebene</a:t>
             </a:r>
           </a:p>
           <a:p>
             <a:pPr lvl="3"/>
             <a:r>
-              <a:rPr lang="en-GB"/>
-              <a:t>Fourth level</a:t>
+              <a:rPr lang="de-DE"/>
+              <a:t>Vierte Ebene</a:t>
             </a:r>
           </a:p>
           <a:p>
             <a:pPr lvl="4"/>
             <a:r>
-              <a:rPr lang="en-GB"/>
-              <a:t>Fifth level</a:t>
+              <a:rPr lang="de-DE"/>
+              <a:t>Fünfte Ebene</a:t>
             </a:r>
             <a:endParaRPr lang="en-US" dirty="0"/>
           </a:p>
@@ -2538,8 +2554,8 @@
         </p:nvSpPr>
         <p:spPr>
           <a:xfrm>
-            <a:off x="471488" y="11300181"/>
-            <a:ext cx="1543050" cy="649111"/>
+            <a:off x="735062" y="14013401"/>
+            <a:ext cx="2405658" cy="804965"/>
           </a:xfrm>
           <a:prstGeom prst="rect">
             <a:avLst/>
@@ -2549,7 +2565,7 @@
           <a:bodyPr vert="horz" lIns="91440" tIns="45720" rIns="91440" bIns="45720" rtlCol="0" anchor="ctr"/>
           <a:lstStyle>
             <a:lvl1pPr algn="l">
-              <a:defRPr sz="900">
+              <a:defRPr sz="1403">
                 <a:solidFill>
                   <a:schemeClr val="tx1">
                     <a:tint val="75000"/>
@@ -2559,9 +2575,9 @@
             </a:lvl1pPr>
           </a:lstStyle>
           <a:p>
-            <a:fld id="{CC23A88F-6057-FE4A-AC90-B697DD539B39}" type="datetimeFigureOut">
+            <a:fld id="{E0EA292A-2EF5-4352-838D-47291BEA04AE}" type="datetimeFigureOut">
               <a:rPr lang="de-DE" smtClean="0"/>
-              <a:t>04.05.23</a:t>
+              <a:t>05.05.2023</a:t>
             </a:fld>
             <a:endParaRPr lang="de-DE"/>
           </a:p>
@@ -2579,8 +2595,8 @@
         </p:nvSpPr>
         <p:spPr>
           <a:xfrm>
-            <a:off x="2271713" y="11300181"/>
-            <a:ext cx="2314575" cy="649111"/>
+            <a:off x="3541663" y="14013401"/>
+            <a:ext cx="3608487" cy="804965"/>
           </a:xfrm>
           <a:prstGeom prst="rect">
             <a:avLst/>
@@ -2590,7 +2606,7 @@
           <a:bodyPr vert="horz" lIns="91440" tIns="45720" rIns="91440" bIns="45720" rtlCol="0" anchor="ctr"/>
           <a:lstStyle>
             <a:lvl1pPr algn="ctr">
-              <a:defRPr sz="900">
+              <a:defRPr sz="1403">
                 <a:solidFill>
                   <a:schemeClr val="tx1">
                     <a:tint val="75000"/>
@@ -2616,8 +2632,8 @@
         </p:nvSpPr>
         <p:spPr>
           <a:xfrm>
-            <a:off x="4843463" y="11300181"/>
-            <a:ext cx="1543050" cy="649111"/>
+            <a:off x="7551093" y="14013401"/>
+            <a:ext cx="2405658" cy="804965"/>
           </a:xfrm>
           <a:prstGeom prst="rect">
             <a:avLst/>
@@ -2627,7 +2643,7 @@
           <a:bodyPr vert="horz" lIns="91440" tIns="45720" rIns="91440" bIns="45720" rtlCol="0" anchor="ctr"/>
           <a:lstStyle>
             <a:lvl1pPr algn="r">
-              <a:defRPr sz="900">
+              <a:defRPr sz="1403">
                 <a:solidFill>
                   <a:schemeClr val="tx1">
                     <a:tint val="75000"/>
@@ -2637,9 +2653,9 @@
             </a:lvl1pPr>
           </a:lstStyle>
           <a:p>
-            <a:fld id="{DD566EB6-F9B6-CB4E-A2EB-7B63F7176EFF}" type="slidenum">
+            <a:fld id="{9D40D956-70DA-4F22-A0FA-DD86BF4C02B7}" type="slidenum">
               <a:rPr lang="de-DE" smtClean="0"/>
-              <a:t>‹#›</a:t>
+              <a:t>‹Nr.›</a:t>
             </a:fld>
             <a:endParaRPr lang="de-DE"/>
           </a:p>
@@ -2648,7 +2664,7 @@
     </p:spTree>
     <p:extLst>
       <p:ext uri="{BB962C8B-B14F-4D97-AF65-F5344CB8AC3E}">
-        <p14:creationId xmlns:p14="http://schemas.microsoft.com/office/powerpoint/2010/main" val="4224289142"/>
+        <p14:creationId xmlns:p14="http://schemas.microsoft.com/office/powerpoint/2010/main" val="1733816021"/>
       </p:ext>
     </p:extLst>
   </p:cSld>
@@ -2668,7 +2684,7 @@
   </p:sldLayoutIdLst>
   <p:txStyles>
     <p:titleStyle>
-      <a:lvl1pPr algn="l" defTabSz="685800" rtl="0" eaLnBrk="1" latinLnBrk="0" hangingPunct="1">
+      <a:lvl1pPr algn="l" defTabSz="1069208" rtl="0" eaLnBrk="1" latinLnBrk="0" hangingPunct="1">
         <a:lnSpc>
           <a:spcPct val="90000"/>
         </a:lnSpc>
@@ -2676,7 +2692,7 @@
           <a:spcPct val="0"/>
         </a:spcBef>
         <a:buNone/>
-        <a:defRPr sz="3300" kern="1200">
+        <a:defRPr sz="5145" kern="1200">
           <a:solidFill>
             <a:schemeClr val="tx1"/>
           </a:solidFill>
@@ -2687,16 +2703,16 @@
       </a:lvl1pPr>
     </p:titleStyle>
     <p:bodyStyle>
-      <a:lvl1pPr marL="171450" indent="-171450" algn="l" defTabSz="685800" rtl="0" eaLnBrk="1" latinLnBrk="0" hangingPunct="1">
+      <a:lvl1pPr marL="267302" indent="-267302" algn="l" defTabSz="1069208" rtl="0" eaLnBrk="1" latinLnBrk="0" hangingPunct="1">
         <a:lnSpc>
           <a:spcPct val="90000"/>
         </a:lnSpc>
         <a:spcBef>
-          <a:spcPts val="750"/>
+          <a:spcPts val="1169"/>
         </a:spcBef>
         <a:buFont typeface="Arial" panose="020B0604020202020204" pitchFamily="34" charset="0"/>
         <a:buChar char="•"/>
-        <a:defRPr sz="2100" kern="1200">
+        <a:defRPr sz="3274" kern="1200">
           <a:solidFill>
             <a:schemeClr val="tx1"/>
           </a:solidFill>
@@ -2705,16 +2721,16 @@
           <a:cs typeface="+mn-cs"/>
         </a:defRPr>
       </a:lvl1pPr>
-      <a:lvl2pPr marL="514350" indent="-171450" algn="l" defTabSz="685800" rtl="0" eaLnBrk="1" latinLnBrk="0" hangingPunct="1">
+      <a:lvl2pPr marL="801906" indent="-267302" algn="l" defTabSz="1069208" rtl="0" eaLnBrk="1" latinLnBrk="0" hangingPunct="1">
         <a:lnSpc>
           <a:spcPct val="90000"/>
         </a:lnSpc>
         <a:spcBef>
-          <a:spcPts val="375"/>
+          <a:spcPts val="585"/>
         </a:spcBef>
         <a:buFont typeface="Arial" panose="020B0604020202020204" pitchFamily="34" charset="0"/>
         <a:buChar char="•"/>
-        <a:defRPr sz="1800" kern="1200">
+        <a:defRPr sz="2806" kern="1200">
           <a:solidFill>
             <a:schemeClr val="tx1"/>
           </a:solidFill>
@@ -2723,16 +2739,16 @@
           <a:cs typeface="+mn-cs"/>
         </a:defRPr>
       </a:lvl2pPr>
-      <a:lvl3pPr marL="857250" indent="-171450" algn="l" defTabSz="685800" rtl="0" eaLnBrk="1" latinLnBrk="0" hangingPunct="1">
+      <a:lvl3pPr marL="1336510" indent="-267302" algn="l" defTabSz="1069208" rtl="0" eaLnBrk="1" latinLnBrk="0" hangingPunct="1">
         <a:lnSpc>
           <a:spcPct val="90000"/>
         </a:lnSpc>
         <a:spcBef>
-          <a:spcPts val="375"/>
+          <a:spcPts val="585"/>
         </a:spcBef>
         <a:buFont typeface="Arial" panose="020B0604020202020204" pitchFamily="34" charset="0"/>
         <a:buChar char="•"/>
-        <a:defRPr sz="1500" kern="1200">
+        <a:defRPr sz="2339" kern="1200">
           <a:solidFill>
             <a:schemeClr val="tx1"/>
           </a:solidFill>
@@ -2741,16 +2757,16 @@
           <a:cs typeface="+mn-cs"/>
         </a:defRPr>
       </a:lvl3pPr>
-      <a:lvl4pPr marL="1200150" indent="-171450" algn="l" defTabSz="685800" rtl="0" eaLnBrk="1" latinLnBrk="0" hangingPunct="1">
+      <a:lvl4pPr marL="1871114" indent="-267302" algn="l" defTabSz="1069208" rtl="0" eaLnBrk="1" latinLnBrk="0" hangingPunct="1">
         <a:lnSpc>
           <a:spcPct val="90000"/>
         </a:lnSpc>
         <a:spcBef>
-          <a:spcPts val="375"/>
+          <a:spcPts val="585"/>
         </a:spcBef>
         <a:buFont typeface="Arial" panose="020B0604020202020204" pitchFamily="34" charset="0"/>
         <a:buChar char="•"/>
-        <a:defRPr sz="1350" kern="1200">
+        <a:defRPr sz="2105" kern="1200">
           <a:solidFill>
             <a:schemeClr val="tx1"/>
           </a:solidFill>
@@ -2759,16 +2775,16 @@
           <a:cs typeface="+mn-cs"/>
         </a:defRPr>
       </a:lvl4pPr>
-      <a:lvl5pPr marL="1543050" indent="-171450" algn="l" defTabSz="685800" rtl="0" eaLnBrk="1" latinLnBrk="0" hangingPunct="1">
+      <a:lvl5pPr marL="2405718" indent="-267302" algn="l" defTabSz="1069208" rtl="0" eaLnBrk="1" latinLnBrk="0" hangingPunct="1">
         <a:lnSpc>
           <a:spcPct val="90000"/>
         </a:lnSpc>
         <a:spcBef>
-          <a:spcPts val="375"/>
+          <a:spcPts val="585"/>
         </a:spcBef>
         <a:buFont typeface="Arial" panose="020B0604020202020204" pitchFamily="34" charset="0"/>
         <a:buChar char="•"/>
-        <a:defRPr sz="1350" kern="1200">
+        <a:defRPr sz="2105" kern="1200">
           <a:solidFill>
             <a:schemeClr val="tx1"/>
           </a:solidFill>
@@ -2777,16 +2793,16 @@
           <a:cs typeface="+mn-cs"/>
         </a:defRPr>
       </a:lvl5pPr>
-      <a:lvl6pPr marL="1885950" indent="-171450" algn="l" defTabSz="685800" rtl="0" eaLnBrk="1" latinLnBrk="0" hangingPunct="1">
+      <a:lvl6pPr marL="2940322" indent="-267302" algn="l" defTabSz="1069208" rtl="0" eaLnBrk="1" latinLnBrk="0" hangingPunct="1">
         <a:lnSpc>
           <a:spcPct val="90000"/>
         </a:lnSpc>
         <a:spcBef>
-          <a:spcPts val="375"/>
+          <a:spcPts val="585"/>
         </a:spcBef>
         <a:buFont typeface="Arial" panose="020B0604020202020204" pitchFamily="34" charset="0"/>
         <a:buChar char="•"/>
-        <a:defRPr sz="1350" kern="1200">
+        <a:defRPr sz="2105" kern="1200">
           <a:solidFill>
             <a:schemeClr val="tx1"/>
           </a:solidFill>
@@ -2795,16 +2811,16 @@
           <a:cs typeface="+mn-cs"/>
         </a:defRPr>
       </a:lvl6pPr>
-      <a:lvl7pPr marL="2228850" indent="-171450" algn="l" defTabSz="685800" rtl="0" eaLnBrk="1" latinLnBrk="0" hangingPunct="1">
+      <a:lvl7pPr marL="3474926" indent="-267302" algn="l" defTabSz="1069208" rtl="0" eaLnBrk="1" latinLnBrk="0" hangingPunct="1">
         <a:lnSpc>
           <a:spcPct val="90000"/>
         </a:lnSpc>
         <a:spcBef>
-          <a:spcPts val="375"/>
+          <a:spcPts val="585"/>
         </a:spcBef>
         <a:buFont typeface="Arial" panose="020B0604020202020204" pitchFamily="34" charset="0"/>
         <a:buChar char="•"/>
-        <a:defRPr sz="1350" kern="1200">
+        <a:defRPr sz="2105" kern="1200">
           <a:solidFill>
             <a:schemeClr val="tx1"/>
           </a:solidFill>
@@ -2813,16 +2829,16 @@
           <a:cs typeface="+mn-cs"/>
         </a:defRPr>
       </a:lvl7pPr>
-      <a:lvl8pPr marL="2571750" indent="-171450" algn="l" defTabSz="685800" rtl="0" eaLnBrk="1" latinLnBrk="0" hangingPunct="1">
+      <a:lvl8pPr marL="4009530" indent="-267302" algn="l" defTabSz="1069208" rtl="0" eaLnBrk="1" latinLnBrk="0" hangingPunct="1">
         <a:lnSpc>
           <a:spcPct val="90000"/>
         </a:lnSpc>
         <a:spcBef>
-          <a:spcPts val="375"/>
+          <a:spcPts val="585"/>
         </a:spcBef>
         <a:buFont typeface="Arial" panose="020B0604020202020204" pitchFamily="34" charset="0"/>
         <a:buChar char="•"/>
-        <a:defRPr sz="1350" kern="1200">
+        <a:defRPr sz="2105" kern="1200">
           <a:solidFill>
             <a:schemeClr val="tx1"/>
           </a:solidFill>
@@ -2831,16 +2847,16 @@
           <a:cs typeface="+mn-cs"/>
         </a:defRPr>
       </a:lvl8pPr>
-      <a:lvl9pPr marL="2914650" indent="-171450" algn="l" defTabSz="685800" rtl="0" eaLnBrk="1" latinLnBrk="0" hangingPunct="1">
+      <a:lvl9pPr marL="4544134" indent="-267302" algn="l" defTabSz="1069208" rtl="0" eaLnBrk="1" latinLnBrk="0" hangingPunct="1">
         <a:lnSpc>
           <a:spcPct val="90000"/>
         </a:lnSpc>
         <a:spcBef>
-          <a:spcPts val="375"/>
+          <a:spcPts val="585"/>
         </a:spcBef>
         <a:buFont typeface="Arial" panose="020B0604020202020204" pitchFamily="34" charset="0"/>
         <a:buChar char="•"/>
-        <a:defRPr sz="1350" kern="1200">
+        <a:defRPr sz="2105" kern="1200">
           <a:solidFill>
             <a:schemeClr val="tx1"/>
           </a:solidFill>
@@ -2854,8 +2870,8 @@
       <a:defPPr>
         <a:defRPr lang="en-US"/>
       </a:defPPr>
-      <a:lvl1pPr marL="0" algn="l" defTabSz="685800" rtl="0" eaLnBrk="1" latinLnBrk="0" hangingPunct="1">
-        <a:defRPr sz="1350" kern="1200">
+      <a:lvl1pPr marL="0" algn="l" defTabSz="1069208" rtl="0" eaLnBrk="1" latinLnBrk="0" hangingPunct="1">
+        <a:defRPr sz="2105" kern="1200">
           <a:solidFill>
             <a:schemeClr val="tx1"/>
           </a:solidFill>
@@ -2864,8 +2880,8 @@
           <a:cs typeface="+mn-cs"/>
         </a:defRPr>
       </a:lvl1pPr>
-      <a:lvl2pPr marL="342900" algn="l" defTabSz="685800" rtl="0" eaLnBrk="1" latinLnBrk="0" hangingPunct="1">
-        <a:defRPr sz="1350" kern="1200">
+      <a:lvl2pPr marL="534604" algn="l" defTabSz="1069208" rtl="0" eaLnBrk="1" latinLnBrk="0" hangingPunct="1">
+        <a:defRPr sz="2105" kern="1200">
           <a:solidFill>
             <a:schemeClr val="tx1"/>
           </a:solidFill>
@@ -2874,8 +2890,8 @@
           <a:cs typeface="+mn-cs"/>
         </a:defRPr>
       </a:lvl2pPr>
-      <a:lvl3pPr marL="685800" algn="l" defTabSz="685800" rtl="0" eaLnBrk="1" latinLnBrk="0" hangingPunct="1">
-        <a:defRPr sz="1350" kern="1200">
+      <a:lvl3pPr marL="1069208" algn="l" defTabSz="1069208" rtl="0" eaLnBrk="1" latinLnBrk="0" hangingPunct="1">
+        <a:defRPr sz="2105" kern="1200">
           <a:solidFill>
             <a:schemeClr val="tx1"/>
           </a:solidFill>
@@ -2884,8 +2900,8 @@
           <a:cs typeface="+mn-cs"/>
         </a:defRPr>
       </a:lvl3pPr>
-      <a:lvl4pPr marL="1028700" algn="l" defTabSz="685800" rtl="0" eaLnBrk="1" latinLnBrk="0" hangingPunct="1">
-        <a:defRPr sz="1350" kern="1200">
+      <a:lvl4pPr marL="1603812" algn="l" defTabSz="1069208" rtl="0" eaLnBrk="1" latinLnBrk="0" hangingPunct="1">
+        <a:defRPr sz="2105" kern="1200">
           <a:solidFill>
             <a:schemeClr val="tx1"/>
           </a:solidFill>
@@ -2894,8 +2910,8 @@
           <a:cs typeface="+mn-cs"/>
         </a:defRPr>
       </a:lvl4pPr>
-      <a:lvl5pPr marL="1371600" algn="l" defTabSz="685800" rtl="0" eaLnBrk="1" latinLnBrk="0" hangingPunct="1">
-        <a:defRPr sz="1350" kern="1200">
+      <a:lvl5pPr marL="2138416" algn="l" defTabSz="1069208" rtl="0" eaLnBrk="1" latinLnBrk="0" hangingPunct="1">
+        <a:defRPr sz="2105" kern="1200">
           <a:solidFill>
             <a:schemeClr val="tx1"/>
           </a:solidFill>
@@ -2904,8 +2920,8 @@
           <a:cs typeface="+mn-cs"/>
         </a:defRPr>
       </a:lvl5pPr>
-      <a:lvl6pPr marL="1714500" algn="l" defTabSz="685800" rtl="0" eaLnBrk="1" latinLnBrk="0" hangingPunct="1">
-        <a:defRPr sz="1350" kern="1200">
+      <a:lvl6pPr marL="2673020" algn="l" defTabSz="1069208" rtl="0" eaLnBrk="1" latinLnBrk="0" hangingPunct="1">
+        <a:defRPr sz="2105" kern="1200">
           <a:solidFill>
             <a:schemeClr val="tx1"/>
           </a:solidFill>
@@ -2914,8 +2930,8 @@
           <a:cs typeface="+mn-cs"/>
         </a:defRPr>
       </a:lvl6pPr>
-      <a:lvl7pPr marL="2057400" algn="l" defTabSz="685800" rtl="0" eaLnBrk="1" latinLnBrk="0" hangingPunct="1">
-        <a:defRPr sz="1350" kern="1200">
+      <a:lvl7pPr marL="3207624" algn="l" defTabSz="1069208" rtl="0" eaLnBrk="1" latinLnBrk="0" hangingPunct="1">
+        <a:defRPr sz="2105" kern="1200">
           <a:solidFill>
             <a:schemeClr val="tx1"/>
           </a:solidFill>
@@ -2924,8 +2940,8 @@
           <a:cs typeface="+mn-cs"/>
         </a:defRPr>
       </a:lvl7pPr>
-      <a:lvl8pPr marL="2400300" algn="l" defTabSz="685800" rtl="0" eaLnBrk="1" latinLnBrk="0" hangingPunct="1">
-        <a:defRPr sz="1350" kern="1200">
+      <a:lvl8pPr marL="3742228" algn="l" defTabSz="1069208" rtl="0" eaLnBrk="1" latinLnBrk="0" hangingPunct="1">
+        <a:defRPr sz="2105" kern="1200">
           <a:solidFill>
             <a:schemeClr val="tx1"/>
           </a:solidFill>
@@ -2934,8 +2950,8 @@
           <a:cs typeface="+mn-cs"/>
         </a:defRPr>
       </a:lvl8pPr>
-      <a:lvl9pPr marL="2743200" algn="l" defTabSz="685800" rtl="0" eaLnBrk="1" latinLnBrk="0" hangingPunct="1">
-        <a:defRPr sz="1350" kern="1200">
+      <a:lvl9pPr marL="4276832" algn="l" defTabSz="1069208" rtl="0" eaLnBrk="1" latinLnBrk="0" hangingPunct="1">
+        <a:defRPr sz="2105" kern="1200">
           <a:solidFill>
             <a:schemeClr val="tx1"/>
           </a:solidFill>
@@ -2968,255 +2984,10 @@
       </p:grpSpPr>
       <p:sp>
         <p:nvSpPr>
-          <p:cNvPr id="4" name="Rectangle 3">
+          <p:cNvPr id="19" name="Textfeld 18">
             <a:extLst>
               <a:ext uri="{FF2B5EF4-FFF2-40B4-BE49-F238E27FC236}">
-                <a16:creationId xmlns:a16="http://schemas.microsoft.com/office/drawing/2014/main" id="{54ACDC66-CB9A-1E1A-5E08-AF5145E8B330}"/>
-              </a:ext>
-            </a:extLst>
-          </p:cNvPr>
-          <p:cNvSpPr/>
-          <p:nvPr/>
-        </p:nvSpPr>
-        <p:spPr>
-          <a:xfrm>
-            <a:off x="357510" y="2591947"/>
-            <a:ext cx="2953249" cy="3762708"/>
-          </a:xfrm>
-          <a:prstGeom prst="rect">
-            <a:avLst/>
-          </a:prstGeom>
-          <a:ln>
-            <a:solidFill>
-              <a:schemeClr val="tx1"/>
-            </a:solidFill>
-          </a:ln>
-        </p:spPr>
-        <p:style>
-          <a:lnRef idx="2">
-            <a:schemeClr val="accent6"/>
-          </a:lnRef>
-          <a:fillRef idx="1">
-            <a:schemeClr val="lt1"/>
-          </a:fillRef>
-          <a:effectRef idx="0">
-            <a:schemeClr val="accent6"/>
-          </a:effectRef>
-          <a:fontRef idx="minor">
-            <a:schemeClr val="dk1"/>
-          </a:fontRef>
-        </p:style>
-        <p:txBody>
-          <a:bodyPr rtlCol="0" anchor="ctr"/>
-          <a:lstStyle/>
-          <a:p>
-            <a:pPr algn="ctr"/>
-            <a:endParaRPr lang="en-US" sz="1013"/>
-          </a:p>
-        </p:txBody>
-      </p:sp>
-      <p:sp>
-        <p:nvSpPr>
-          <p:cNvPr id="6" name="Rectangle 5">
-            <a:extLst>
-              <a:ext uri="{FF2B5EF4-FFF2-40B4-BE49-F238E27FC236}">
-                <a16:creationId xmlns:a16="http://schemas.microsoft.com/office/drawing/2014/main" id="{EB668623-8043-EA9F-56ED-5F9AD5CD0543}"/>
-              </a:ext>
-            </a:extLst>
-          </p:cNvPr>
-          <p:cNvSpPr/>
-          <p:nvPr/>
-        </p:nvSpPr>
-        <p:spPr>
-          <a:xfrm>
-            <a:off x="3361090" y="2592870"/>
-            <a:ext cx="2902206" cy="959433"/>
-          </a:xfrm>
-          <a:prstGeom prst="rect">
-            <a:avLst/>
-          </a:prstGeom>
-          <a:ln>
-            <a:solidFill>
-              <a:schemeClr val="tx1"/>
-            </a:solidFill>
-          </a:ln>
-        </p:spPr>
-        <p:style>
-          <a:lnRef idx="2">
-            <a:schemeClr val="accent6"/>
-          </a:lnRef>
-          <a:fillRef idx="1">
-            <a:schemeClr val="lt1"/>
-          </a:fillRef>
-          <a:effectRef idx="0">
-            <a:schemeClr val="accent6"/>
-          </a:effectRef>
-          <a:fontRef idx="minor">
-            <a:schemeClr val="dk1"/>
-          </a:fontRef>
-        </p:style>
-        <p:txBody>
-          <a:bodyPr rtlCol="0" anchor="ctr"/>
-          <a:lstStyle/>
-          <a:p>
-            <a:pPr algn="ctr"/>
-            <a:endParaRPr lang="en-US" sz="1013"/>
-          </a:p>
-        </p:txBody>
-      </p:sp>
-      <p:sp>
-        <p:nvSpPr>
-          <p:cNvPr id="7" name="Rectangle 6">
-            <a:extLst>
-              <a:ext uri="{FF2B5EF4-FFF2-40B4-BE49-F238E27FC236}">
-                <a16:creationId xmlns:a16="http://schemas.microsoft.com/office/drawing/2014/main" id="{1B3B9332-6971-3635-4D5B-92D2F1CFBCA6}"/>
-              </a:ext>
-            </a:extLst>
-          </p:cNvPr>
-          <p:cNvSpPr/>
-          <p:nvPr/>
-        </p:nvSpPr>
-        <p:spPr>
-          <a:xfrm>
-            <a:off x="3361091" y="3648423"/>
-            <a:ext cx="2902205" cy="2209237"/>
-          </a:xfrm>
-          <a:prstGeom prst="rect">
-            <a:avLst/>
-          </a:prstGeom>
-          <a:ln>
-            <a:solidFill>
-              <a:schemeClr val="tx1"/>
-            </a:solidFill>
-          </a:ln>
-        </p:spPr>
-        <p:style>
-          <a:lnRef idx="2">
-            <a:schemeClr val="accent6"/>
-          </a:lnRef>
-          <a:fillRef idx="1">
-            <a:schemeClr val="lt1"/>
-          </a:fillRef>
-          <a:effectRef idx="0">
-            <a:schemeClr val="accent6"/>
-          </a:effectRef>
-          <a:fontRef idx="minor">
-            <a:schemeClr val="dk1"/>
-          </a:fontRef>
-        </p:style>
-        <p:txBody>
-          <a:bodyPr rtlCol="0" anchor="ctr"/>
-          <a:lstStyle/>
-          <a:p>
-            <a:pPr algn="ctr"/>
-            <a:endParaRPr lang="en-US" sz="1013"/>
-          </a:p>
-        </p:txBody>
-      </p:sp>
-      <p:sp>
-        <p:nvSpPr>
-          <p:cNvPr id="8" name="Rectangle 7">
-            <a:extLst>
-              <a:ext uri="{FF2B5EF4-FFF2-40B4-BE49-F238E27FC236}">
-                <a16:creationId xmlns:a16="http://schemas.microsoft.com/office/drawing/2014/main" id="{07641B59-8927-6FC3-6F18-FB771094BA7B}"/>
-              </a:ext>
-            </a:extLst>
-          </p:cNvPr>
-          <p:cNvSpPr/>
-          <p:nvPr/>
-        </p:nvSpPr>
-        <p:spPr>
-          <a:xfrm>
-            <a:off x="357509" y="6404906"/>
-            <a:ext cx="2953249" cy="1407073"/>
-          </a:xfrm>
-          <a:prstGeom prst="rect">
-            <a:avLst/>
-          </a:prstGeom>
-          <a:ln>
-            <a:solidFill>
-              <a:schemeClr val="tx1"/>
-            </a:solidFill>
-          </a:ln>
-        </p:spPr>
-        <p:style>
-          <a:lnRef idx="2">
-            <a:schemeClr val="accent6"/>
-          </a:lnRef>
-          <a:fillRef idx="1">
-            <a:schemeClr val="lt1"/>
-          </a:fillRef>
-          <a:effectRef idx="0">
-            <a:schemeClr val="accent6"/>
-          </a:effectRef>
-          <a:fontRef idx="minor">
-            <a:schemeClr val="dk1"/>
-          </a:fontRef>
-        </p:style>
-        <p:txBody>
-          <a:bodyPr rtlCol="0" anchor="ctr"/>
-          <a:lstStyle/>
-          <a:p>
-            <a:pPr algn="ctr"/>
-            <a:endParaRPr lang="en-US" sz="1013"/>
-          </a:p>
-        </p:txBody>
-      </p:sp>
-      <p:sp>
-        <p:nvSpPr>
-          <p:cNvPr id="9" name="Rectangle 8">
-            <a:extLst>
-              <a:ext uri="{FF2B5EF4-FFF2-40B4-BE49-F238E27FC236}">
-                <a16:creationId xmlns:a16="http://schemas.microsoft.com/office/drawing/2014/main" id="{B45B3239-69D6-AA6B-4B09-A62D8B695486}"/>
-              </a:ext>
-            </a:extLst>
-          </p:cNvPr>
-          <p:cNvSpPr/>
-          <p:nvPr/>
-        </p:nvSpPr>
-        <p:spPr>
-          <a:xfrm>
-            <a:off x="3359927" y="5943592"/>
-            <a:ext cx="2902205" cy="1868387"/>
-          </a:xfrm>
-          <a:prstGeom prst="rect">
-            <a:avLst/>
-          </a:prstGeom>
-          <a:ln>
-            <a:solidFill>
-              <a:schemeClr val="tx1"/>
-            </a:solidFill>
-          </a:ln>
-        </p:spPr>
-        <p:style>
-          <a:lnRef idx="2">
-            <a:schemeClr val="accent6"/>
-          </a:lnRef>
-          <a:fillRef idx="1">
-            <a:schemeClr val="lt1"/>
-          </a:fillRef>
-          <a:effectRef idx="0">
-            <a:schemeClr val="accent6"/>
-          </a:effectRef>
-          <a:fontRef idx="minor">
-            <a:schemeClr val="dk1"/>
-          </a:fontRef>
-        </p:style>
-        <p:txBody>
-          <a:bodyPr rtlCol="0" anchor="ctr"/>
-          <a:lstStyle/>
-          <a:p>
-            <a:pPr algn="ctr"/>
-            <a:endParaRPr lang="en-US" sz="1013"/>
-          </a:p>
-        </p:txBody>
-      </p:sp>
-      <p:sp>
-        <p:nvSpPr>
-          <p:cNvPr id="10" name="TextBox 9">
-            <a:extLst>
-              <a:ext uri="{FF2B5EF4-FFF2-40B4-BE49-F238E27FC236}">
-                <a16:creationId xmlns:a16="http://schemas.microsoft.com/office/drawing/2014/main" id="{B7C4E88F-A4F8-7ADD-7285-E9E8628D0DC0}"/>
+                <a16:creationId xmlns:a16="http://schemas.microsoft.com/office/drawing/2014/main" id="{F1D0BE43-1687-21D3-62CB-BA8906361EB1}"/>
               </a:ext>
             </a:extLst>
           </p:cNvPr>
@@ -3225,8 +2996,8 @@
         </p:nvSpPr>
         <p:spPr>
           <a:xfrm>
-            <a:off x="320923" y="2591947"/>
-            <a:ext cx="540533" cy="248209"/>
+            <a:off x="5413608" y="390632"/>
+            <a:ext cx="5170664" cy="3539430"/>
           </a:xfrm>
           <a:prstGeom prst="rect">
             <a:avLst/>
@@ -3234,24 +3005,420 @@
           <a:noFill/>
         </p:spPr>
         <p:txBody>
-          <a:bodyPr wrap="none" rtlCol="0">
+          <a:bodyPr wrap="square">
             <a:spAutoFit/>
           </a:bodyPr>
           <a:lstStyle/>
           <a:p>
             <a:r>
-              <a:rPr lang="en-US" sz="1013" dirty="0"/>
-              <a:t>Design</a:t>
-            </a:r>
-          </a:p>
-        </p:txBody>
-      </p:sp>
-      <p:sp>
-        <p:nvSpPr>
-          <p:cNvPr id="11" name="TextBox 10">
+              <a:rPr lang="de-DE" sz="1400" b="1" i="0" dirty="0" err="1">
+                <a:solidFill>
+                  <a:srgbClr val="000000"/>
+                </a:solidFill>
+                <a:effectLst/>
+                <a:latin typeface="Arial" panose="020B0604020202020204" pitchFamily="34" charset="0"/>
+              </a:rPr>
+              <a:t>Autho</a:t>
+            </a:r>
+            <a:r>
+              <a:rPr lang="de-DE" sz="1400" b="1" dirty="0" err="1">
+                <a:solidFill>
+                  <a:srgbClr val="000000"/>
+                </a:solidFill>
+                <a:latin typeface="Arial" panose="020B0604020202020204" pitchFamily="34" charset="0"/>
+              </a:rPr>
+              <a:t>r</a:t>
+            </a:r>
+            <a:r>
+              <a:rPr lang="de-DE" sz="1400" dirty="0">
+                <a:solidFill>
+                  <a:srgbClr val="000000"/>
+                </a:solidFill>
+                <a:latin typeface="Arial" panose="020B0604020202020204" pitchFamily="34" charset="0"/>
+              </a:rPr>
+              <a:t>: Pascal Niemann, Tim Cares</a:t>
+            </a:r>
+          </a:p>
+          <a:p>
+            <a:r>
+              <a:rPr lang="de-DE" sz="1400" b="1" dirty="0">
+                <a:solidFill>
+                  <a:srgbClr val="000000"/>
+                </a:solidFill>
+                <a:latin typeface="Arial" panose="020B0604020202020204" pitchFamily="34" charset="0"/>
+              </a:rPr>
+              <a:t>Task</a:t>
+            </a:r>
+            <a:r>
+              <a:rPr lang="de-DE" sz="1400" dirty="0">
+                <a:solidFill>
+                  <a:srgbClr val="000000"/>
+                </a:solidFill>
+                <a:latin typeface="Arial" panose="020B0604020202020204" pitchFamily="34" charset="0"/>
+              </a:rPr>
+              <a:t>: </a:t>
+            </a:r>
+            <a:r>
+              <a:rPr lang="en-US" sz="1400" dirty="0">
+                <a:solidFill>
+                  <a:srgbClr val="000000"/>
+                </a:solidFill>
+                <a:latin typeface="Arial" panose="020B0604020202020204" pitchFamily="34" charset="0"/>
+              </a:rPr>
+              <a:t>Develop an idea for an interactive visualization application</a:t>
+            </a:r>
+            <a:endParaRPr lang="de-DE" sz="1400" dirty="0">
+              <a:solidFill>
+                <a:srgbClr val="000000"/>
+              </a:solidFill>
+              <a:latin typeface="Arial" panose="020B0604020202020204" pitchFamily="34" charset="0"/>
+            </a:endParaRPr>
+          </a:p>
+          <a:p>
+            <a:endParaRPr lang="de-DE" sz="1400" dirty="0">
+              <a:solidFill>
+                <a:srgbClr val="000000"/>
+              </a:solidFill>
+              <a:latin typeface="Arial" panose="020B0604020202020204" pitchFamily="34" charset="0"/>
+            </a:endParaRPr>
+          </a:p>
+          <a:p>
+            <a:r>
+              <a:rPr lang="de-DE" sz="1400" b="1" dirty="0">
+                <a:solidFill>
+                  <a:srgbClr val="000000"/>
+                </a:solidFill>
+                <a:latin typeface="Arial" panose="020B0604020202020204" pitchFamily="34" charset="0"/>
+              </a:rPr>
+              <a:t>Dataset</a:t>
+            </a:r>
+            <a:r>
+              <a:rPr lang="de-DE" sz="1400" dirty="0">
+                <a:solidFill>
+                  <a:srgbClr val="000000"/>
+                </a:solidFill>
+                <a:latin typeface="Arial" panose="020B0604020202020204" pitchFamily="34" charset="0"/>
+              </a:rPr>
+              <a:t>: </a:t>
+            </a:r>
+            <a:r>
+              <a:rPr lang="en-US" sz="1400" dirty="0">
+                <a:solidFill>
+                  <a:srgbClr val="000000"/>
+                </a:solidFill>
+                <a:latin typeface="Arial" panose="020B0604020202020204" pitchFamily="34" charset="0"/>
+              </a:rPr>
+              <a:t>2.3 Million US Wildfires (1992-2020) 6th Edition (Spatial wildfire occurrence data for the United States, 1992-2020)</a:t>
+            </a:r>
+          </a:p>
+          <a:p>
+            <a:r>
+              <a:rPr lang="en-US" sz="1400" b="1" dirty="0">
+                <a:solidFill>
+                  <a:srgbClr val="000000"/>
+                </a:solidFill>
+                <a:latin typeface="Arial" panose="020B0604020202020204" pitchFamily="34" charset="0"/>
+              </a:rPr>
+              <a:t>Some Meta-Data</a:t>
+            </a:r>
+            <a:r>
+              <a:rPr lang="en-US" sz="1400" dirty="0">
+                <a:solidFill>
+                  <a:srgbClr val="000000"/>
+                </a:solidFill>
+                <a:latin typeface="Arial" panose="020B0604020202020204" pitchFamily="34" charset="0"/>
+              </a:rPr>
+              <a:t>:</a:t>
+            </a:r>
+          </a:p>
+          <a:p>
+            <a:r>
+              <a:rPr lang="en-US" sz="1400" dirty="0">
+                <a:solidFill>
+                  <a:srgbClr val="000000"/>
+                </a:solidFill>
+                <a:latin typeface="Arial" panose="020B0604020202020204" pitchFamily="34" charset="0"/>
+              </a:rPr>
+              <a:t>Time Range: 1992-2020</a:t>
+            </a:r>
+          </a:p>
+          <a:p>
+            <a:r>
+              <a:rPr lang="en-US" sz="1400" dirty="0">
+                <a:solidFill>
+                  <a:srgbClr val="000000"/>
+                </a:solidFill>
+                <a:latin typeface="Arial" panose="020B0604020202020204" pitchFamily="34" charset="0"/>
+              </a:rPr>
+              <a:t>Records: 2,3 Million</a:t>
+            </a:r>
+          </a:p>
+          <a:p>
+            <a:r>
+              <a:rPr lang="en-US" sz="1400" dirty="0">
+                <a:solidFill>
+                  <a:srgbClr val="000000"/>
+                </a:solidFill>
+                <a:latin typeface="Arial" panose="020B0604020202020204" pitchFamily="34" charset="0"/>
+              </a:rPr>
+              <a:t>Burned Acres: 180 Million</a:t>
+            </a:r>
+          </a:p>
+          <a:p>
+            <a:br>
+              <a:rPr lang="de-DE" sz="1400" dirty="0">
+                <a:solidFill>
+                  <a:srgbClr val="000000"/>
+                </a:solidFill>
+                <a:latin typeface="Arial" panose="020B0604020202020204" pitchFamily="34" charset="0"/>
+              </a:rPr>
+            </a:br>
+            <a:r>
+              <a:rPr lang="de-DE" sz="1400" b="1" dirty="0">
+                <a:solidFill>
+                  <a:srgbClr val="000000"/>
+                </a:solidFill>
+                <a:latin typeface="Arial" panose="020B0604020202020204" pitchFamily="34" charset="0"/>
+              </a:rPr>
+              <a:t>Titel</a:t>
+            </a:r>
+            <a:r>
+              <a:rPr lang="de-DE" sz="1400" dirty="0">
+                <a:solidFill>
+                  <a:srgbClr val="000000"/>
+                </a:solidFill>
+                <a:latin typeface="Arial" panose="020B0604020202020204" pitchFamily="34" charset="0"/>
+              </a:rPr>
+              <a:t>: </a:t>
+            </a:r>
+            <a:r>
+              <a:rPr lang="en-US" sz="1400" dirty="0">
+                <a:solidFill>
+                  <a:srgbClr val="000000"/>
+                </a:solidFill>
+                <a:latin typeface="Arial" panose="020B0604020202020204" pitchFamily="34" charset="0"/>
+              </a:rPr>
+              <a:t>America in flames over the course of time</a:t>
+            </a:r>
+            <a:endParaRPr lang="de-DE" sz="1400" dirty="0">
+              <a:solidFill>
+                <a:srgbClr val="000000"/>
+              </a:solidFill>
+              <a:latin typeface="Arial" panose="020B0604020202020204" pitchFamily="34" charset="0"/>
+            </a:endParaRPr>
+          </a:p>
+          <a:p>
+            <a:r>
+              <a:rPr lang="de-DE" sz="1400" b="1" i="0" dirty="0">
+                <a:solidFill>
+                  <a:srgbClr val="000000"/>
+                </a:solidFill>
+                <a:effectLst/>
+                <a:latin typeface="Arial" panose="020B0604020202020204" pitchFamily="34" charset="0"/>
+              </a:rPr>
+              <a:t>Date</a:t>
+            </a:r>
+            <a:r>
+              <a:rPr lang="de-DE" sz="1400" b="0" i="0" dirty="0">
+                <a:solidFill>
+                  <a:srgbClr val="000000"/>
+                </a:solidFill>
+                <a:effectLst/>
+                <a:latin typeface="Arial" panose="020B0604020202020204" pitchFamily="34" charset="0"/>
+              </a:rPr>
+              <a:t>: 11.05.2023</a:t>
+            </a:r>
+          </a:p>
+          <a:p>
+            <a:r>
+              <a:rPr lang="de-DE" sz="1400" b="1" dirty="0">
+                <a:solidFill>
+                  <a:srgbClr val="000000"/>
+                </a:solidFill>
+                <a:latin typeface="Arial" panose="020B0604020202020204" pitchFamily="34" charset="0"/>
+              </a:rPr>
+              <a:t>Task</a:t>
+            </a:r>
+            <a:r>
+              <a:rPr lang="de-DE" sz="1400" dirty="0">
+                <a:solidFill>
+                  <a:srgbClr val="000000"/>
+                </a:solidFill>
+                <a:latin typeface="Arial" panose="020B0604020202020204" pitchFamily="34" charset="0"/>
+              </a:rPr>
+              <a:t>: Project VHCI - </a:t>
+            </a:r>
+            <a:r>
+              <a:rPr lang="en-US" sz="1400" dirty="0">
+                <a:solidFill>
+                  <a:srgbClr val="000000"/>
+                </a:solidFill>
+                <a:latin typeface="Arial" panose="020B0604020202020204" pitchFamily="34" charset="0"/>
+              </a:rPr>
+              <a:t>Develop an idea for an interactive visualization application,</a:t>
+            </a:r>
+            <a:endParaRPr lang="de-DE" sz="1400" dirty="0"/>
+          </a:p>
+        </p:txBody>
+      </p:sp>
+      <p:cxnSp>
+        <p:nvCxnSpPr>
+          <p:cNvPr id="5" name="Gerader Verbinder 4">
             <a:extLst>
               <a:ext uri="{FF2B5EF4-FFF2-40B4-BE49-F238E27FC236}">
-                <a16:creationId xmlns:a16="http://schemas.microsoft.com/office/drawing/2014/main" id="{EFC6991A-001D-971D-786E-098E18526A7F}"/>
+                <a16:creationId xmlns:a16="http://schemas.microsoft.com/office/drawing/2014/main" id="{6813FD9F-BB77-7509-04B4-BA98DAF15CA2}"/>
+              </a:ext>
+            </a:extLst>
+          </p:cNvPr>
+          <p:cNvCxnSpPr>
+            <a:cxnSpLocks/>
+          </p:cNvCxnSpPr>
+          <p:nvPr/>
+        </p:nvCxnSpPr>
+        <p:spPr>
+          <a:xfrm flipH="1">
+            <a:off x="5345113" y="0"/>
+            <a:ext cx="793" cy="15119350"/>
+          </a:xfrm>
+          <a:prstGeom prst="line">
+            <a:avLst/>
+          </a:prstGeom>
+        </p:spPr>
+        <p:style>
+          <a:lnRef idx="1">
+            <a:schemeClr val="dk1"/>
+          </a:lnRef>
+          <a:fillRef idx="0">
+            <a:schemeClr val="dk1"/>
+          </a:fillRef>
+          <a:effectRef idx="0">
+            <a:schemeClr val="dk1"/>
+          </a:effectRef>
+          <a:fontRef idx="minor">
+            <a:schemeClr val="tx1"/>
+          </a:fontRef>
+        </p:style>
+      </p:cxnSp>
+      <p:cxnSp>
+        <p:nvCxnSpPr>
+          <p:cNvPr id="8" name="Gerader Verbinder 7">
+            <a:extLst>
+              <a:ext uri="{FF2B5EF4-FFF2-40B4-BE49-F238E27FC236}">
+                <a16:creationId xmlns:a16="http://schemas.microsoft.com/office/drawing/2014/main" id="{414A6D54-B09B-E956-7ED0-8DEA3C4BAEC0}"/>
+              </a:ext>
+            </a:extLst>
+          </p:cNvPr>
+          <p:cNvCxnSpPr>
+            <a:cxnSpLocks/>
+          </p:cNvCxnSpPr>
+          <p:nvPr/>
+        </p:nvCxnSpPr>
+        <p:spPr>
+          <a:xfrm>
+            <a:off x="0" y="7559675"/>
+            <a:ext cx="5345113" cy="0"/>
+          </a:xfrm>
+          <a:prstGeom prst="line">
+            <a:avLst/>
+          </a:prstGeom>
+        </p:spPr>
+        <p:style>
+          <a:lnRef idx="1">
+            <a:schemeClr val="dk1"/>
+          </a:lnRef>
+          <a:fillRef idx="0">
+            <a:schemeClr val="dk1"/>
+          </a:fillRef>
+          <a:effectRef idx="0">
+            <a:schemeClr val="dk1"/>
+          </a:effectRef>
+          <a:fontRef idx="minor">
+            <a:schemeClr val="tx1"/>
+          </a:fontRef>
+        </p:style>
+      </p:cxnSp>
+      <p:cxnSp>
+        <p:nvCxnSpPr>
+          <p:cNvPr id="11" name="Gerader Verbinder 10">
+            <a:extLst>
+              <a:ext uri="{FF2B5EF4-FFF2-40B4-BE49-F238E27FC236}">
+                <a16:creationId xmlns:a16="http://schemas.microsoft.com/office/drawing/2014/main" id="{EB383DCE-D010-BD2A-F573-C10059C6A807}"/>
+              </a:ext>
+            </a:extLst>
+          </p:cNvPr>
+          <p:cNvCxnSpPr>
+            <a:cxnSpLocks/>
+          </p:cNvCxnSpPr>
+          <p:nvPr/>
+        </p:nvCxnSpPr>
+        <p:spPr>
+          <a:xfrm>
+            <a:off x="5394805" y="3947689"/>
+            <a:ext cx="5345113" cy="0"/>
+          </a:xfrm>
+          <a:prstGeom prst="line">
+            <a:avLst/>
+          </a:prstGeom>
+        </p:spPr>
+        <p:style>
+          <a:lnRef idx="1">
+            <a:schemeClr val="dk1"/>
+          </a:lnRef>
+          <a:fillRef idx="0">
+            <a:schemeClr val="dk1"/>
+          </a:fillRef>
+          <a:effectRef idx="0">
+            <a:schemeClr val="dk1"/>
+          </a:effectRef>
+          <a:fontRef idx="minor">
+            <a:schemeClr val="tx1"/>
+          </a:fontRef>
+        </p:style>
+      </p:cxnSp>
+      <p:cxnSp>
+        <p:nvCxnSpPr>
+          <p:cNvPr id="12" name="Gerader Verbinder 11">
+            <a:extLst>
+              <a:ext uri="{FF2B5EF4-FFF2-40B4-BE49-F238E27FC236}">
+                <a16:creationId xmlns:a16="http://schemas.microsoft.com/office/drawing/2014/main" id="{E417A058-7620-F2CD-B5AD-78CB7BC09382}"/>
+              </a:ext>
+            </a:extLst>
+          </p:cNvPr>
+          <p:cNvCxnSpPr>
+            <a:cxnSpLocks/>
+          </p:cNvCxnSpPr>
+          <p:nvPr/>
+        </p:nvCxnSpPr>
+        <p:spPr>
+          <a:xfrm>
+            <a:off x="5346700" y="11742793"/>
+            <a:ext cx="5345113" cy="0"/>
+          </a:xfrm>
+          <a:prstGeom prst="line">
+            <a:avLst/>
+          </a:prstGeom>
+        </p:spPr>
+        <p:style>
+          <a:lnRef idx="1">
+            <a:schemeClr val="dk1"/>
+          </a:lnRef>
+          <a:fillRef idx="0">
+            <a:schemeClr val="dk1"/>
+          </a:fillRef>
+          <a:effectRef idx="0">
+            <a:schemeClr val="dk1"/>
+          </a:effectRef>
+          <a:fontRef idx="minor">
+            <a:schemeClr val="tx1"/>
+          </a:fontRef>
+        </p:style>
+      </p:cxnSp>
+      <p:sp>
+        <p:nvSpPr>
+          <p:cNvPr id="13" name="Textfeld 12">
+            <a:extLst>
+              <a:ext uri="{FF2B5EF4-FFF2-40B4-BE49-F238E27FC236}">
+                <a16:creationId xmlns:a16="http://schemas.microsoft.com/office/drawing/2014/main" id="{E3470A89-8F16-A16A-A0F9-1D5182A9A8FA}"/>
               </a:ext>
             </a:extLst>
           </p:cNvPr>
@@ -3260,8 +3427,8 @@
         </p:nvSpPr>
         <p:spPr>
           <a:xfrm>
-            <a:off x="3310758" y="2591947"/>
-            <a:ext cx="988901" cy="248209"/>
+            <a:off x="7284936" y="0"/>
+            <a:ext cx="1593706" cy="400110"/>
           </a:xfrm>
           <a:prstGeom prst="rect">
             <a:avLst/>
@@ -3269,13 +3436,16 @@
           <a:noFill/>
         </p:spPr>
         <p:txBody>
-          <a:bodyPr wrap="square" rtlCol="0">
+          <a:bodyPr wrap="none" rtlCol="0">
             <a:spAutoFit/>
           </a:bodyPr>
           <a:lstStyle/>
           <a:p>
             <a:r>
-              <a:rPr lang="en-US" sz="1013" dirty="0"/>
+              <a:rPr lang="de-DE" sz="2000" b="1" dirty="0">
+                <a:latin typeface="Arial" panose="020B0604020202020204" pitchFamily="34" charset="0"/>
+                <a:cs typeface="Arial" panose="020B0604020202020204" pitchFamily="34" charset="0"/>
+              </a:rPr>
               <a:t>Information</a:t>
             </a:r>
           </a:p>
@@ -3283,10 +3453,10 @@
       </p:sp>
       <p:sp>
         <p:nvSpPr>
-          <p:cNvPr id="12" name="TextBox 11">
+          <p:cNvPr id="14" name="Textfeld 13">
             <a:extLst>
               <a:ext uri="{FF2B5EF4-FFF2-40B4-BE49-F238E27FC236}">
-                <a16:creationId xmlns:a16="http://schemas.microsoft.com/office/drawing/2014/main" id="{8F1EDDBB-03B9-AABB-35C4-32E795AC5089}"/>
+                <a16:creationId xmlns:a16="http://schemas.microsoft.com/office/drawing/2014/main" id="{8902E9E7-3DF0-7720-206B-5B43EB86BE19}"/>
               </a:ext>
             </a:extLst>
           </p:cNvPr>
@@ -3295,8 +3465,8 @@
         </p:nvSpPr>
         <p:spPr>
           <a:xfrm>
-            <a:off x="3310758" y="3632088"/>
-            <a:ext cx="941802" cy="248209"/>
+            <a:off x="7298561" y="4053827"/>
+            <a:ext cx="1537600" cy="400110"/>
           </a:xfrm>
           <a:prstGeom prst="rect">
             <a:avLst/>
@@ -3304,24 +3474,31 @@
           <a:noFill/>
         </p:spPr>
         <p:txBody>
-          <a:bodyPr wrap="square" rtlCol="0">
+          <a:bodyPr wrap="none" rtlCol="0">
             <a:spAutoFit/>
           </a:bodyPr>
           <a:lstStyle/>
           <a:p>
             <a:r>
-              <a:rPr lang="en-US" sz="1013" dirty="0"/>
+              <a:rPr lang="de-DE" sz="2000" b="1" dirty="0" err="1">
+                <a:latin typeface="Arial" panose="020B0604020202020204" pitchFamily="34" charset="0"/>
+                <a:cs typeface="Arial" panose="020B0604020202020204" pitchFamily="34" charset="0"/>
+              </a:rPr>
               <a:t>Operations</a:t>
             </a:r>
-          </a:p>
-        </p:txBody>
-      </p:sp>
-      <p:sp>
-        <p:nvSpPr>
-          <p:cNvPr id="13" name="TextBox 12">
+            <a:endParaRPr lang="de-DE" sz="2000" b="1" dirty="0">
+              <a:latin typeface="Arial" panose="020B0604020202020204" pitchFamily="34" charset="0"/>
+              <a:cs typeface="Arial" panose="020B0604020202020204" pitchFamily="34" charset="0"/>
+            </a:endParaRPr>
+          </a:p>
+        </p:txBody>
+      </p:sp>
+      <p:sp>
+        <p:nvSpPr>
+          <p:cNvPr id="15" name="Textfeld 14">
             <a:extLst>
               <a:ext uri="{FF2B5EF4-FFF2-40B4-BE49-F238E27FC236}">
-                <a16:creationId xmlns:a16="http://schemas.microsoft.com/office/drawing/2014/main" id="{1A404CE4-1D26-DAF5-6ADB-E80C46E3CBB9}"/>
+                <a16:creationId xmlns:a16="http://schemas.microsoft.com/office/drawing/2014/main" id="{8230EB92-7637-CF1E-0D3A-25C1B4FF332B}"/>
               </a:ext>
             </a:extLst>
           </p:cNvPr>
@@ -3330,8 +3507,8 @@
         </p:nvSpPr>
         <p:spPr>
           <a:xfrm>
-            <a:off x="320923" y="6404906"/>
-            <a:ext cx="487634" cy="248209"/>
+            <a:off x="7124855" y="11848930"/>
+            <a:ext cx="1913867" cy="400110"/>
           </a:xfrm>
           <a:prstGeom prst="rect">
             <a:avLst/>
@@ -3339,24 +3516,31 @@
           <a:noFill/>
         </p:spPr>
         <p:txBody>
-          <a:bodyPr wrap="none" rtlCol="0">
+          <a:bodyPr wrap="square" rtlCol="0">
             <a:spAutoFit/>
           </a:bodyPr>
           <a:lstStyle/>
           <a:p>
             <a:r>
-              <a:rPr lang="en-US" sz="1013" dirty="0"/>
-              <a:t>Focus</a:t>
-            </a:r>
-          </a:p>
-        </p:txBody>
-      </p:sp>
-      <p:sp>
-        <p:nvSpPr>
-          <p:cNvPr id="14" name="TextBox 13">
+              <a:rPr lang="de-DE" sz="2000" b="1" dirty="0" err="1">
+                <a:latin typeface="Arial" panose="020B0604020202020204" pitchFamily="34" charset="0"/>
+                <a:cs typeface="Arial" panose="020B0604020202020204" pitchFamily="34" charset="0"/>
+              </a:rPr>
+              <a:t>Discussion</a:t>
+            </a:r>
+            <a:endParaRPr lang="de-DE" sz="2000" b="1" dirty="0">
+              <a:latin typeface="Arial" panose="020B0604020202020204" pitchFamily="34" charset="0"/>
+              <a:cs typeface="Arial" panose="020B0604020202020204" pitchFamily="34" charset="0"/>
+            </a:endParaRPr>
+          </a:p>
+        </p:txBody>
+      </p:sp>
+      <p:sp>
+        <p:nvSpPr>
+          <p:cNvPr id="16" name="Textfeld 15">
             <a:extLst>
               <a:ext uri="{FF2B5EF4-FFF2-40B4-BE49-F238E27FC236}">
-                <a16:creationId xmlns:a16="http://schemas.microsoft.com/office/drawing/2014/main" id="{F13C2B4F-9171-6ADF-3943-EB6798D86275}"/>
+                <a16:creationId xmlns:a16="http://schemas.microsoft.com/office/drawing/2014/main" id="{A08CB741-D923-5E4C-C3D4-F10489BB3F90}"/>
               </a:ext>
             </a:extLst>
           </p:cNvPr>
@@ -3365,8 +3549,8 @@
         </p:nvSpPr>
         <p:spPr>
           <a:xfrm>
-            <a:off x="3299692" y="5926603"/>
-            <a:ext cx="740908" cy="248209"/>
+            <a:off x="1861277" y="7559675"/>
+            <a:ext cx="1721946" cy="400110"/>
           </a:xfrm>
           <a:prstGeom prst="rect">
             <a:avLst/>
@@ -3380,18 +3564,431 @@
           <a:lstStyle/>
           <a:p>
             <a:r>
-              <a:rPr lang="en-US" sz="1013" dirty="0"/>
-              <a:t>Discussion</a:t>
-            </a:r>
+              <a:rPr lang="de-DE" sz="2000" b="1" dirty="0">
+                <a:latin typeface="Arial" panose="020B0604020202020204" pitchFamily="34" charset="0"/>
+                <a:cs typeface="Arial" panose="020B0604020202020204" pitchFamily="34" charset="0"/>
+              </a:rPr>
+              <a:t>Focus / </a:t>
+            </a:r>
+            <a:r>
+              <a:rPr lang="de-DE" sz="2000" b="1" dirty="0" err="1">
+                <a:latin typeface="Arial" panose="020B0604020202020204" pitchFamily="34" charset="0"/>
+                <a:cs typeface="Arial" panose="020B0604020202020204" pitchFamily="34" charset="0"/>
+              </a:rPr>
+              <a:t>Parti</a:t>
+            </a:r>
+            <a:endParaRPr lang="de-DE" sz="2000" b="1" dirty="0">
+              <a:latin typeface="Arial" panose="020B0604020202020204" pitchFamily="34" charset="0"/>
+              <a:cs typeface="Arial" panose="020B0604020202020204" pitchFamily="34" charset="0"/>
+            </a:endParaRPr>
+          </a:p>
+        </p:txBody>
+      </p:sp>
+      <p:sp>
+        <p:nvSpPr>
+          <p:cNvPr id="17" name="Textfeld 16">
+            <a:extLst>
+              <a:ext uri="{FF2B5EF4-FFF2-40B4-BE49-F238E27FC236}">
+                <a16:creationId xmlns:a16="http://schemas.microsoft.com/office/drawing/2014/main" id="{6BF0D512-6CA4-1844-6CD8-EB93ACA3B7D5}"/>
+              </a:ext>
+            </a:extLst>
+          </p:cNvPr>
+          <p:cNvSpPr txBox="1"/>
+          <p:nvPr/>
+        </p:nvSpPr>
+        <p:spPr>
+          <a:xfrm>
+            <a:off x="2195503" y="0"/>
+            <a:ext cx="1026243" cy="400110"/>
+          </a:xfrm>
+          <a:prstGeom prst="rect">
+            <a:avLst/>
+          </a:prstGeom>
+          <a:noFill/>
+        </p:spPr>
+        <p:txBody>
+          <a:bodyPr wrap="none" rtlCol="0">
+            <a:spAutoFit/>
+          </a:bodyPr>
+          <a:lstStyle/>
+          <a:p>
+            <a:r>
+              <a:rPr lang="de-DE" sz="2000" b="1" dirty="0">
+                <a:latin typeface="Arial" panose="020B0604020202020204" pitchFamily="34" charset="0"/>
+                <a:cs typeface="Arial" panose="020B0604020202020204" pitchFamily="34" charset="0"/>
+              </a:rPr>
+              <a:t>Layout</a:t>
+            </a:r>
+          </a:p>
+        </p:txBody>
+      </p:sp>
+      <p:sp>
+        <p:nvSpPr>
+          <p:cNvPr id="20" name="Textfeld 19">
+            <a:extLst>
+              <a:ext uri="{FF2B5EF4-FFF2-40B4-BE49-F238E27FC236}">
+                <a16:creationId xmlns:a16="http://schemas.microsoft.com/office/drawing/2014/main" id="{24F1458F-627D-E486-84FF-21C40B83FD82}"/>
+              </a:ext>
+            </a:extLst>
+          </p:cNvPr>
+          <p:cNvSpPr txBox="1"/>
+          <p:nvPr/>
+        </p:nvSpPr>
+        <p:spPr>
+          <a:xfrm>
+            <a:off x="5482030" y="4782721"/>
+            <a:ext cx="5170664" cy="6771084"/>
+          </a:xfrm>
+          <a:prstGeom prst="rect">
+            <a:avLst/>
+          </a:prstGeom>
+          <a:noFill/>
+        </p:spPr>
+        <p:txBody>
+          <a:bodyPr wrap="square">
+            <a:spAutoFit/>
+          </a:bodyPr>
+          <a:lstStyle/>
+          <a:p>
+            <a:r>
+              <a:rPr lang="en-US" sz="1400" b="1" dirty="0">
+                <a:latin typeface="Arial" panose="020B0604020202020204" pitchFamily="34" charset="0"/>
+                <a:cs typeface="Arial" panose="020B0604020202020204" pitchFamily="34" charset="0"/>
+              </a:rPr>
+              <a:t>Left Sidebar:</a:t>
+            </a:r>
+          </a:p>
+          <a:p>
+            <a:pPr marL="171450" indent="-171450">
+              <a:buFontTx/>
+              <a:buChar char="-"/>
+            </a:pPr>
+            <a:r>
+              <a:rPr lang="en-US" sz="1400" dirty="0">
+                <a:latin typeface="Arial" panose="020B0604020202020204" pitchFamily="34" charset="0"/>
+                <a:cs typeface="Arial" panose="020B0604020202020204" pitchFamily="34" charset="0"/>
+              </a:rPr>
+              <a:t>Click on “Task” button: Changes Window – Display information about this Project and the Task</a:t>
+            </a:r>
+          </a:p>
+          <a:p>
+            <a:pPr marL="171450" indent="-171450">
+              <a:buFontTx/>
+              <a:buChar char="-"/>
+            </a:pPr>
+            <a:r>
+              <a:rPr lang="en-US" sz="1400" dirty="0">
+                <a:latin typeface="Arial" panose="020B0604020202020204" pitchFamily="34" charset="0"/>
+                <a:cs typeface="Arial" panose="020B0604020202020204" pitchFamily="34" charset="0"/>
+              </a:rPr>
+              <a:t>Click on “Overview”: Changes Window – Display information about the used Dataset and the application</a:t>
+            </a:r>
+          </a:p>
+          <a:p>
+            <a:pPr marL="171450" indent="-171450">
+              <a:buFontTx/>
+              <a:buChar char="-"/>
+            </a:pPr>
+            <a:r>
+              <a:rPr lang="en-US" sz="1400" dirty="0">
+                <a:latin typeface="Arial" panose="020B0604020202020204" pitchFamily="34" charset="0"/>
+                <a:cs typeface="Arial" panose="020B0604020202020204" pitchFamily="34" charset="0"/>
+              </a:rPr>
+              <a:t>Click on ”Map”: Changes Window – Display Main-Application with a Map of the US and the wildfires.</a:t>
+            </a:r>
+          </a:p>
+          <a:p>
+            <a:pPr marL="171450" indent="-171450">
+              <a:buFontTx/>
+              <a:buChar char="-"/>
+            </a:pPr>
+            <a:r>
+              <a:rPr lang="en-US" sz="1400" dirty="0">
+                <a:latin typeface="Arial" panose="020B0604020202020204" pitchFamily="34" charset="0"/>
+                <a:cs typeface="Arial" panose="020B0604020202020204" pitchFamily="34" charset="0"/>
+              </a:rPr>
+              <a:t>Click on “Statistics”: Changes Window – Display additional Graphs about the wildfires (optional)</a:t>
+            </a:r>
+          </a:p>
+          <a:p>
+            <a:pPr marL="171450" indent="-171450">
+              <a:buFontTx/>
+              <a:buChar char="-"/>
+            </a:pPr>
+            <a:endParaRPr lang="en-US" sz="1400" dirty="0">
+              <a:latin typeface="Arial" panose="020B0604020202020204" pitchFamily="34" charset="0"/>
+              <a:cs typeface="Arial" panose="020B0604020202020204" pitchFamily="34" charset="0"/>
+            </a:endParaRPr>
+          </a:p>
+          <a:p>
+            <a:r>
+              <a:rPr lang="en-US" sz="1400" b="1" dirty="0">
+                <a:latin typeface="Arial" panose="020B0604020202020204" pitchFamily="34" charset="0"/>
+                <a:cs typeface="Arial" panose="020B0604020202020204" pitchFamily="34" charset="0"/>
+              </a:rPr>
+              <a:t>Main-Application Map: Top Bar (Filter)</a:t>
+            </a:r>
+          </a:p>
+          <a:p>
+            <a:pPr marL="171450" indent="-171450">
+              <a:buFontTx/>
+              <a:buChar char="-"/>
+            </a:pPr>
+            <a:r>
+              <a:rPr lang="en-US" sz="1400" dirty="0">
+                <a:latin typeface="Arial" panose="020B0604020202020204" pitchFamily="34" charset="0"/>
+                <a:cs typeface="Arial" panose="020B0604020202020204" pitchFamily="34" charset="0"/>
+              </a:rPr>
+              <a:t>Enable categorical filters in the map section header to selectively display wildfires based on chosen characteristics:</a:t>
+            </a:r>
+          </a:p>
+          <a:p>
+            <a:pPr marL="628650" lvl="1" indent="-171450">
+              <a:buFontTx/>
+              <a:buChar char="-"/>
+            </a:pPr>
+            <a:r>
+              <a:rPr lang="en-US" sz="1400" dirty="0">
+                <a:latin typeface="Arial" panose="020B0604020202020204" pitchFamily="34" charset="0"/>
+                <a:cs typeface="Arial" panose="020B0604020202020204" pitchFamily="34" charset="0"/>
+              </a:rPr>
+              <a:t>Year – 1992-2020</a:t>
+            </a:r>
+          </a:p>
+          <a:p>
+            <a:pPr marL="628650" lvl="1" indent="-171450">
+              <a:buFontTx/>
+              <a:buChar char="-"/>
+            </a:pPr>
+            <a:r>
+              <a:rPr lang="en-US" sz="1400" dirty="0">
+                <a:latin typeface="Arial" panose="020B0604020202020204" pitchFamily="34" charset="0"/>
+                <a:cs typeface="Arial" panose="020B0604020202020204" pitchFamily="34" charset="0"/>
+              </a:rPr>
+              <a:t>Cause – </a:t>
+            </a:r>
+            <a:r>
+              <a:rPr lang="en-US" sz="1400" dirty="0" err="1">
+                <a:latin typeface="Arial" panose="020B0604020202020204" pitchFamily="34" charset="0"/>
+                <a:cs typeface="Arial" panose="020B0604020202020204" pitchFamily="34" charset="0"/>
+              </a:rPr>
+              <a:t>spcific</a:t>
+            </a:r>
+            <a:endParaRPr lang="en-US" sz="1400" dirty="0">
+              <a:latin typeface="Arial" panose="020B0604020202020204" pitchFamily="34" charset="0"/>
+              <a:cs typeface="Arial" panose="020B0604020202020204" pitchFamily="34" charset="0"/>
+            </a:endParaRPr>
+          </a:p>
+          <a:p>
+            <a:pPr marL="628650" lvl="1" indent="-171450">
+              <a:buFontTx/>
+              <a:buChar char="-"/>
+            </a:pPr>
+            <a:r>
+              <a:rPr lang="en-US" sz="1400" dirty="0">
+                <a:latin typeface="Arial" panose="020B0604020202020204" pitchFamily="34" charset="0"/>
+                <a:cs typeface="Arial" panose="020B0604020202020204" pitchFamily="34" charset="0"/>
+              </a:rPr>
+              <a:t>Size – A-G </a:t>
+            </a:r>
+          </a:p>
+          <a:p>
+            <a:endParaRPr lang="en-US" sz="1400" dirty="0">
+              <a:latin typeface="Arial" panose="020B0604020202020204" pitchFamily="34" charset="0"/>
+              <a:cs typeface="Arial" panose="020B0604020202020204" pitchFamily="34" charset="0"/>
+            </a:endParaRPr>
+          </a:p>
+          <a:p>
+            <a:r>
+              <a:rPr lang="en-US" sz="1400" b="1" dirty="0">
+                <a:latin typeface="Arial" panose="020B0604020202020204" pitchFamily="34" charset="0"/>
+                <a:cs typeface="Arial" panose="020B0604020202020204" pitchFamily="34" charset="0"/>
+              </a:rPr>
+              <a:t>Main-Application Map: Lower Bar (Time slider)</a:t>
+            </a:r>
+          </a:p>
+          <a:p>
+            <a:pPr marL="171450" indent="-171450">
+              <a:buFontTx/>
+              <a:buChar char="-"/>
+            </a:pPr>
+            <a:r>
+              <a:rPr lang="en-US" sz="1400" dirty="0">
+                <a:latin typeface="Arial" panose="020B0604020202020204" pitchFamily="34" charset="0"/>
+                <a:cs typeface="Arial" panose="020B0604020202020204" pitchFamily="34" charset="0"/>
+              </a:rPr>
+              <a:t>Click on “Play”/Dragging the time slider: The wildfires will be dynamically animated for the current chosen filter.</a:t>
+            </a:r>
+          </a:p>
+          <a:p>
+            <a:pPr marL="171450" indent="-171450">
+              <a:buFontTx/>
+              <a:buChar char="-"/>
+            </a:pPr>
+            <a:r>
+              <a:rPr lang="en-US" sz="1400" dirty="0">
+                <a:latin typeface="Arial" panose="020B0604020202020204" pitchFamily="34" charset="0"/>
+                <a:cs typeface="Arial" panose="020B0604020202020204" pitchFamily="34" charset="0"/>
+              </a:rPr>
+              <a:t>Click on “Pause/Stop” button: pauses/stops the animation with the current given filter.</a:t>
+            </a:r>
+          </a:p>
+          <a:p>
+            <a:pPr marL="171450" indent="-171450">
+              <a:buFontTx/>
+              <a:buChar char="-"/>
+            </a:pPr>
+            <a:r>
+              <a:rPr lang="en-US" sz="1400" dirty="0">
+                <a:latin typeface="Arial" panose="020B0604020202020204" pitchFamily="34" charset="0"/>
+                <a:cs typeface="Arial" panose="020B0604020202020204" pitchFamily="34" charset="0"/>
+              </a:rPr>
+              <a:t>Click on “1x” button: Display speed options of the wildfire animation. The animation speed adapts to the selection.</a:t>
+            </a:r>
+          </a:p>
+          <a:p>
+            <a:pPr marL="171450" indent="-171450">
+              <a:buFontTx/>
+              <a:buChar char="-"/>
+            </a:pPr>
+            <a:r>
+              <a:rPr lang="en-US" sz="1400" dirty="0">
+                <a:latin typeface="Arial" panose="020B0604020202020204" pitchFamily="34" charset="0"/>
+                <a:cs typeface="Arial" panose="020B0604020202020204" pitchFamily="34" charset="0"/>
+              </a:rPr>
+              <a:t>Hovering over a wildfire: Reveal additional information such as the affected area, location, and dates of discovery and control.</a:t>
+            </a:r>
+          </a:p>
+          <a:p>
+            <a:endParaRPr lang="en-US" sz="1400" dirty="0">
+              <a:latin typeface="Arial" panose="020B0604020202020204" pitchFamily="34" charset="0"/>
+              <a:cs typeface="Arial" panose="020B0604020202020204" pitchFamily="34" charset="0"/>
+            </a:endParaRPr>
+          </a:p>
+          <a:p>
+            <a:r>
+              <a:rPr lang="en-US" sz="1400" b="1" dirty="0">
+                <a:latin typeface="Arial" panose="020B0604020202020204" pitchFamily="34" charset="0"/>
+                <a:cs typeface="Arial" panose="020B0604020202020204" pitchFamily="34" charset="0"/>
+              </a:rPr>
+              <a:t>Main-Application Map:</a:t>
+            </a:r>
+          </a:p>
+          <a:p>
+            <a:r>
+              <a:rPr lang="en-US" sz="1400" dirty="0">
+                <a:latin typeface="Arial" panose="020B0604020202020204" pitchFamily="34" charset="0"/>
+                <a:cs typeface="Arial" panose="020B0604020202020204" pitchFamily="34" charset="0"/>
+              </a:rPr>
+              <a:t>- Holding </a:t>
+            </a:r>
+            <a:r>
+              <a:rPr lang="en-US" sz="1400" dirty="0" err="1">
+                <a:latin typeface="Arial" panose="020B0604020202020204" pitchFamily="34" charset="0"/>
+                <a:cs typeface="Arial" panose="020B0604020202020204" pitchFamily="34" charset="0"/>
+              </a:rPr>
+              <a:t>Strg+Scroll</a:t>
+            </a:r>
+            <a:r>
+              <a:rPr lang="en-US" sz="1400" dirty="0">
+                <a:latin typeface="Arial" panose="020B0604020202020204" pitchFamily="34" charset="0"/>
+                <a:cs typeface="Arial" panose="020B0604020202020204" pitchFamily="34" charset="0"/>
+              </a:rPr>
+              <a:t>: Zooming in and out of the map.</a:t>
+            </a:r>
+          </a:p>
+          <a:p>
+            <a:endParaRPr lang="en-US" sz="1400" dirty="0">
+              <a:latin typeface="Arial" panose="020B0604020202020204" pitchFamily="34" charset="0"/>
+              <a:cs typeface="Arial" panose="020B0604020202020204" pitchFamily="34" charset="0"/>
+            </a:endParaRPr>
+          </a:p>
+        </p:txBody>
+      </p:sp>
+      <p:sp>
+        <p:nvSpPr>
+          <p:cNvPr id="21" name="Textfeld 20">
+            <a:extLst>
+              <a:ext uri="{FF2B5EF4-FFF2-40B4-BE49-F238E27FC236}">
+                <a16:creationId xmlns:a16="http://schemas.microsoft.com/office/drawing/2014/main" id="{2F43B8FD-6D96-D225-484A-0CF08B224142}"/>
+              </a:ext>
+            </a:extLst>
+          </p:cNvPr>
+          <p:cNvSpPr txBox="1"/>
+          <p:nvPr/>
+        </p:nvSpPr>
+        <p:spPr>
+          <a:xfrm>
+            <a:off x="5482030" y="12355179"/>
+            <a:ext cx="5170664" cy="2492990"/>
+          </a:xfrm>
+          <a:prstGeom prst="rect">
+            <a:avLst/>
+          </a:prstGeom>
+          <a:noFill/>
+        </p:spPr>
+        <p:txBody>
+          <a:bodyPr wrap="square">
+            <a:spAutoFit/>
+          </a:bodyPr>
+          <a:lstStyle/>
+          <a:p>
+            <a:pPr marL="171450" indent="-171450">
+              <a:buFontTx/>
+              <a:buChar char="-"/>
+            </a:pPr>
+            <a:r>
+              <a:rPr lang="en-US" sz="1200" dirty="0"/>
+              <a:t>The dataset contains an extensive record of over 2 million wildfires spanning 30 years, making it a challenging task to process all of them. This task might be computationally expensive.</a:t>
+            </a:r>
+          </a:p>
+          <a:p>
+            <a:pPr marL="628650" lvl="1" indent="-171450">
+              <a:buFontTx/>
+              <a:buChar char="-"/>
+            </a:pPr>
+            <a:r>
+              <a:rPr lang="en-US" sz="1200" dirty="0"/>
+              <a:t>A possible solution would be to work with a smaller subset of the data or utilize the filtering capabilities of the application (as described above).</a:t>
+            </a:r>
+          </a:p>
+          <a:p>
+            <a:pPr marL="171450" indent="-171450">
+              <a:buFontTx/>
+              <a:buChar char="-"/>
+            </a:pPr>
+            <a:r>
+              <a:rPr lang="en-US" sz="1200" dirty="0"/>
+              <a:t>Due to their small size or short duration, some wildfires might not be visible on the map.</a:t>
+            </a:r>
+          </a:p>
+          <a:p>
+            <a:pPr marL="171450" indent="-171450">
+              <a:buFontTx/>
+              <a:buChar char="-"/>
+            </a:pPr>
+            <a:r>
+              <a:rPr lang="en-US" sz="1200" dirty="0"/>
+              <a:t>The most challenging aspect will be accurately aligning the wildfires' locations on the map and animating them to reflect their actual size depending on the current Zoom-level.</a:t>
+            </a:r>
+          </a:p>
+          <a:p>
+            <a:r>
+              <a:rPr lang="en-US" sz="1200" dirty="0"/>
+              <a:t>	</a:t>
+            </a:r>
+          </a:p>
+          <a:p>
+            <a:endParaRPr lang="de-DE" sz="1200" dirty="0"/>
           </a:p>
         </p:txBody>
       </p:sp>
       <p:pic>
         <p:nvPicPr>
-          <p:cNvPr id="15" name="Picture 14">
+          <p:cNvPr id="2" name="Picture 14">
             <a:extLst>
               <a:ext uri="{FF2B5EF4-FFF2-40B4-BE49-F238E27FC236}">
-                <a16:creationId xmlns:a16="http://schemas.microsoft.com/office/drawing/2014/main" id="{E0A57574-EA24-115E-45D6-37EC4129A58F}"/>
+                <a16:creationId xmlns:a16="http://schemas.microsoft.com/office/drawing/2014/main" id="{5F145C59-D751-80BF-DE5C-DE635E667953}"/>
               </a:ext>
             </a:extLst>
           </p:cNvPr>
@@ -3408,8 +4005,8 @@
         </p:blipFill>
         <p:spPr>
           <a:xfrm>
-            <a:off x="374348" y="3072586"/>
-            <a:ext cx="2880209" cy="1824865"/>
+            <a:off x="56356" y="2160347"/>
+            <a:ext cx="5182803" cy="3283760"/>
           </a:xfrm>
           <a:prstGeom prst="rect">
             <a:avLst/>
@@ -3418,10 +4015,10 @@
       </p:pic>
       <p:sp>
         <p:nvSpPr>
-          <p:cNvPr id="17" name="TextBox 16">
+          <p:cNvPr id="3" name="Textfeld 2">
             <a:extLst>
               <a:ext uri="{FF2B5EF4-FFF2-40B4-BE49-F238E27FC236}">
-                <a16:creationId xmlns:a16="http://schemas.microsoft.com/office/drawing/2014/main" id="{5F5A391D-E96F-45BE-2340-31CB603E016D}"/>
+                <a16:creationId xmlns:a16="http://schemas.microsoft.com/office/drawing/2014/main" id="{E514E388-2B6A-694E-7C87-B154920D59E8}"/>
               </a:ext>
             </a:extLst>
           </p:cNvPr>
@@ -3430,8 +4027,8 @@
         </p:nvSpPr>
         <p:spPr>
           <a:xfrm>
-            <a:off x="3374860" y="2754187"/>
-            <a:ext cx="2781903" cy="611706"/>
+            <a:off x="136918" y="7959785"/>
+            <a:ext cx="5170664" cy="2031325"/>
           </a:xfrm>
           <a:prstGeom prst="rect">
             <a:avLst/>
@@ -3439,48 +4036,288 @@
           <a:noFill/>
         </p:spPr>
         <p:txBody>
-          <a:bodyPr wrap="square" rtlCol="0">
+          <a:bodyPr wrap="square">
             <a:spAutoFit/>
           </a:bodyPr>
           <a:lstStyle/>
           <a:p>
             <a:r>
-              <a:rPr lang="en-US" sz="675"/>
-              <a:t>Title: Wildfire Visualization</a:t>
-            </a:r>
-          </a:p>
-          <a:p>
-            <a:r>
-              <a:rPr lang="en-US" sz="675"/>
-              <a:t>Authors: Pascal Niemann, Tim Cares</a:t>
-            </a:r>
-          </a:p>
-          <a:p>
-            <a:r>
-              <a:rPr lang="en-US" sz="675"/>
-              <a:t>Date: 11.05.2023</a:t>
-            </a:r>
-          </a:p>
-          <a:p>
-            <a:r>
-              <a:rPr lang="en-US" sz="675"/>
-              <a:t>Task: Project work in HCI – Develop an interactive visualization application</a:t>
-            </a:r>
-          </a:p>
-          <a:p>
-            <a:r>
-              <a:rPr lang="en-US" sz="675"/>
-              <a:t>Sheet number: 5</a:t>
-            </a:r>
-          </a:p>
-        </p:txBody>
-      </p:sp>
-      <p:sp>
-        <p:nvSpPr>
-          <p:cNvPr id="18" name="TextBox 17">
+              <a:rPr lang="de-DE" sz="1400" b="1" i="0" dirty="0">
+                <a:solidFill>
+                  <a:srgbClr val="000000"/>
+                </a:solidFill>
+                <a:effectLst/>
+                <a:latin typeface="Arial" panose="020B0604020202020204" pitchFamily="34" charset="0"/>
+              </a:rPr>
+              <a:t>Core Concept</a:t>
+            </a:r>
+            <a:r>
+              <a:rPr lang="de-DE" sz="1400" dirty="0">
+                <a:solidFill>
+                  <a:srgbClr val="000000"/>
+                </a:solidFill>
+                <a:latin typeface="Arial" panose="020B0604020202020204" pitchFamily="34" charset="0"/>
+              </a:rPr>
+              <a:t>:</a:t>
+            </a:r>
+          </a:p>
+          <a:p>
+            <a:pPr marL="171450" indent="-171450">
+              <a:buFontTx/>
+              <a:buChar char="-"/>
+            </a:pPr>
+            <a:r>
+              <a:rPr lang="de-DE" sz="1400" dirty="0" err="1">
+                <a:solidFill>
+                  <a:srgbClr val="000000"/>
+                </a:solidFill>
+                <a:latin typeface="Arial" panose="020B0604020202020204" pitchFamily="34" charset="0"/>
+              </a:rPr>
+              <a:t>Visualization</a:t>
+            </a:r>
+            <a:r>
+              <a:rPr lang="de-DE" sz="1400" dirty="0">
+                <a:solidFill>
+                  <a:srgbClr val="000000"/>
+                </a:solidFill>
+                <a:latin typeface="Arial" panose="020B0604020202020204" pitchFamily="34" charset="0"/>
+              </a:rPr>
+              <a:t> </a:t>
+            </a:r>
+            <a:r>
+              <a:rPr lang="de-DE" sz="1400" dirty="0" err="1">
+                <a:solidFill>
+                  <a:srgbClr val="000000"/>
+                </a:solidFill>
+                <a:latin typeface="Arial" panose="020B0604020202020204" pitchFamily="34" charset="0"/>
+              </a:rPr>
+              <a:t>of</a:t>
+            </a:r>
+            <a:r>
+              <a:rPr lang="de-DE" sz="1400" dirty="0">
+                <a:solidFill>
+                  <a:srgbClr val="000000"/>
+                </a:solidFill>
+                <a:latin typeface="Arial" panose="020B0604020202020204" pitchFamily="34" charset="0"/>
+              </a:rPr>
+              <a:t> </a:t>
+            </a:r>
+            <a:r>
+              <a:rPr lang="de-DE" sz="1400" dirty="0" err="1">
+                <a:solidFill>
+                  <a:srgbClr val="000000"/>
+                </a:solidFill>
+                <a:latin typeface="Arial" panose="020B0604020202020204" pitchFamily="34" charset="0"/>
+              </a:rPr>
+              <a:t>wildfires</a:t>
+            </a:r>
+            <a:r>
+              <a:rPr lang="de-DE" sz="1400" dirty="0">
+                <a:solidFill>
+                  <a:srgbClr val="000000"/>
+                </a:solidFill>
+                <a:latin typeface="Arial" panose="020B0604020202020204" pitchFamily="34" charset="0"/>
+              </a:rPr>
+              <a:t> in </a:t>
+            </a:r>
+            <a:r>
+              <a:rPr lang="de-DE" sz="1400" dirty="0" err="1">
+                <a:solidFill>
+                  <a:srgbClr val="000000"/>
+                </a:solidFill>
+                <a:latin typeface="Arial" panose="020B0604020202020204" pitchFamily="34" charset="0"/>
+              </a:rPr>
+              <a:t>the</a:t>
+            </a:r>
+            <a:r>
+              <a:rPr lang="de-DE" sz="1400" dirty="0">
+                <a:solidFill>
+                  <a:srgbClr val="000000"/>
+                </a:solidFill>
+                <a:latin typeface="Arial" panose="020B0604020202020204" pitchFamily="34" charset="0"/>
+              </a:rPr>
+              <a:t> US in an </a:t>
+            </a:r>
+            <a:r>
+              <a:rPr lang="de-DE" sz="1400" dirty="0" err="1">
+                <a:solidFill>
+                  <a:srgbClr val="000000"/>
+                </a:solidFill>
+                <a:latin typeface="Arial" panose="020B0604020202020204" pitchFamily="34" charset="0"/>
+              </a:rPr>
+              <a:t>interactive</a:t>
+            </a:r>
+            <a:r>
+              <a:rPr lang="de-DE" sz="1400" dirty="0">
+                <a:solidFill>
+                  <a:srgbClr val="000000"/>
+                </a:solidFill>
+                <a:latin typeface="Arial" panose="020B0604020202020204" pitchFamily="34" charset="0"/>
+              </a:rPr>
+              <a:t> </a:t>
+            </a:r>
+            <a:r>
+              <a:rPr lang="de-DE" sz="1400" dirty="0" err="1">
+                <a:solidFill>
+                  <a:srgbClr val="000000"/>
+                </a:solidFill>
+                <a:latin typeface="Arial" panose="020B0604020202020204" pitchFamily="34" charset="0"/>
+              </a:rPr>
+              <a:t>playable</a:t>
+            </a:r>
+            <a:r>
+              <a:rPr lang="de-DE" sz="1400" dirty="0">
+                <a:solidFill>
+                  <a:srgbClr val="000000"/>
+                </a:solidFill>
+                <a:latin typeface="Arial" panose="020B0604020202020204" pitchFamily="34" charset="0"/>
+              </a:rPr>
+              <a:t> </a:t>
+            </a:r>
+            <a:r>
+              <a:rPr lang="de-DE" sz="1400" dirty="0" err="1">
+                <a:solidFill>
+                  <a:srgbClr val="000000"/>
+                </a:solidFill>
+                <a:latin typeface="Arial" panose="020B0604020202020204" pitchFamily="34" charset="0"/>
+              </a:rPr>
+              <a:t>timeline</a:t>
+            </a:r>
+            <a:endParaRPr lang="de-DE" sz="1400" dirty="0">
+              <a:solidFill>
+                <a:srgbClr val="000000"/>
+              </a:solidFill>
+              <a:latin typeface="Arial" panose="020B0604020202020204" pitchFamily="34" charset="0"/>
+            </a:endParaRPr>
+          </a:p>
+          <a:p>
+            <a:pPr marL="171450" indent="-171450">
+              <a:buFontTx/>
+              <a:buChar char="-"/>
+            </a:pPr>
+            <a:r>
+              <a:rPr lang="de-DE" sz="1400" dirty="0">
+                <a:solidFill>
+                  <a:srgbClr val="000000"/>
+                </a:solidFill>
+                <a:latin typeface="Arial" panose="020B0604020202020204" pitchFamily="34" charset="0"/>
+              </a:rPr>
+              <a:t>Information </a:t>
+            </a:r>
+            <a:r>
+              <a:rPr lang="de-DE" sz="1400" dirty="0" err="1">
+                <a:solidFill>
+                  <a:srgbClr val="000000"/>
+                </a:solidFill>
+                <a:latin typeface="Arial" panose="020B0604020202020204" pitchFamily="34" charset="0"/>
+              </a:rPr>
+              <a:t>filtering</a:t>
+            </a:r>
+            <a:r>
+              <a:rPr lang="de-DE" sz="1400" dirty="0">
+                <a:solidFill>
+                  <a:srgbClr val="000000"/>
+                </a:solidFill>
+                <a:latin typeface="Arial" panose="020B0604020202020204" pitchFamily="34" charset="0"/>
+              </a:rPr>
+              <a:t> </a:t>
+            </a:r>
+            <a:r>
+              <a:rPr lang="de-DE" sz="1400" dirty="0" err="1">
+                <a:solidFill>
+                  <a:srgbClr val="000000"/>
+                </a:solidFill>
+                <a:latin typeface="Arial" panose="020B0604020202020204" pitchFamily="34" charset="0"/>
+              </a:rPr>
+              <a:t>based</a:t>
+            </a:r>
+            <a:r>
+              <a:rPr lang="de-DE" sz="1400" dirty="0">
+                <a:solidFill>
+                  <a:srgbClr val="000000"/>
+                </a:solidFill>
+                <a:latin typeface="Arial" panose="020B0604020202020204" pitchFamily="34" charset="0"/>
+              </a:rPr>
+              <a:t> on:</a:t>
+            </a:r>
+          </a:p>
+          <a:p>
+            <a:pPr marL="628650" lvl="1" indent="-171450">
+              <a:buFontTx/>
+              <a:buChar char="-"/>
+            </a:pPr>
+            <a:r>
+              <a:rPr lang="en-US" sz="1400" dirty="0">
+                <a:solidFill>
+                  <a:srgbClr val="000000"/>
+                </a:solidFill>
+                <a:latin typeface="Arial" panose="020B0604020202020204" pitchFamily="34" charset="0"/>
+              </a:rPr>
+              <a:t>Width of a specific year or all years compressed</a:t>
+            </a:r>
+          </a:p>
+          <a:p>
+            <a:pPr marL="628650" lvl="1" indent="-171450">
+              <a:buFontTx/>
+              <a:buChar char="-"/>
+            </a:pPr>
+            <a:r>
+              <a:rPr lang="en-US" sz="1400" dirty="0">
+                <a:solidFill>
+                  <a:srgbClr val="000000"/>
+                </a:solidFill>
+                <a:latin typeface="Arial" panose="020B0604020202020204" pitchFamily="34" charset="0"/>
+              </a:rPr>
+              <a:t>Selection of the reason for the fire</a:t>
+            </a:r>
+          </a:p>
+          <a:p>
+            <a:pPr marL="628650" lvl="1" indent="-171450">
+              <a:buFontTx/>
+              <a:buChar char="-"/>
+            </a:pPr>
+            <a:r>
+              <a:rPr lang="en-US" sz="1400" dirty="0">
+                <a:solidFill>
+                  <a:srgbClr val="000000"/>
+                </a:solidFill>
+                <a:latin typeface="Arial" panose="020B0604020202020204" pitchFamily="34" charset="0"/>
+              </a:rPr>
+              <a:t>Selection of the fire-size</a:t>
+            </a:r>
+          </a:p>
+          <a:p>
+            <a:pPr marL="628650" lvl="1" indent="-171450">
+              <a:buFontTx/>
+              <a:buChar char="-"/>
+            </a:pPr>
+            <a:endParaRPr lang="de-DE" sz="1400" dirty="0">
+              <a:solidFill>
+                <a:srgbClr val="000000"/>
+              </a:solidFill>
+              <a:latin typeface="Arial" panose="020B0604020202020204" pitchFamily="34" charset="0"/>
+            </a:endParaRPr>
+          </a:p>
+          <a:p>
+            <a:pPr marL="628650" lvl="1" indent="-171450">
+              <a:buFontTx/>
+              <a:buChar char="-"/>
+            </a:pPr>
+            <a:endParaRPr lang="de-DE" sz="1400" dirty="0">
+              <a:solidFill>
+                <a:srgbClr val="000000"/>
+              </a:solidFill>
+              <a:latin typeface="Arial" panose="020B0604020202020204" pitchFamily="34" charset="0"/>
+            </a:endParaRPr>
+          </a:p>
+        </p:txBody>
+      </p:sp>
+      <p:sp>
+        <p:nvSpPr>
+          <p:cNvPr id="9" name="Textfeld 8">
             <a:extLst>
               <a:ext uri="{FF2B5EF4-FFF2-40B4-BE49-F238E27FC236}">
-                <a16:creationId xmlns:a16="http://schemas.microsoft.com/office/drawing/2014/main" id="{CB57181A-755A-7D23-05F1-9BA616BD5DA5}"/>
+                <a16:creationId xmlns:a16="http://schemas.microsoft.com/office/drawing/2014/main" id="{ADB6FFFC-2F77-AA41-F758-BF5774FD4B62}"/>
               </a:ext>
             </a:extLst>
           </p:cNvPr>
@@ -3489,13 +4326,18 @@
         </p:nvSpPr>
         <p:spPr>
           <a:xfrm>
-            <a:off x="3410837" y="3790546"/>
-            <a:ext cx="2797457" cy="1754326"/>
+            <a:off x="293967" y="10206553"/>
+            <a:ext cx="940473" cy="369332"/>
           </a:xfrm>
           <a:prstGeom prst="rect">
             <a:avLst/>
           </a:prstGeom>
           <a:noFill/>
+          <a:ln>
+            <a:solidFill>
+              <a:schemeClr val="tx1"/>
+            </a:solidFill>
+          </a:ln>
         </p:spPr>
         <p:txBody>
           <a:bodyPr wrap="square" rtlCol="0">
@@ -3503,79 +4345,20 @@
           </a:bodyPr>
           <a:lstStyle/>
           <a:p>
-            <a:r>
-              <a:rPr lang="en-US" sz="675" dirty="0"/>
-              <a:t>- Click on “Task” button =&gt; Show information about the task for this project 	work in the area, where the map would normally be</a:t>
-            </a:r>
-          </a:p>
-          <a:p>
-            <a:r>
-              <a:rPr lang="en-US" sz="675" dirty="0"/>
-              <a:t>- Click on “Overview” =&gt; Show details about this application</a:t>
-            </a:r>
-          </a:p>
-          <a:p>
-            <a:r>
-              <a:rPr lang="en-US" sz="675" dirty="0"/>
-              <a:t>- Click on “Map” =&gt; Show visualization of US wildfires (main)</a:t>
-            </a:r>
-          </a:p>
-          <a:p>
-            <a:r>
-              <a:rPr lang="en-US" sz="675" dirty="0"/>
-              <a:t>- Click on “Statistics” =&gt; Show graphs about e.g. wildfires per year, wildfires 	by cause etc. (additional)</a:t>
-            </a:r>
-          </a:p>
-          <a:p>
-            <a:r>
-              <a:rPr lang="en-US" sz="675" dirty="0"/>
-              <a:t>- Set categorical filters in the header when navigating on the map section 	=&gt; Only show wildfires based on selected characteristics</a:t>
-            </a:r>
-          </a:p>
-          <a:p>
-            <a:r>
-              <a:rPr lang="en-US" sz="675" dirty="0"/>
-              <a:t>- When clicking on play or moving the time slider =&gt; Wildfires are</a:t>
-            </a:r>
-          </a:p>
-          <a:p>
-            <a:r>
-              <a:rPr lang="en-US" sz="675" dirty="0"/>
-              <a:t>	dynamically animated throughout the year or multiple years, </a:t>
-            </a:r>
-          </a:p>
-          <a:p>
-            <a:r>
-              <a:rPr lang="en-US" sz="675" dirty="0"/>
-              <a:t>	depending on if one specific year was selected in the filter</a:t>
-            </a:r>
-          </a:p>
-          <a:p>
-            <a:r>
-              <a:rPr lang="en-US" sz="675" dirty="0"/>
-              <a:t>- Click on pause or stop icon =&gt; Pauses the animation or resets it 	accordingly</a:t>
-            </a:r>
-          </a:p>
-          <a:p>
-            <a:r>
-              <a:rPr lang="en-US" sz="675" dirty="0"/>
-              <a:t>- Selection of a multiplicator =&gt; Adjusts the speed of the wildfire animation</a:t>
-            </a:r>
-          </a:p>
-          <a:p>
-            <a:r>
-              <a:rPr lang="en-US" sz="675" dirty="0"/>
-              <a:t>- Hover of a wildfire =&gt; Display additional information including: area affected, location, date of discovery, date of control</a:t>
-            </a:r>
-          </a:p>
-        </p:txBody>
-      </p:sp>
-      <p:sp>
-        <p:nvSpPr>
-          <p:cNvPr id="19" name="TextBox 18">
+            <a:pPr algn="r"/>
+            <a:r>
+              <a:rPr lang="de-DE" dirty="0"/>
+              <a:t>Year</a:t>
+            </a:r>
+          </a:p>
+        </p:txBody>
+      </p:sp>
+      <p:sp>
+        <p:nvSpPr>
+          <p:cNvPr id="10" name="Textfeld 9">
             <a:extLst>
               <a:ext uri="{FF2B5EF4-FFF2-40B4-BE49-F238E27FC236}">
-                <a16:creationId xmlns:a16="http://schemas.microsoft.com/office/drawing/2014/main" id="{6C53C5A4-9FDB-3376-106D-E4C7332D46A3}"/>
+                <a16:creationId xmlns:a16="http://schemas.microsoft.com/office/drawing/2014/main" id="{D7B18367-3819-BB0B-09AE-D2868A21DF3A}"/>
               </a:ext>
             </a:extLst>
           </p:cNvPr>
@@ -3584,13 +4367,18 @@
         </p:nvSpPr>
         <p:spPr>
           <a:xfrm>
-            <a:off x="349092" y="6587085"/>
-            <a:ext cx="2797457" cy="507831"/>
+            <a:off x="1719756" y="10206553"/>
+            <a:ext cx="941267" cy="369332"/>
           </a:xfrm>
           <a:prstGeom prst="rect">
             <a:avLst/>
           </a:prstGeom>
           <a:noFill/>
+          <a:ln>
+            <a:solidFill>
+              <a:schemeClr val="tx1"/>
+            </a:solidFill>
+          </a:ln>
         </p:spPr>
         <p:txBody>
           <a:bodyPr wrap="square" rtlCol="0">
@@ -3598,31 +4386,21 @@
           </a:bodyPr>
           <a:lstStyle/>
           <a:p>
-            <a:r>
-              <a:rPr lang="en-US" sz="675" dirty="0"/>
-              <a:t>- Core of the application and therefore main focus will be visualizing</a:t>
-            </a:r>
-          </a:p>
-          <a:p>
-            <a:r>
-              <a:rPr lang="en-US" sz="675" dirty="0"/>
-              <a:t>	wildfires on the map over time</a:t>
-            </a:r>
-          </a:p>
-          <a:p>
-            <a:r>
-              <a:rPr lang="en-US" sz="675" dirty="0"/>
-              <a:t>- As most of the wildfires won’t span thousands of miles, visualizing them not on a scale of 1:1 might be a viable choice</a:t>
-            </a:r>
-          </a:p>
-        </p:txBody>
-      </p:sp>
-      <p:sp>
-        <p:nvSpPr>
-          <p:cNvPr id="20" name="TextBox 19">
+            <a:pPr algn="r"/>
+            <a:r>
+              <a:rPr lang="de-DE" dirty="0" err="1"/>
+              <a:t>Cause</a:t>
+            </a:r>
+            <a:endParaRPr lang="de-DE" dirty="0"/>
+          </a:p>
+        </p:txBody>
+      </p:sp>
+      <p:sp>
+        <p:nvSpPr>
+          <p:cNvPr id="18" name="Textfeld 17">
             <a:extLst>
               <a:ext uri="{FF2B5EF4-FFF2-40B4-BE49-F238E27FC236}">
-                <a16:creationId xmlns:a16="http://schemas.microsoft.com/office/drawing/2014/main" id="{288E360A-B975-39E2-E155-C49CE3E67C2F}"/>
+                <a16:creationId xmlns:a16="http://schemas.microsoft.com/office/drawing/2014/main" id="{C6367DBD-6BCE-E098-FDBA-B80BB14FBFB9}"/>
               </a:ext>
             </a:extLst>
           </p:cNvPr>
@@ -3631,13 +4409,18 @@
         </p:nvSpPr>
         <p:spPr>
           <a:xfrm>
-            <a:off x="3376344" y="6096000"/>
-            <a:ext cx="2797457" cy="1131079"/>
+            <a:off x="3392458" y="10206553"/>
+            <a:ext cx="941267" cy="369332"/>
           </a:xfrm>
           <a:prstGeom prst="rect">
             <a:avLst/>
           </a:prstGeom>
           <a:noFill/>
+          <a:ln>
+            <a:solidFill>
+              <a:schemeClr val="tx1"/>
+            </a:solidFill>
+          </a:ln>
         </p:spPr>
         <p:txBody>
           <a:bodyPr wrap="square" rtlCol="0">
@@ -3645,62 +4428,1798 @@
           </a:bodyPr>
           <a:lstStyle/>
           <a:p>
-            <a:r>
-              <a:rPr lang="en-US" sz="675" dirty="0"/>
-              <a:t>- Underlying dataset contains over 2 million wildfires over approximately</a:t>
-            </a:r>
-          </a:p>
-          <a:p>
-            <a:r>
-              <a:rPr lang="en-US" sz="675" dirty="0"/>
-              <a:t>	30 years, making it a very extensive task where this mount 	might be too many. Also, it will be computationally expensive.</a:t>
-            </a:r>
-          </a:p>
-          <a:p>
-            <a:r>
-              <a:rPr lang="en-US" sz="675" dirty="0"/>
-              <a:t>- A solution could be to take a smaller subset, or filtering the wildfires using</a:t>
-            </a:r>
-          </a:p>
-          <a:p>
-            <a:r>
-              <a:rPr lang="en-US" sz="675" dirty="0"/>
-              <a:t>	functionalities of the application (see above)</a:t>
-            </a:r>
-          </a:p>
-          <a:p>
-            <a:r>
-              <a:rPr lang="en-US" sz="675" dirty="0"/>
-              <a:t>- Depending on the size of the wildfires, some might not be visible due to a</a:t>
-            </a:r>
-          </a:p>
-          <a:p>
-            <a:r>
-              <a:rPr lang="en-US" sz="675" dirty="0"/>
-              <a:t>	small size or a short timespan</a:t>
-            </a:r>
-          </a:p>
-          <a:p>
-            <a:r>
-              <a:rPr lang="en-US" sz="675" dirty="0"/>
-              <a:t>- Most difficult part will be aligning the position of the wildfires with the</a:t>
-            </a:r>
-          </a:p>
-          <a:p>
-            <a:r>
-              <a:rPr lang="en-US" sz="675" dirty="0"/>
-              <a:t>	map and animating the correct size</a:t>
-            </a:r>
-          </a:p>
-          <a:p>
-            <a:endParaRPr lang="en-US" sz="675" dirty="0"/>
+            <a:pPr algn="r"/>
+            <a:r>
+              <a:rPr lang="de-DE" dirty="0"/>
+              <a:t>Size</a:t>
+            </a:r>
+          </a:p>
+        </p:txBody>
+      </p:sp>
+      <p:sp>
+        <p:nvSpPr>
+          <p:cNvPr id="22" name="Gleichschenkliges Dreieck 21">
+            <a:extLst>
+              <a:ext uri="{FF2B5EF4-FFF2-40B4-BE49-F238E27FC236}">
+                <a16:creationId xmlns:a16="http://schemas.microsoft.com/office/drawing/2014/main" id="{08B0F708-965D-A9E9-0601-D271DD3EEB7B}"/>
+              </a:ext>
+            </a:extLst>
+          </p:cNvPr>
+          <p:cNvSpPr/>
+          <p:nvPr/>
+        </p:nvSpPr>
+        <p:spPr>
+          <a:xfrm flipV="1">
+            <a:off x="420594" y="10315019"/>
+            <a:ext cx="205740" cy="152400"/>
+          </a:xfrm>
+          <a:prstGeom prst="triangle">
+            <a:avLst/>
+          </a:prstGeom>
+          <a:solidFill>
+            <a:schemeClr val="tx1"/>
+          </a:solidFill>
+          <a:ln>
+            <a:solidFill>
+              <a:schemeClr val="tx1"/>
+            </a:solidFill>
+          </a:ln>
+        </p:spPr>
+        <p:style>
+          <a:lnRef idx="2">
+            <a:schemeClr val="accent1">
+              <a:shade val="50000"/>
+            </a:schemeClr>
+          </a:lnRef>
+          <a:fillRef idx="1">
+            <a:schemeClr val="accent1"/>
+          </a:fillRef>
+          <a:effectRef idx="0">
+            <a:schemeClr val="accent1"/>
+          </a:effectRef>
+          <a:fontRef idx="minor">
+            <a:schemeClr val="lt1"/>
+          </a:fontRef>
+        </p:style>
+        <p:txBody>
+          <a:bodyPr rtlCol="0" anchor="ctr"/>
+          <a:lstStyle/>
+          <a:p>
+            <a:pPr algn="ctr"/>
+            <a:endParaRPr lang="de-DE"/>
+          </a:p>
+        </p:txBody>
+      </p:sp>
+      <p:sp>
+        <p:nvSpPr>
+          <p:cNvPr id="23" name="Gleichschenkliges Dreieck 22">
+            <a:extLst>
+              <a:ext uri="{FF2B5EF4-FFF2-40B4-BE49-F238E27FC236}">
+                <a16:creationId xmlns:a16="http://schemas.microsoft.com/office/drawing/2014/main" id="{B333E3A6-F917-1784-6CE7-BF4CB6415712}"/>
+              </a:ext>
+            </a:extLst>
+          </p:cNvPr>
+          <p:cNvSpPr/>
+          <p:nvPr/>
+        </p:nvSpPr>
+        <p:spPr>
+          <a:xfrm flipV="1">
+            <a:off x="1760135" y="10315019"/>
+            <a:ext cx="205740" cy="152400"/>
+          </a:xfrm>
+          <a:prstGeom prst="triangle">
+            <a:avLst/>
+          </a:prstGeom>
+          <a:solidFill>
+            <a:schemeClr val="tx1"/>
+          </a:solidFill>
+          <a:ln>
+            <a:solidFill>
+              <a:schemeClr val="tx1"/>
+            </a:solidFill>
+          </a:ln>
+        </p:spPr>
+        <p:style>
+          <a:lnRef idx="2">
+            <a:schemeClr val="accent1">
+              <a:shade val="50000"/>
+            </a:schemeClr>
+          </a:lnRef>
+          <a:fillRef idx="1">
+            <a:schemeClr val="accent1"/>
+          </a:fillRef>
+          <a:effectRef idx="0">
+            <a:schemeClr val="accent1"/>
+          </a:effectRef>
+          <a:fontRef idx="minor">
+            <a:schemeClr val="lt1"/>
+          </a:fontRef>
+        </p:style>
+        <p:txBody>
+          <a:bodyPr rtlCol="0" anchor="ctr"/>
+          <a:lstStyle/>
+          <a:p>
+            <a:pPr algn="ctr"/>
+            <a:endParaRPr lang="de-DE"/>
+          </a:p>
+        </p:txBody>
+      </p:sp>
+      <p:sp>
+        <p:nvSpPr>
+          <p:cNvPr id="24" name="Gleichschenkliges Dreieck 23">
+            <a:extLst>
+              <a:ext uri="{FF2B5EF4-FFF2-40B4-BE49-F238E27FC236}">
+                <a16:creationId xmlns:a16="http://schemas.microsoft.com/office/drawing/2014/main" id="{FDE929F2-B307-0BE3-F8F1-71813168FE07}"/>
+              </a:ext>
+            </a:extLst>
+          </p:cNvPr>
+          <p:cNvSpPr/>
+          <p:nvPr/>
+        </p:nvSpPr>
+        <p:spPr>
+          <a:xfrm flipV="1">
+            <a:off x="3527668" y="10315019"/>
+            <a:ext cx="205740" cy="152400"/>
+          </a:xfrm>
+          <a:prstGeom prst="triangle">
+            <a:avLst/>
+          </a:prstGeom>
+          <a:solidFill>
+            <a:schemeClr val="tx1"/>
+          </a:solidFill>
+          <a:ln>
+            <a:solidFill>
+              <a:schemeClr val="tx1"/>
+            </a:solidFill>
+          </a:ln>
+        </p:spPr>
+        <p:style>
+          <a:lnRef idx="2">
+            <a:schemeClr val="accent1">
+              <a:shade val="50000"/>
+            </a:schemeClr>
+          </a:lnRef>
+          <a:fillRef idx="1">
+            <a:schemeClr val="accent1"/>
+          </a:fillRef>
+          <a:effectRef idx="0">
+            <a:schemeClr val="accent1"/>
+          </a:effectRef>
+          <a:fontRef idx="minor">
+            <a:schemeClr val="lt1"/>
+          </a:fontRef>
+        </p:style>
+        <p:txBody>
+          <a:bodyPr rtlCol="0" anchor="ctr"/>
+          <a:lstStyle/>
+          <a:p>
+            <a:pPr algn="ctr"/>
+            <a:endParaRPr lang="de-DE"/>
+          </a:p>
+        </p:txBody>
+      </p:sp>
+      <p:sp>
+        <p:nvSpPr>
+          <p:cNvPr id="25" name="Textfeld 24">
+            <a:extLst>
+              <a:ext uri="{FF2B5EF4-FFF2-40B4-BE49-F238E27FC236}">
+                <a16:creationId xmlns:a16="http://schemas.microsoft.com/office/drawing/2014/main" id="{7300670A-D11C-B3F3-E08D-8B4ECDC636A2}"/>
+              </a:ext>
+            </a:extLst>
+          </p:cNvPr>
+          <p:cNvSpPr txBox="1"/>
+          <p:nvPr/>
+        </p:nvSpPr>
+        <p:spPr>
+          <a:xfrm>
+            <a:off x="3484695" y="10650679"/>
+            <a:ext cx="941267" cy="2308324"/>
+          </a:xfrm>
+          <a:prstGeom prst="rect">
+            <a:avLst/>
+          </a:prstGeom>
+          <a:noFill/>
+          <a:ln>
+            <a:solidFill>
+              <a:schemeClr val="tx1"/>
+            </a:solidFill>
+          </a:ln>
+        </p:spPr>
+        <p:txBody>
+          <a:bodyPr wrap="square" rtlCol="0">
+            <a:spAutoFit/>
+          </a:bodyPr>
+          <a:lstStyle/>
+          <a:p>
+            <a:pPr algn="r"/>
+            <a:r>
+              <a:rPr lang="de-DE" dirty="0"/>
+              <a:t>All</a:t>
+            </a:r>
+          </a:p>
+          <a:p>
+            <a:pPr algn="r"/>
+            <a:r>
+              <a:rPr lang="de-DE" dirty="0"/>
+              <a:t>A</a:t>
+            </a:r>
+          </a:p>
+          <a:p>
+            <a:pPr algn="r"/>
+            <a:r>
+              <a:rPr lang="de-DE" dirty="0"/>
+              <a:t>B</a:t>
+            </a:r>
+          </a:p>
+          <a:p>
+            <a:pPr algn="r"/>
+            <a:r>
+              <a:rPr lang="de-DE" dirty="0"/>
+              <a:t>C</a:t>
+            </a:r>
+            <a:br>
+              <a:rPr lang="de-DE" dirty="0"/>
+            </a:br>
+            <a:r>
+              <a:rPr lang="de-DE" dirty="0"/>
+              <a:t>D</a:t>
+            </a:r>
+          </a:p>
+          <a:p>
+            <a:pPr algn="r"/>
+            <a:r>
+              <a:rPr lang="de-DE" dirty="0"/>
+              <a:t>E</a:t>
+            </a:r>
+          </a:p>
+          <a:p>
+            <a:pPr algn="r"/>
+            <a:r>
+              <a:rPr lang="de-DE" dirty="0"/>
+              <a:t>F</a:t>
+            </a:r>
+            <a:br>
+              <a:rPr lang="de-DE" dirty="0"/>
+            </a:br>
+            <a:r>
+              <a:rPr lang="de-DE" dirty="0"/>
+              <a:t>G</a:t>
+            </a:r>
+          </a:p>
+        </p:txBody>
+      </p:sp>
+      <p:sp>
+        <p:nvSpPr>
+          <p:cNvPr id="26" name="Textfeld 25">
+            <a:extLst>
+              <a:ext uri="{FF2B5EF4-FFF2-40B4-BE49-F238E27FC236}">
+                <a16:creationId xmlns:a16="http://schemas.microsoft.com/office/drawing/2014/main" id="{17A8513F-82D1-BC4D-832A-42B626A1ACB0}"/>
+              </a:ext>
+            </a:extLst>
+          </p:cNvPr>
+          <p:cNvSpPr txBox="1"/>
+          <p:nvPr/>
+        </p:nvSpPr>
+        <p:spPr>
+          <a:xfrm>
+            <a:off x="1815460" y="10655954"/>
+            <a:ext cx="1262050" cy="1477328"/>
+          </a:xfrm>
+          <a:prstGeom prst="rect">
+            <a:avLst/>
+          </a:prstGeom>
+          <a:noFill/>
+          <a:ln>
+            <a:solidFill>
+              <a:schemeClr val="tx1"/>
+            </a:solidFill>
+          </a:ln>
+        </p:spPr>
+        <p:txBody>
+          <a:bodyPr wrap="square" rtlCol="0">
+            <a:spAutoFit/>
+          </a:bodyPr>
+          <a:lstStyle/>
+          <a:p>
+            <a:pPr algn="r"/>
+            <a:r>
+              <a:rPr lang="de-DE" dirty="0"/>
+              <a:t>All</a:t>
+            </a:r>
+          </a:p>
+          <a:p>
+            <a:pPr algn="r"/>
+            <a:r>
+              <a:rPr lang="de-DE" dirty="0" err="1"/>
+              <a:t>Cigarettes</a:t>
+            </a:r>
+            <a:endParaRPr lang="de-DE" dirty="0"/>
+          </a:p>
+          <a:p>
+            <a:pPr algn="r"/>
+            <a:r>
+              <a:rPr lang="de-DE" dirty="0"/>
+              <a:t>Lightning</a:t>
+            </a:r>
+          </a:p>
+          <a:p>
+            <a:pPr algn="r"/>
+            <a:r>
+              <a:rPr lang="de-DE" dirty="0" err="1"/>
+              <a:t>etc</a:t>
+            </a:r>
+            <a:br>
+              <a:rPr lang="de-DE" dirty="0"/>
+            </a:br>
+            <a:endParaRPr lang="de-DE" dirty="0"/>
+          </a:p>
+        </p:txBody>
+      </p:sp>
+      <p:sp>
+        <p:nvSpPr>
+          <p:cNvPr id="27" name="Textfeld 26">
+            <a:extLst>
+              <a:ext uri="{FF2B5EF4-FFF2-40B4-BE49-F238E27FC236}">
+                <a16:creationId xmlns:a16="http://schemas.microsoft.com/office/drawing/2014/main" id="{1512A211-F3F6-3342-84A8-7D22BDC57E7A}"/>
+              </a:ext>
+            </a:extLst>
+          </p:cNvPr>
+          <p:cNvSpPr txBox="1"/>
+          <p:nvPr/>
+        </p:nvSpPr>
+        <p:spPr>
+          <a:xfrm>
+            <a:off x="349818" y="10600849"/>
+            <a:ext cx="1180636" cy="2585323"/>
+          </a:xfrm>
+          <a:prstGeom prst="rect">
+            <a:avLst/>
+          </a:prstGeom>
+          <a:noFill/>
+          <a:ln>
+            <a:solidFill>
+              <a:schemeClr val="tx1"/>
+            </a:solidFill>
+          </a:ln>
+        </p:spPr>
+        <p:txBody>
+          <a:bodyPr wrap="square" rtlCol="0">
+            <a:spAutoFit/>
+          </a:bodyPr>
+          <a:lstStyle/>
+          <a:p>
+            <a:pPr algn="r"/>
+            <a:r>
+              <a:rPr lang="de-DE" dirty="0"/>
+              <a:t>All</a:t>
+            </a:r>
+          </a:p>
+          <a:p>
+            <a:pPr algn="r"/>
+            <a:r>
+              <a:rPr lang="de-DE" dirty="0"/>
+              <a:t>1992</a:t>
+            </a:r>
+          </a:p>
+          <a:p>
+            <a:pPr algn="r"/>
+            <a:r>
+              <a:rPr lang="de-DE" dirty="0"/>
+              <a:t>1993</a:t>
+            </a:r>
+          </a:p>
+          <a:p>
+            <a:pPr algn="r"/>
+            <a:r>
+              <a:rPr lang="de-DE" dirty="0"/>
+              <a:t>1994</a:t>
+            </a:r>
+          </a:p>
+          <a:p>
+            <a:pPr algn="r"/>
+            <a:r>
+              <a:rPr lang="de-DE" dirty="0"/>
+              <a:t>1995</a:t>
+            </a:r>
+          </a:p>
+          <a:p>
+            <a:pPr algn="r"/>
+            <a:r>
+              <a:rPr lang="de-DE" dirty="0"/>
+              <a:t>1996</a:t>
+            </a:r>
+          </a:p>
+          <a:p>
+            <a:pPr algn="r"/>
+            <a:r>
+              <a:rPr lang="de-DE" dirty="0"/>
+              <a:t>1997</a:t>
+            </a:r>
+          </a:p>
+          <a:p>
+            <a:pPr algn="r"/>
+            <a:r>
+              <a:rPr lang="de-DE" dirty="0"/>
+              <a:t>1998</a:t>
+            </a:r>
+          </a:p>
+          <a:p>
+            <a:pPr algn="r"/>
+            <a:r>
+              <a:rPr lang="de-DE" dirty="0"/>
+              <a:t>1999</a:t>
+            </a:r>
+          </a:p>
+        </p:txBody>
+      </p:sp>
+      <p:sp>
+        <p:nvSpPr>
+          <p:cNvPr id="28" name="Rechteck 27">
+            <a:extLst>
+              <a:ext uri="{FF2B5EF4-FFF2-40B4-BE49-F238E27FC236}">
+                <a16:creationId xmlns:a16="http://schemas.microsoft.com/office/drawing/2014/main" id="{CC71E369-7DD7-39E4-AACB-6B44E07A35E6}"/>
+              </a:ext>
+            </a:extLst>
+          </p:cNvPr>
+          <p:cNvSpPr/>
+          <p:nvPr/>
+        </p:nvSpPr>
+        <p:spPr>
+          <a:xfrm>
+            <a:off x="531831" y="10702895"/>
+            <a:ext cx="189006" cy="176865"/>
+          </a:xfrm>
+          <a:prstGeom prst="rect">
+            <a:avLst/>
+          </a:prstGeom>
+          <a:solidFill>
+            <a:schemeClr val="bg1"/>
+          </a:solidFill>
+          <a:ln>
+            <a:solidFill>
+              <a:schemeClr val="tx1"/>
+            </a:solidFill>
+          </a:ln>
+        </p:spPr>
+        <p:style>
+          <a:lnRef idx="2">
+            <a:schemeClr val="accent1">
+              <a:shade val="50000"/>
+            </a:schemeClr>
+          </a:lnRef>
+          <a:fillRef idx="1">
+            <a:schemeClr val="accent1"/>
+          </a:fillRef>
+          <a:effectRef idx="0">
+            <a:schemeClr val="accent1"/>
+          </a:effectRef>
+          <a:fontRef idx="minor">
+            <a:schemeClr val="lt1"/>
+          </a:fontRef>
+        </p:style>
+        <p:txBody>
+          <a:bodyPr rtlCol="0" anchor="ctr"/>
+          <a:lstStyle/>
+          <a:p>
+            <a:pPr algn="ctr"/>
+            <a:endParaRPr lang="de-DE"/>
+          </a:p>
+        </p:txBody>
+      </p:sp>
+      <p:sp>
+        <p:nvSpPr>
+          <p:cNvPr id="30" name="Rechteck 29">
+            <a:extLst>
+              <a:ext uri="{FF2B5EF4-FFF2-40B4-BE49-F238E27FC236}">
+                <a16:creationId xmlns:a16="http://schemas.microsoft.com/office/drawing/2014/main" id="{B8F0C15C-56FD-68DC-D56B-8450A0D34A20}"/>
+              </a:ext>
+            </a:extLst>
+          </p:cNvPr>
+          <p:cNvSpPr/>
+          <p:nvPr/>
+        </p:nvSpPr>
+        <p:spPr>
+          <a:xfrm>
+            <a:off x="537091" y="10967450"/>
+            <a:ext cx="189006" cy="176865"/>
+          </a:xfrm>
+          <a:prstGeom prst="rect">
+            <a:avLst/>
+          </a:prstGeom>
+          <a:solidFill>
+            <a:schemeClr val="bg1"/>
+          </a:solidFill>
+          <a:ln>
+            <a:solidFill>
+              <a:schemeClr val="tx1"/>
+            </a:solidFill>
+          </a:ln>
+        </p:spPr>
+        <p:style>
+          <a:lnRef idx="2">
+            <a:schemeClr val="accent1">
+              <a:shade val="50000"/>
+            </a:schemeClr>
+          </a:lnRef>
+          <a:fillRef idx="1">
+            <a:schemeClr val="accent1"/>
+          </a:fillRef>
+          <a:effectRef idx="0">
+            <a:schemeClr val="accent1"/>
+          </a:effectRef>
+          <a:fontRef idx="minor">
+            <a:schemeClr val="lt1"/>
+          </a:fontRef>
+        </p:style>
+        <p:txBody>
+          <a:bodyPr rtlCol="0" anchor="ctr"/>
+          <a:lstStyle/>
+          <a:p>
+            <a:pPr algn="ctr"/>
+            <a:endParaRPr lang="de-DE"/>
+          </a:p>
+        </p:txBody>
+      </p:sp>
+      <p:sp>
+        <p:nvSpPr>
+          <p:cNvPr id="31" name="Rechteck 30">
+            <a:extLst>
+              <a:ext uri="{FF2B5EF4-FFF2-40B4-BE49-F238E27FC236}">
+                <a16:creationId xmlns:a16="http://schemas.microsoft.com/office/drawing/2014/main" id="{28BBF059-515C-31A6-0BC8-736DC854C6B2}"/>
+              </a:ext>
+            </a:extLst>
+          </p:cNvPr>
+          <p:cNvSpPr/>
+          <p:nvPr/>
+        </p:nvSpPr>
+        <p:spPr>
+          <a:xfrm>
+            <a:off x="537091" y="11232005"/>
+            <a:ext cx="189006" cy="176865"/>
+          </a:xfrm>
+          <a:prstGeom prst="rect">
+            <a:avLst/>
+          </a:prstGeom>
+          <a:solidFill>
+            <a:schemeClr val="bg1"/>
+          </a:solidFill>
+          <a:ln>
+            <a:solidFill>
+              <a:schemeClr val="tx1"/>
+            </a:solidFill>
+          </a:ln>
+        </p:spPr>
+        <p:style>
+          <a:lnRef idx="2">
+            <a:schemeClr val="accent1">
+              <a:shade val="50000"/>
+            </a:schemeClr>
+          </a:lnRef>
+          <a:fillRef idx="1">
+            <a:schemeClr val="accent1"/>
+          </a:fillRef>
+          <a:effectRef idx="0">
+            <a:schemeClr val="accent1"/>
+          </a:effectRef>
+          <a:fontRef idx="minor">
+            <a:schemeClr val="lt1"/>
+          </a:fontRef>
+        </p:style>
+        <p:txBody>
+          <a:bodyPr rtlCol="0" anchor="ctr"/>
+          <a:lstStyle/>
+          <a:p>
+            <a:pPr algn="ctr"/>
+            <a:endParaRPr lang="de-DE"/>
+          </a:p>
+        </p:txBody>
+      </p:sp>
+      <p:sp>
+        <p:nvSpPr>
+          <p:cNvPr id="32" name="Rechteck 31">
+            <a:extLst>
+              <a:ext uri="{FF2B5EF4-FFF2-40B4-BE49-F238E27FC236}">
+                <a16:creationId xmlns:a16="http://schemas.microsoft.com/office/drawing/2014/main" id="{C6E8E94B-CB7C-CB0B-6708-BFCAD34F036A}"/>
+              </a:ext>
+            </a:extLst>
+          </p:cNvPr>
+          <p:cNvSpPr/>
+          <p:nvPr/>
+        </p:nvSpPr>
+        <p:spPr>
+          <a:xfrm>
+            <a:off x="535775" y="11515739"/>
+            <a:ext cx="189006" cy="176865"/>
+          </a:xfrm>
+          <a:prstGeom prst="rect">
+            <a:avLst/>
+          </a:prstGeom>
+          <a:solidFill>
+            <a:schemeClr val="bg1"/>
+          </a:solidFill>
+          <a:ln>
+            <a:solidFill>
+              <a:schemeClr val="tx1"/>
+            </a:solidFill>
+          </a:ln>
+        </p:spPr>
+        <p:style>
+          <a:lnRef idx="2">
+            <a:schemeClr val="accent1">
+              <a:shade val="50000"/>
+            </a:schemeClr>
+          </a:lnRef>
+          <a:fillRef idx="1">
+            <a:schemeClr val="accent1"/>
+          </a:fillRef>
+          <a:effectRef idx="0">
+            <a:schemeClr val="accent1"/>
+          </a:effectRef>
+          <a:fontRef idx="minor">
+            <a:schemeClr val="lt1"/>
+          </a:fontRef>
+        </p:style>
+        <p:txBody>
+          <a:bodyPr rtlCol="0" anchor="ctr"/>
+          <a:lstStyle/>
+          <a:p>
+            <a:pPr algn="ctr"/>
+            <a:endParaRPr lang="de-DE"/>
+          </a:p>
+        </p:txBody>
+      </p:sp>
+      <p:sp>
+        <p:nvSpPr>
+          <p:cNvPr id="33" name="Rechteck 32">
+            <a:extLst>
+              <a:ext uri="{FF2B5EF4-FFF2-40B4-BE49-F238E27FC236}">
+                <a16:creationId xmlns:a16="http://schemas.microsoft.com/office/drawing/2014/main" id="{796715A8-41C2-C67D-794D-8C45A1054008}"/>
+              </a:ext>
+            </a:extLst>
+          </p:cNvPr>
+          <p:cNvSpPr/>
+          <p:nvPr/>
+        </p:nvSpPr>
+        <p:spPr>
+          <a:xfrm>
+            <a:off x="541035" y="11780294"/>
+            <a:ext cx="189006" cy="176865"/>
+          </a:xfrm>
+          <a:prstGeom prst="rect">
+            <a:avLst/>
+          </a:prstGeom>
+          <a:solidFill>
+            <a:schemeClr val="bg1"/>
+          </a:solidFill>
+          <a:ln>
+            <a:solidFill>
+              <a:schemeClr val="tx1"/>
+            </a:solidFill>
+          </a:ln>
+        </p:spPr>
+        <p:style>
+          <a:lnRef idx="2">
+            <a:schemeClr val="accent1">
+              <a:shade val="50000"/>
+            </a:schemeClr>
+          </a:lnRef>
+          <a:fillRef idx="1">
+            <a:schemeClr val="accent1"/>
+          </a:fillRef>
+          <a:effectRef idx="0">
+            <a:schemeClr val="accent1"/>
+          </a:effectRef>
+          <a:fontRef idx="minor">
+            <a:schemeClr val="lt1"/>
+          </a:fontRef>
+        </p:style>
+        <p:txBody>
+          <a:bodyPr rtlCol="0" anchor="ctr"/>
+          <a:lstStyle/>
+          <a:p>
+            <a:pPr algn="ctr"/>
+            <a:endParaRPr lang="de-DE"/>
+          </a:p>
+        </p:txBody>
+      </p:sp>
+      <p:sp>
+        <p:nvSpPr>
+          <p:cNvPr id="34" name="Rechteck 33">
+            <a:extLst>
+              <a:ext uri="{FF2B5EF4-FFF2-40B4-BE49-F238E27FC236}">
+                <a16:creationId xmlns:a16="http://schemas.microsoft.com/office/drawing/2014/main" id="{F7616345-EDAD-3504-6E76-886F8BD40122}"/>
+              </a:ext>
+            </a:extLst>
+          </p:cNvPr>
+          <p:cNvSpPr/>
+          <p:nvPr/>
+        </p:nvSpPr>
+        <p:spPr>
+          <a:xfrm>
+            <a:off x="541035" y="12044849"/>
+            <a:ext cx="189006" cy="176865"/>
+          </a:xfrm>
+          <a:prstGeom prst="rect">
+            <a:avLst/>
+          </a:prstGeom>
+          <a:solidFill>
+            <a:schemeClr val="bg1"/>
+          </a:solidFill>
+          <a:ln>
+            <a:solidFill>
+              <a:schemeClr val="tx1"/>
+            </a:solidFill>
+          </a:ln>
+        </p:spPr>
+        <p:style>
+          <a:lnRef idx="2">
+            <a:schemeClr val="accent1">
+              <a:shade val="50000"/>
+            </a:schemeClr>
+          </a:lnRef>
+          <a:fillRef idx="1">
+            <a:schemeClr val="accent1"/>
+          </a:fillRef>
+          <a:effectRef idx="0">
+            <a:schemeClr val="accent1"/>
+          </a:effectRef>
+          <a:fontRef idx="minor">
+            <a:schemeClr val="lt1"/>
+          </a:fontRef>
+        </p:style>
+        <p:txBody>
+          <a:bodyPr rtlCol="0" anchor="ctr"/>
+          <a:lstStyle/>
+          <a:p>
+            <a:pPr algn="ctr"/>
+            <a:endParaRPr lang="de-DE"/>
+          </a:p>
+        </p:txBody>
+      </p:sp>
+      <p:sp>
+        <p:nvSpPr>
+          <p:cNvPr id="35" name="Rechteck 34">
+            <a:extLst>
+              <a:ext uri="{FF2B5EF4-FFF2-40B4-BE49-F238E27FC236}">
+                <a16:creationId xmlns:a16="http://schemas.microsoft.com/office/drawing/2014/main" id="{67E996A9-97CB-7676-F42E-1B130AC9D566}"/>
+              </a:ext>
+            </a:extLst>
+          </p:cNvPr>
+          <p:cNvSpPr/>
+          <p:nvPr/>
+        </p:nvSpPr>
+        <p:spPr>
+          <a:xfrm>
+            <a:off x="535775" y="12357509"/>
+            <a:ext cx="189006" cy="176865"/>
+          </a:xfrm>
+          <a:prstGeom prst="rect">
+            <a:avLst/>
+          </a:prstGeom>
+          <a:solidFill>
+            <a:schemeClr val="bg1"/>
+          </a:solidFill>
+          <a:ln>
+            <a:solidFill>
+              <a:schemeClr val="tx1"/>
+            </a:solidFill>
+          </a:ln>
+        </p:spPr>
+        <p:style>
+          <a:lnRef idx="2">
+            <a:schemeClr val="accent1">
+              <a:shade val="50000"/>
+            </a:schemeClr>
+          </a:lnRef>
+          <a:fillRef idx="1">
+            <a:schemeClr val="accent1"/>
+          </a:fillRef>
+          <a:effectRef idx="0">
+            <a:schemeClr val="accent1"/>
+          </a:effectRef>
+          <a:fontRef idx="minor">
+            <a:schemeClr val="lt1"/>
+          </a:fontRef>
+        </p:style>
+        <p:txBody>
+          <a:bodyPr rtlCol="0" anchor="ctr"/>
+          <a:lstStyle/>
+          <a:p>
+            <a:pPr algn="ctr"/>
+            <a:endParaRPr lang="de-DE"/>
+          </a:p>
+        </p:txBody>
+      </p:sp>
+      <p:sp>
+        <p:nvSpPr>
+          <p:cNvPr id="36" name="Rechteck 35">
+            <a:extLst>
+              <a:ext uri="{FF2B5EF4-FFF2-40B4-BE49-F238E27FC236}">
+                <a16:creationId xmlns:a16="http://schemas.microsoft.com/office/drawing/2014/main" id="{5F53215A-1317-9984-75AA-BA2E0D2AD088}"/>
+              </a:ext>
+            </a:extLst>
+          </p:cNvPr>
+          <p:cNvSpPr/>
+          <p:nvPr/>
+        </p:nvSpPr>
+        <p:spPr>
+          <a:xfrm>
+            <a:off x="541035" y="12622064"/>
+            <a:ext cx="189006" cy="176865"/>
+          </a:xfrm>
+          <a:prstGeom prst="rect">
+            <a:avLst/>
+          </a:prstGeom>
+          <a:solidFill>
+            <a:schemeClr val="bg1"/>
+          </a:solidFill>
+          <a:ln>
+            <a:solidFill>
+              <a:schemeClr val="tx1"/>
+            </a:solidFill>
+          </a:ln>
+        </p:spPr>
+        <p:style>
+          <a:lnRef idx="2">
+            <a:schemeClr val="accent1">
+              <a:shade val="50000"/>
+            </a:schemeClr>
+          </a:lnRef>
+          <a:fillRef idx="1">
+            <a:schemeClr val="accent1"/>
+          </a:fillRef>
+          <a:effectRef idx="0">
+            <a:schemeClr val="accent1"/>
+          </a:effectRef>
+          <a:fontRef idx="minor">
+            <a:schemeClr val="lt1"/>
+          </a:fontRef>
+        </p:style>
+        <p:txBody>
+          <a:bodyPr rtlCol="0" anchor="ctr"/>
+          <a:lstStyle/>
+          <a:p>
+            <a:pPr algn="ctr"/>
+            <a:endParaRPr lang="de-DE"/>
+          </a:p>
+        </p:txBody>
+      </p:sp>
+      <p:sp>
+        <p:nvSpPr>
+          <p:cNvPr id="37" name="Rechteck 36">
+            <a:extLst>
+              <a:ext uri="{FF2B5EF4-FFF2-40B4-BE49-F238E27FC236}">
+                <a16:creationId xmlns:a16="http://schemas.microsoft.com/office/drawing/2014/main" id="{CBE909A0-DB66-718B-159C-4BE24D5B25FE}"/>
+              </a:ext>
+            </a:extLst>
+          </p:cNvPr>
+          <p:cNvSpPr/>
+          <p:nvPr/>
+        </p:nvSpPr>
+        <p:spPr>
+          <a:xfrm>
+            <a:off x="541035" y="12886619"/>
+            <a:ext cx="189006" cy="176865"/>
+          </a:xfrm>
+          <a:prstGeom prst="rect">
+            <a:avLst/>
+          </a:prstGeom>
+          <a:solidFill>
+            <a:schemeClr val="bg1"/>
+          </a:solidFill>
+          <a:ln>
+            <a:solidFill>
+              <a:schemeClr val="tx1"/>
+            </a:solidFill>
+          </a:ln>
+        </p:spPr>
+        <p:style>
+          <a:lnRef idx="2">
+            <a:schemeClr val="accent1">
+              <a:shade val="50000"/>
+            </a:schemeClr>
+          </a:lnRef>
+          <a:fillRef idx="1">
+            <a:schemeClr val="accent1"/>
+          </a:fillRef>
+          <a:effectRef idx="0">
+            <a:schemeClr val="accent1"/>
+          </a:effectRef>
+          <a:fontRef idx="minor">
+            <a:schemeClr val="lt1"/>
+          </a:fontRef>
+        </p:style>
+        <p:txBody>
+          <a:bodyPr rtlCol="0" anchor="ctr"/>
+          <a:lstStyle/>
+          <a:p>
+            <a:pPr algn="ctr"/>
+            <a:endParaRPr lang="de-DE"/>
+          </a:p>
+        </p:txBody>
+      </p:sp>
+      <p:sp>
+        <p:nvSpPr>
+          <p:cNvPr id="38" name="Rechteck 37">
+            <a:extLst>
+              <a:ext uri="{FF2B5EF4-FFF2-40B4-BE49-F238E27FC236}">
+                <a16:creationId xmlns:a16="http://schemas.microsoft.com/office/drawing/2014/main" id="{B98C7916-8B64-35FB-B8B9-AF56EF85C169}"/>
+              </a:ext>
+            </a:extLst>
+          </p:cNvPr>
+          <p:cNvSpPr/>
+          <p:nvPr/>
+        </p:nvSpPr>
+        <p:spPr>
+          <a:xfrm>
+            <a:off x="1837876" y="11036818"/>
+            <a:ext cx="189006" cy="176865"/>
+          </a:xfrm>
+          <a:prstGeom prst="rect">
+            <a:avLst/>
+          </a:prstGeom>
+          <a:solidFill>
+            <a:schemeClr val="bg1"/>
+          </a:solidFill>
+          <a:ln>
+            <a:solidFill>
+              <a:schemeClr val="tx1"/>
+            </a:solidFill>
+          </a:ln>
+        </p:spPr>
+        <p:style>
+          <a:lnRef idx="2">
+            <a:schemeClr val="accent1">
+              <a:shade val="50000"/>
+            </a:schemeClr>
+          </a:lnRef>
+          <a:fillRef idx="1">
+            <a:schemeClr val="accent1"/>
+          </a:fillRef>
+          <a:effectRef idx="0">
+            <a:schemeClr val="accent1"/>
+          </a:effectRef>
+          <a:fontRef idx="minor">
+            <a:schemeClr val="lt1"/>
+          </a:fontRef>
+        </p:style>
+        <p:txBody>
+          <a:bodyPr rtlCol="0" anchor="ctr"/>
+          <a:lstStyle/>
+          <a:p>
+            <a:pPr algn="ctr"/>
+            <a:endParaRPr lang="de-DE"/>
+          </a:p>
+        </p:txBody>
+      </p:sp>
+      <p:sp>
+        <p:nvSpPr>
+          <p:cNvPr id="39" name="Rechteck 38">
+            <a:extLst>
+              <a:ext uri="{FF2B5EF4-FFF2-40B4-BE49-F238E27FC236}">
+                <a16:creationId xmlns:a16="http://schemas.microsoft.com/office/drawing/2014/main" id="{C7702DFC-B499-64DE-54C5-A4C4A85E708B}"/>
+              </a:ext>
+            </a:extLst>
+          </p:cNvPr>
+          <p:cNvSpPr/>
+          <p:nvPr/>
+        </p:nvSpPr>
+        <p:spPr>
+          <a:xfrm>
+            <a:off x="1843136" y="11301373"/>
+            <a:ext cx="189006" cy="176865"/>
+          </a:xfrm>
+          <a:prstGeom prst="rect">
+            <a:avLst/>
+          </a:prstGeom>
+          <a:solidFill>
+            <a:schemeClr val="bg1"/>
+          </a:solidFill>
+          <a:ln>
+            <a:solidFill>
+              <a:schemeClr val="tx1"/>
+            </a:solidFill>
+          </a:ln>
+        </p:spPr>
+        <p:style>
+          <a:lnRef idx="2">
+            <a:schemeClr val="accent1">
+              <a:shade val="50000"/>
+            </a:schemeClr>
+          </a:lnRef>
+          <a:fillRef idx="1">
+            <a:schemeClr val="accent1"/>
+          </a:fillRef>
+          <a:effectRef idx="0">
+            <a:schemeClr val="accent1"/>
+          </a:effectRef>
+          <a:fontRef idx="minor">
+            <a:schemeClr val="lt1"/>
+          </a:fontRef>
+        </p:style>
+        <p:txBody>
+          <a:bodyPr rtlCol="0" anchor="ctr"/>
+          <a:lstStyle/>
+          <a:p>
+            <a:pPr algn="ctr"/>
+            <a:endParaRPr lang="de-DE"/>
+          </a:p>
+        </p:txBody>
+      </p:sp>
+      <p:sp>
+        <p:nvSpPr>
+          <p:cNvPr id="40" name="Rechteck 39">
+            <a:extLst>
+              <a:ext uri="{FF2B5EF4-FFF2-40B4-BE49-F238E27FC236}">
+                <a16:creationId xmlns:a16="http://schemas.microsoft.com/office/drawing/2014/main" id="{B4B37FDD-DB3D-217D-119F-F74C13D0E6EF}"/>
+              </a:ext>
+            </a:extLst>
+          </p:cNvPr>
+          <p:cNvSpPr/>
+          <p:nvPr/>
+        </p:nvSpPr>
+        <p:spPr>
+          <a:xfrm>
+            <a:off x="1843136" y="11565928"/>
+            <a:ext cx="189006" cy="176865"/>
+          </a:xfrm>
+          <a:prstGeom prst="rect">
+            <a:avLst/>
+          </a:prstGeom>
+          <a:solidFill>
+            <a:schemeClr val="bg1"/>
+          </a:solidFill>
+          <a:ln>
+            <a:solidFill>
+              <a:schemeClr val="tx1"/>
+            </a:solidFill>
+          </a:ln>
+        </p:spPr>
+        <p:style>
+          <a:lnRef idx="2">
+            <a:schemeClr val="accent1">
+              <a:shade val="50000"/>
+            </a:schemeClr>
+          </a:lnRef>
+          <a:fillRef idx="1">
+            <a:schemeClr val="accent1"/>
+          </a:fillRef>
+          <a:effectRef idx="0">
+            <a:schemeClr val="accent1"/>
+          </a:effectRef>
+          <a:fontRef idx="minor">
+            <a:schemeClr val="lt1"/>
+          </a:fontRef>
+        </p:style>
+        <p:txBody>
+          <a:bodyPr rtlCol="0" anchor="ctr"/>
+          <a:lstStyle/>
+          <a:p>
+            <a:pPr algn="ctr"/>
+            <a:endParaRPr lang="de-DE"/>
+          </a:p>
+        </p:txBody>
+      </p:sp>
+      <p:sp>
+        <p:nvSpPr>
+          <p:cNvPr id="41" name="Rechteck 40">
+            <a:extLst>
+              <a:ext uri="{FF2B5EF4-FFF2-40B4-BE49-F238E27FC236}">
+                <a16:creationId xmlns:a16="http://schemas.microsoft.com/office/drawing/2014/main" id="{21072094-8A34-F82B-E75F-798AC8B8F234}"/>
+              </a:ext>
+            </a:extLst>
+          </p:cNvPr>
+          <p:cNvSpPr/>
+          <p:nvPr/>
+        </p:nvSpPr>
+        <p:spPr>
+          <a:xfrm>
+            <a:off x="1846637" y="10770387"/>
+            <a:ext cx="189006" cy="176865"/>
+          </a:xfrm>
+          <a:prstGeom prst="rect">
+            <a:avLst/>
+          </a:prstGeom>
+          <a:solidFill>
+            <a:schemeClr val="bg1"/>
+          </a:solidFill>
+          <a:ln>
+            <a:solidFill>
+              <a:schemeClr val="tx1"/>
+            </a:solidFill>
+          </a:ln>
+        </p:spPr>
+        <p:style>
+          <a:lnRef idx="2">
+            <a:schemeClr val="accent1">
+              <a:shade val="50000"/>
+            </a:schemeClr>
+          </a:lnRef>
+          <a:fillRef idx="1">
+            <a:schemeClr val="accent1"/>
+          </a:fillRef>
+          <a:effectRef idx="0">
+            <a:schemeClr val="accent1"/>
+          </a:effectRef>
+          <a:fontRef idx="minor">
+            <a:schemeClr val="lt1"/>
+          </a:fontRef>
+        </p:style>
+        <p:txBody>
+          <a:bodyPr rtlCol="0" anchor="ctr"/>
+          <a:lstStyle/>
+          <a:p>
+            <a:pPr algn="ctr"/>
+            <a:endParaRPr lang="de-DE"/>
+          </a:p>
+        </p:txBody>
+      </p:sp>
+      <p:sp>
+        <p:nvSpPr>
+          <p:cNvPr id="42" name="Rechteck 41">
+            <a:extLst>
+              <a:ext uri="{FF2B5EF4-FFF2-40B4-BE49-F238E27FC236}">
+                <a16:creationId xmlns:a16="http://schemas.microsoft.com/office/drawing/2014/main" id="{5E62C468-E32B-C2BA-CCF7-5BB2E316BD86}"/>
+              </a:ext>
+            </a:extLst>
+          </p:cNvPr>
+          <p:cNvSpPr/>
+          <p:nvPr/>
+        </p:nvSpPr>
+        <p:spPr>
+          <a:xfrm>
+            <a:off x="3638905" y="10758198"/>
+            <a:ext cx="189006" cy="176865"/>
+          </a:xfrm>
+          <a:prstGeom prst="rect">
+            <a:avLst/>
+          </a:prstGeom>
+          <a:solidFill>
+            <a:schemeClr val="bg1"/>
+          </a:solidFill>
+          <a:ln>
+            <a:solidFill>
+              <a:schemeClr val="tx1"/>
+            </a:solidFill>
+          </a:ln>
+        </p:spPr>
+        <p:style>
+          <a:lnRef idx="2">
+            <a:schemeClr val="accent1">
+              <a:shade val="50000"/>
+            </a:schemeClr>
+          </a:lnRef>
+          <a:fillRef idx="1">
+            <a:schemeClr val="accent1"/>
+          </a:fillRef>
+          <a:effectRef idx="0">
+            <a:schemeClr val="accent1"/>
+          </a:effectRef>
+          <a:fontRef idx="minor">
+            <a:schemeClr val="lt1"/>
+          </a:fontRef>
+        </p:style>
+        <p:txBody>
+          <a:bodyPr rtlCol="0" anchor="ctr"/>
+          <a:lstStyle/>
+          <a:p>
+            <a:pPr algn="ctr"/>
+            <a:endParaRPr lang="de-DE"/>
+          </a:p>
+        </p:txBody>
+      </p:sp>
+      <p:sp>
+        <p:nvSpPr>
+          <p:cNvPr id="43" name="Rechteck 42">
+            <a:extLst>
+              <a:ext uri="{FF2B5EF4-FFF2-40B4-BE49-F238E27FC236}">
+                <a16:creationId xmlns:a16="http://schemas.microsoft.com/office/drawing/2014/main" id="{0773FD2D-3E52-A566-1D63-8D0BB348FE9E}"/>
+              </a:ext>
+            </a:extLst>
+          </p:cNvPr>
+          <p:cNvSpPr/>
+          <p:nvPr/>
+        </p:nvSpPr>
+        <p:spPr>
+          <a:xfrm>
+            <a:off x="3638905" y="11022753"/>
+            <a:ext cx="189006" cy="176865"/>
+          </a:xfrm>
+          <a:prstGeom prst="rect">
+            <a:avLst/>
+          </a:prstGeom>
+          <a:solidFill>
+            <a:schemeClr val="bg1"/>
+          </a:solidFill>
+          <a:ln>
+            <a:solidFill>
+              <a:schemeClr val="tx1"/>
+            </a:solidFill>
+          </a:ln>
+        </p:spPr>
+        <p:style>
+          <a:lnRef idx="2">
+            <a:schemeClr val="accent1">
+              <a:shade val="50000"/>
+            </a:schemeClr>
+          </a:lnRef>
+          <a:fillRef idx="1">
+            <a:schemeClr val="accent1"/>
+          </a:fillRef>
+          <a:effectRef idx="0">
+            <a:schemeClr val="accent1"/>
+          </a:effectRef>
+          <a:fontRef idx="minor">
+            <a:schemeClr val="lt1"/>
+          </a:fontRef>
+        </p:style>
+        <p:txBody>
+          <a:bodyPr rtlCol="0" anchor="ctr"/>
+          <a:lstStyle/>
+          <a:p>
+            <a:pPr algn="ctr"/>
+            <a:endParaRPr lang="de-DE"/>
+          </a:p>
+        </p:txBody>
+      </p:sp>
+      <p:sp>
+        <p:nvSpPr>
+          <p:cNvPr id="44" name="Rechteck 43">
+            <a:extLst>
+              <a:ext uri="{FF2B5EF4-FFF2-40B4-BE49-F238E27FC236}">
+                <a16:creationId xmlns:a16="http://schemas.microsoft.com/office/drawing/2014/main" id="{3D12D663-DB99-5BF5-CBE9-E8706ECEA35E}"/>
+              </a:ext>
+            </a:extLst>
+          </p:cNvPr>
+          <p:cNvSpPr/>
+          <p:nvPr/>
+        </p:nvSpPr>
+        <p:spPr>
+          <a:xfrm>
+            <a:off x="3637589" y="11306487"/>
+            <a:ext cx="189006" cy="176865"/>
+          </a:xfrm>
+          <a:prstGeom prst="rect">
+            <a:avLst/>
+          </a:prstGeom>
+          <a:solidFill>
+            <a:schemeClr val="bg1"/>
+          </a:solidFill>
+          <a:ln>
+            <a:solidFill>
+              <a:schemeClr val="tx1"/>
+            </a:solidFill>
+          </a:ln>
+        </p:spPr>
+        <p:style>
+          <a:lnRef idx="2">
+            <a:schemeClr val="accent1">
+              <a:shade val="50000"/>
+            </a:schemeClr>
+          </a:lnRef>
+          <a:fillRef idx="1">
+            <a:schemeClr val="accent1"/>
+          </a:fillRef>
+          <a:effectRef idx="0">
+            <a:schemeClr val="accent1"/>
+          </a:effectRef>
+          <a:fontRef idx="minor">
+            <a:schemeClr val="lt1"/>
+          </a:fontRef>
+        </p:style>
+        <p:txBody>
+          <a:bodyPr rtlCol="0" anchor="ctr"/>
+          <a:lstStyle/>
+          <a:p>
+            <a:pPr algn="ctr"/>
+            <a:endParaRPr lang="de-DE"/>
+          </a:p>
+        </p:txBody>
+      </p:sp>
+      <p:sp>
+        <p:nvSpPr>
+          <p:cNvPr id="45" name="Rechteck 44">
+            <a:extLst>
+              <a:ext uri="{FF2B5EF4-FFF2-40B4-BE49-F238E27FC236}">
+                <a16:creationId xmlns:a16="http://schemas.microsoft.com/office/drawing/2014/main" id="{00452FE3-C4A9-4616-F1F7-691BB8784294}"/>
+              </a:ext>
+            </a:extLst>
+          </p:cNvPr>
+          <p:cNvSpPr/>
+          <p:nvPr/>
+        </p:nvSpPr>
+        <p:spPr>
+          <a:xfrm>
+            <a:off x="3642849" y="11571042"/>
+            <a:ext cx="189006" cy="176865"/>
+          </a:xfrm>
+          <a:prstGeom prst="rect">
+            <a:avLst/>
+          </a:prstGeom>
+          <a:solidFill>
+            <a:schemeClr val="bg1"/>
+          </a:solidFill>
+          <a:ln>
+            <a:solidFill>
+              <a:schemeClr val="tx1"/>
+            </a:solidFill>
+          </a:ln>
+        </p:spPr>
+        <p:style>
+          <a:lnRef idx="2">
+            <a:schemeClr val="accent1">
+              <a:shade val="50000"/>
+            </a:schemeClr>
+          </a:lnRef>
+          <a:fillRef idx="1">
+            <a:schemeClr val="accent1"/>
+          </a:fillRef>
+          <a:effectRef idx="0">
+            <a:schemeClr val="accent1"/>
+          </a:effectRef>
+          <a:fontRef idx="minor">
+            <a:schemeClr val="lt1"/>
+          </a:fontRef>
+        </p:style>
+        <p:txBody>
+          <a:bodyPr rtlCol="0" anchor="ctr"/>
+          <a:lstStyle/>
+          <a:p>
+            <a:pPr algn="ctr"/>
+            <a:endParaRPr lang="de-DE"/>
+          </a:p>
+        </p:txBody>
+      </p:sp>
+      <p:sp>
+        <p:nvSpPr>
+          <p:cNvPr id="46" name="Rechteck 45">
+            <a:extLst>
+              <a:ext uri="{FF2B5EF4-FFF2-40B4-BE49-F238E27FC236}">
+                <a16:creationId xmlns:a16="http://schemas.microsoft.com/office/drawing/2014/main" id="{2A64632D-2232-552C-2F6B-551FBB25D4BA}"/>
+              </a:ext>
+            </a:extLst>
+          </p:cNvPr>
+          <p:cNvSpPr/>
+          <p:nvPr/>
+        </p:nvSpPr>
+        <p:spPr>
+          <a:xfrm>
+            <a:off x="3642849" y="11835597"/>
+            <a:ext cx="189006" cy="176865"/>
+          </a:xfrm>
+          <a:prstGeom prst="rect">
+            <a:avLst/>
+          </a:prstGeom>
+          <a:solidFill>
+            <a:schemeClr val="bg1"/>
+          </a:solidFill>
+          <a:ln>
+            <a:solidFill>
+              <a:schemeClr val="tx1"/>
+            </a:solidFill>
+          </a:ln>
+        </p:spPr>
+        <p:style>
+          <a:lnRef idx="2">
+            <a:schemeClr val="accent1">
+              <a:shade val="50000"/>
+            </a:schemeClr>
+          </a:lnRef>
+          <a:fillRef idx="1">
+            <a:schemeClr val="accent1"/>
+          </a:fillRef>
+          <a:effectRef idx="0">
+            <a:schemeClr val="accent1"/>
+          </a:effectRef>
+          <a:fontRef idx="minor">
+            <a:schemeClr val="lt1"/>
+          </a:fontRef>
+        </p:style>
+        <p:txBody>
+          <a:bodyPr rtlCol="0" anchor="ctr"/>
+          <a:lstStyle/>
+          <a:p>
+            <a:pPr algn="ctr"/>
+            <a:endParaRPr lang="de-DE"/>
+          </a:p>
+        </p:txBody>
+      </p:sp>
+      <p:sp>
+        <p:nvSpPr>
+          <p:cNvPr id="47" name="Rechteck 46">
+            <a:extLst>
+              <a:ext uri="{FF2B5EF4-FFF2-40B4-BE49-F238E27FC236}">
+                <a16:creationId xmlns:a16="http://schemas.microsoft.com/office/drawing/2014/main" id="{BECAFAC2-F925-3DAA-F28F-3F0E05626A4B}"/>
+              </a:ext>
+            </a:extLst>
+          </p:cNvPr>
+          <p:cNvSpPr/>
+          <p:nvPr/>
+        </p:nvSpPr>
+        <p:spPr>
+          <a:xfrm>
+            <a:off x="3643995" y="12100152"/>
+            <a:ext cx="189006" cy="176865"/>
+          </a:xfrm>
+          <a:prstGeom prst="rect">
+            <a:avLst/>
+          </a:prstGeom>
+          <a:solidFill>
+            <a:schemeClr val="bg1"/>
+          </a:solidFill>
+          <a:ln>
+            <a:solidFill>
+              <a:schemeClr val="tx1"/>
+            </a:solidFill>
+          </a:ln>
+        </p:spPr>
+        <p:style>
+          <a:lnRef idx="2">
+            <a:schemeClr val="accent1">
+              <a:shade val="50000"/>
+            </a:schemeClr>
+          </a:lnRef>
+          <a:fillRef idx="1">
+            <a:schemeClr val="accent1"/>
+          </a:fillRef>
+          <a:effectRef idx="0">
+            <a:schemeClr val="accent1"/>
+          </a:effectRef>
+          <a:fontRef idx="minor">
+            <a:schemeClr val="lt1"/>
+          </a:fontRef>
+        </p:style>
+        <p:txBody>
+          <a:bodyPr rtlCol="0" anchor="ctr"/>
+          <a:lstStyle/>
+          <a:p>
+            <a:pPr algn="ctr"/>
+            <a:endParaRPr lang="de-DE"/>
+          </a:p>
+        </p:txBody>
+      </p:sp>
+      <p:sp>
+        <p:nvSpPr>
+          <p:cNvPr id="48" name="Rechteck 47">
+            <a:extLst>
+              <a:ext uri="{FF2B5EF4-FFF2-40B4-BE49-F238E27FC236}">
+                <a16:creationId xmlns:a16="http://schemas.microsoft.com/office/drawing/2014/main" id="{EF39C43C-26E2-D1F1-5D23-A24F108E5E58}"/>
+              </a:ext>
+            </a:extLst>
+          </p:cNvPr>
+          <p:cNvSpPr/>
+          <p:nvPr/>
+        </p:nvSpPr>
+        <p:spPr>
+          <a:xfrm>
+            <a:off x="3647310" y="12403715"/>
+            <a:ext cx="189006" cy="176865"/>
+          </a:xfrm>
+          <a:prstGeom prst="rect">
+            <a:avLst/>
+          </a:prstGeom>
+          <a:solidFill>
+            <a:schemeClr val="bg1"/>
+          </a:solidFill>
+          <a:ln>
+            <a:solidFill>
+              <a:schemeClr val="tx1"/>
+            </a:solidFill>
+          </a:ln>
+        </p:spPr>
+        <p:style>
+          <a:lnRef idx="2">
+            <a:schemeClr val="accent1">
+              <a:shade val="50000"/>
+            </a:schemeClr>
+          </a:lnRef>
+          <a:fillRef idx="1">
+            <a:schemeClr val="accent1"/>
+          </a:fillRef>
+          <a:effectRef idx="0">
+            <a:schemeClr val="accent1"/>
+          </a:effectRef>
+          <a:fontRef idx="minor">
+            <a:schemeClr val="lt1"/>
+          </a:fontRef>
+        </p:style>
+        <p:txBody>
+          <a:bodyPr rtlCol="0" anchor="ctr"/>
+          <a:lstStyle/>
+          <a:p>
+            <a:pPr algn="ctr"/>
+            <a:endParaRPr lang="de-DE"/>
+          </a:p>
+        </p:txBody>
+      </p:sp>
+      <p:sp>
+        <p:nvSpPr>
+          <p:cNvPr id="49" name="Rechteck 48">
+            <a:extLst>
+              <a:ext uri="{FF2B5EF4-FFF2-40B4-BE49-F238E27FC236}">
+                <a16:creationId xmlns:a16="http://schemas.microsoft.com/office/drawing/2014/main" id="{769027C9-8D8D-F7E7-7A82-E735FAFAACCD}"/>
+              </a:ext>
+            </a:extLst>
+          </p:cNvPr>
+          <p:cNvSpPr/>
+          <p:nvPr/>
+        </p:nvSpPr>
+        <p:spPr>
+          <a:xfrm>
+            <a:off x="3647254" y="12668270"/>
+            <a:ext cx="189006" cy="176865"/>
+          </a:xfrm>
+          <a:prstGeom prst="rect">
+            <a:avLst/>
+          </a:prstGeom>
+          <a:solidFill>
+            <a:schemeClr val="bg1"/>
+          </a:solidFill>
+          <a:ln>
+            <a:solidFill>
+              <a:schemeClr val="tx1"/>
+            </a:solidFill>
+          </a:ln>
+        </p:spPr>
+        <p:style>
+          <a:lnRef idx="2">
+            <a:schemeClr val="accent1">
+              <a:shade val="50000"/>
+            </a:schemeClr>
+          </a:lnRef>
+          <a:fillRef idx="1">
+            <a:schemeClr val="accent1"/>
+          </a:fillRef>
+          <a:effectRef idx="0">
+            <a:schemeClr val="accent1"/>
+          </a:effectRef>
+          <a:fontRef idx="minor">
+            <a:schemeClr val="lt1"/>
+          </a:fontRef>
+        </p:style>
+        <p:txBody>
+          <a:bodyPr rtlCol="0" anchor="ctr"/>
+          <a:lstStyle/>
+          <a:p>
+            <a:pPr algn="ctr"/>
+            <a:endParaRPr lang="de-DE"/>
+          </a:p>
+        </p:txBody>
+      </p:sp>
+      <p:sp>
+        <p:nvSpPr>
+          <p:cNvPr id="50" name="Multiplikationszeichen 49">
+            <a:extLst>
+              <a:ext uri="{FF2B5EF4-FFF2-40B4-BE49-F238E27FC236}">
+                <a16:creationId xmlns:a16="http://schemas.microsoft.com/office/drawing/2014/main" id="{EDBA6FAB-B9A8-446A-1AFF-E2DA2964E29F}"/>
+              </a:ext>
+            </a:extLst>
+          </p:cNvPr>
+          <p:cNvSpPr/>
+          <p:nvPr/>
+        </p:nvSpPr>
+        <p:spPr>
+          <a:xfrm>
+            <a:off x="3637589" y="12072871"/>
+            <a:ext cx="189006" cy="231426"/>
+          </a:xfrm>
+          <a:prstGeom prst="mathMultiply">
+            <a:avLst/>
+          </a:prstGeom>
+        </p:spPr>
+        <p:style>
+          <a:lnRef idx="2">
+            <a:schemeClr val="dk1">
+              <a:shade val="50000"/>
+            </a:schemeClr>
+          </a:lnRef>
+          <a:fillRef idx="1">
+            <a:schemeClr val="dk1"/>
+          </a:fillRef>
+          <a:effectRef idx="0">
+            <a:schemeClr val="dk1"/>
+          </a:effectRef>
+          <a:fontRef idx="minor">
+            <a:schemeClr val="lt1"/>
+          </a:fontRef>
+        </p:style>
+        <p:txBody>
+          <a:bodyPr rtlCol="0" anchor="ctr"/>
+          <a:lstStyle/>
+          <a:p>
+            <a:pPr algn="ctr"/>
+            <a:endParaRPr lang="de-DE"/>
+          </a:p>
+        </p:txBody>
+      </p:sp>
+      <p:sp>
+        <p:nvSpPr>
+          <p:cNvPr id="51" name="Multiplikationszeichen 50">
+            <a:extLst>
+              <a:ext uri="{FF2B5EF4-FFF2-40B4-BE49-F238E27FC236}">
+                <a16:creationId xmlns:a16="http://schemas.microsoft.com/office/drawing/2014/main" id="{4A668303-9724-75DC-DAD0-9E80B394575D}"/>
+              </a:ext>
+            </a:extLst>
+          </p:cNvPr>
+          <p:cNvSpPr/>
+          <p:nvPr/>
+        </p:nvSpPr>
+        <p:spPr>
+          <a:xfrm>
+            <a:off x="539222" y="11746091"/>
+            <a:ext cx="189006" cy="231426"/>
+          </a:xfrm>
+          <a:prstGeom prst="mathMultiply">
+            <a:avLst/>
+          </a:prstGeom>
+        </p:spPr>
+        <p:style>
+          <a:lnRef idx="2">
+            <a:schemeClr val="dk1">
+              <a:shade val="50000"/>
+            </a:schemeClr>
+          </a:lnRef>
+          <a:fillRef idx="1">
+            <a:schemeClr val="dk1"/>
+          </a:fillRef>
+          <a:effectRef idx="0">
+            <a:schemeClr val="dk1"/>
+          </a:effectRef>
+          <a:fontRef idx="minor">
+            <a:schemeClr val="lt1"/>
+          </a:fontRef>
+        </p:style>
+        <p:txBody>
+          <a:bodyPr rtlCol="0" anchor="ctr"/>
+          <a:lstStyle/>
+          <a:p>
+            <a:pPr algn="ctr"/>
+            <a:endParaRPr lang="de-DE"/>
+          </a:p>
+        </p:txBody>
+      </p:sp>
+      <p:sp>
+        <p:nvSpPr>
+          <p:cNvPr id="52" name="Multiplikationszeichen 51">
+            <a:extLst>
+              <a:ext uri="{FF2B5EF4-FFF2-40B4-BE49-F238E27FC236}">
+                <a16:creationId xmlns:a16="http://schemas.microsoft.com/office/drawing/2014/main" id="{78BBC5F3-0ABB-A3A7-80B0-774718BC823D}"/>
+              </a:ext>
+            </a:extLst>
+          </p:cNvPr>
+          <p:cNvSpPr/>
+          <p:nvPr/>
+        </p:nvSpPr>
+        <p:spPr>
+          <a:xfrm>
+            <a:off x="1846637" y="10744103"/>
+            <a:ext cx="189006" cy="231426"/>
+          </a:xfrm>
+          <a:prstGeom prst="mathMultiply">
+            <a:avLst/>
+          </a:prstGeom>
+        </p:spPr>
+        <p:style>
+          <a:lnRef idx="2">
+            <a:schemeClr val="dk1">
+              <a:shade val="50000"/>
+            </a:schemeClr>
+          </a:lnRef>
+          <a:fillRef idx="1">
+            <a:schemeClr val="dk1"/>
+          </a:fillRef>
+          <a:effectRef idx="0">
+            <a:schemeClr val="dk1"/>
+          </a:effectRef>
+          <a:fontRef idx="minor">
+            <a:schemeClr val="lt1"/>
+          </a:fontRef>
+        </p:style>
+        <p:txBody>
+          <a:bodyPr rtlCol="0" anchor="ctr"/>
+          <a:lstStyle/>
+          <a:p>
+            <a:pPr algn="ctr"/>
+            <a:endParaRPr lang="de-DE"/>
+          </a:p>
+        </p:txBody>
+      </p:sp>
+      <p:sp>
+        <p:nvSpPr>
+          <p:cNvPr id="53" name="Multiplikationszeichen 52">
+            <a:extLst>
+              <a:ext uri="{FF2B5EF4-FFF2-40B4-BE49-F238E27FC236}">
+                <a16:creationId xmlns:a16="http://schemas.microsoft.com/office/drawing/2014/main" id="{2E42FF09-6E0C-F812-F7B3-3A0F792756E3}"/>
+              </a:ext>
+            </a:extLst>
+          </p:cNvPr>
+          <p:cNvSpPr/>
+          <p:nvPr/>
+        </p:nvSpPr>
+        <p:spPr>
+          <a:xfrm>
+            <a:off x="3643995" y="12370555"/>
+            <a:ext cx="189006" cy="231426"/>
+          </a:xfrm>
+          <a:prstGeom prst="mathMultiply">
+            <a:avLst/>
+          </a:prstGeom>
+        </p:spPr>
+        <p:style>
+          <a:lnRef idx="2">
+            <a:schemeClr val="dk1">
+              <a:shade val="50000"/>
+            </a:schemeClr>
+          </a:lnRef>
+          <a:fillRef idx="1">
+            <a:schemeClr val="dk1"/>
+          </a:fillRef>
+          <a:effectRef idx="0">
+            <a:schemeClr val="dk1"/>
+          </a:effectRef>
+          <a:fontRef idx="minor">
+            <a:schemeClr val="lt1"/>
+          </a:fontRef>
+        </p:style>
+        <p:txBody>
+          <a:bodyPr rtlCol="0" anchor="ctr"/>
+          <a:lstStyle/>
+          <a:p>
+            <a:pPr algn="ctr"/>
+            <a:endParaRPr lang="de-DE"/>
+          </a:p>
+        </p:txBody>
+      </p:sp>
+      <p:sp>
+        <p:nvSpPr>
+          <p:cNvPr id="54" name="Multiplikationszeichen 53">
+            <a:extLst>
+              <a:ext uri="{FF2B5EF4-FFF2-40B4-BE49-F238E27FC236}">
+                <a16:creationId xmlns:a16="http://schemas.microsoft.com/office/drawing/2014/main" id="{012381F6-2848-2746-4C49-3599E6EE0C51}"/>
+              </a:ext>
+            </a:extLst>
+          </p:cNvPr>
+          <p:cNvSpPr/>
+          <p:nvPr/>
+        </p:nvSpPr>
+        <p:spPr>
+          <a:xfrm>
+            <a:off x="3647880" y="12640989"/>
+            <a:ext cx="189006" cy="231426"/>
+          </a:xfrm>
+          <a:prstGeom prst="mathMultiply">
+            <a:avLst/>
+          </a:prstGeom>
+        </p:spPr>
+        <p:style>
+          <a:lnRef idx="2">
+            <a:schemeClr val="dk1">
+              <a:shade val="50000"/>
+            </a:schemeClr>
+          </a:lnRef>
+          <a:fillRef idx="1">
+            <a:schemeClr val="dk1"/>
+          </a:fillRef>
+          <a:effectRef idx="0">
+            <a:schemeClr val="dk1"/>
+          </a:effectRef>
+          <a:fontRef idx="minor">
+            <a:schemeClr val="lt1"/>
+          </a:fontRef>
+        </p:style>
+        <p:txBody>
+          <a:bodyPr rtlCol="0" anchor="ctr"/>
+          <a:lstStyle/>
+          <a:p>
+            <a:pPr algn="ctr"/>
+            <a:endParaRPr lang="de-DE"/>
           </a:p>
         </p:txBody>
       </p:sp>
     </p:spTree>
     <p:extLst>
       <p:ext uri="{BB962C8B-B14F-4D97-AF65-F5344CB8AC3E}">
-        <p14:creationId xmlns:p14="http://schemas.microsoft.com/office/powerpoint/2010/main" val="768395849"/>
+        <p14:creationId xmlns:p14="http://schemas.microsoft.com/office/powerpoint/2010/main" val="201013630"/>
       </p:ext>
     </p:extLst>
   </p:cSld>
@@ -3711,9 +6230,9 @@
 </file>
 
 <file path=ppt/theme/theme1.xml><?xml version="1.0" encoding="utf-8"?>
-<a:theme xmlns:a="http://schemas.openxmlformats.org/drawingml/2006/main" name="Office Theme">
+<a:theme xmlns:a="http://schemas.openxmlformats.org/drawingml/2006/main" name="Office">
   <a:themeElements>
-    <a:clrScheme name="Office Theme">
+    <a:clrScheme name="Office">
       <a:dk1>
         <a:sysClr val="windowText" lastClr="000000"/>
       </a:dk1>
@@ -3751,7 +6270,7 @@
         <a:srgbClr val="954F72"/>
       </a:folHlink>
     </a:clrScheme>
-    <a:fontScheme name="Office Theme">
+    <a:fontScheme name="Office">
       <a:majorFont>
         <a:latin typeface="Calibri Light" panose="020F0302020204030204"/>
         <a:ea typeface=""/>
@@ -3823,7 +6342,7 @@
         <a:font script="Geor" typeface="Sylfaen"/>
       </a:minorFont>
     </a:fontScheme>
-    <a:fmtScheme name="Office Theme">
+    <a:fmtScheme name="Office">
       <a:fillStyleLst>
         <a:solidFill>
           <a:schemeClr val="phClr"/>
